--- a/PPT/PM和骨骼动画处理.pptx
+++ b/PPT/PM和骨骼动画处理.pptx
@@ -9,6 +9,8 @@
   </p:notesMasterIdLst>
   <p:sldIdLst>
     <p:sldId id="266" r:id="rId3"/>
+    <p:sldId id="267" r:id="rId5"/>
+    <p:sldId id="268" r:id="rId6"/>
   </p:sldIdLst>
   <p:sldSz cx="12192000" cy="6858000"/>
   <p:notesSz cx="6858000" cy="9144000"/>
@@ -113,6 +115,8 @@
         <p14:section name="PM和骨骼动画处理" id="{f46a0d25-01e4-416b-bfec-b27395a31837}">
           <p14:sldIdLst>
             <p14:sldId id="266"/>
+            <p14:sldId id="267"/>
+            <p14:sldId id="268"/>
           </p14:sldIdLst>
         </p14:section>
       </p14:sectionLst>
@@ -475,6 +479,94 @@
 </file>
 
 <file path=ppt/notesSlides/notesSlide1.xml><?xml version="1.0" encoding="utf-8"?>
+<p:notes xmlns:a="http://schemas.openxmlformats.org/drawingml/2006/main" xmlns:r="http://schemas.openxmlformats.org/officeDocument/2006/relationships" xmlns:p="http://schemas.openxmlformats.org/presentationml/2006/main">
+  <p:cSld>
+    <p:spTree>
+      <p:nvGrpSpPr>
+        <p:cNvPr id="1" name=""/>
+        <p:cNvGrpSpPr/>
+        <p:nvPr/>
+      </p:nvGrpSpPr>
+      <p:grpSpPr/>
+      <p:sp>
+        <p:nvSpPr>
+          <p:cNvPr id="2" name="幻灯片图像占位符 1"/>
+          <p:cNvSpPr/>
+          <p:nvPr>
+            <p:ph type="sldImg" idx="2"/>
+          </p:nvPr>
+        </p:nvSpPr>
+        <p:spPr/>
+      </p:sp>
+      <p:sp>
+        <p:nvSpPr>
+          <p:cNvPr id="3" name="文本占位符 2"/>
+          <p:cNvSpPr/>
+          <p:nvPr>
+            <p:ph type="body" idx="3"/>
+          </p:nvPr>
+        </p:nvSpPr>
+        <p:spPr/>
+        <p:txBody>
+          <a:bodyPr/>
+          <a:p>
+            <a:endParaRPr lang="zh-CN" altLang="en-US"/>
+          </a:p>
+        </p:txBody>
+      </p:sp>
+    </p:spTree>
+  </p:cSld>
+  <p:clrMapOvr>
+    <a:masterClrMapping/>
+  </p:clrMapOvr>
+</p:notes>
+</file>
+
+<file path=ppt/notesSlides/notesSlide2.xml><?xml version="1.0" encoding="utf-8"?>
+<p:notes xmlns:a="http://schemas.openxmlformats.org/drawingml/2006/main" xmlns:r="http://schemas.openxmlformats.org/officeDocument/2006/relationships" xmlns:p="http://schemas.openxmlformats.org/presentationml/2006/main">
+  <p:cSld>
+    <p:spTree>
+      <p:nvGrpSpPr>
+        <p:cNvPr id="1" name=""/>
+        <p:cNvGrpSpPr/>
+        <p:nvPr/>
+      </p:nvGrpSpPr>
+      <p:grpSpPr/>
+      <p:sp>
+        <p:nvSpPr>
+          <p:cNvPr id="2" name="幻灯片图像占位符 1"/>
+          <p:cNvSpPr/>
+          <p:nvPr>
+            <p:ph type="sldImg" idx="2"/>
+          </p:nvPr>
+        </p:nvSpPr>
+        <p:spPr/>
+      </p:sp>
+      <p:sp>
+        <p:nvSpPr>
+          <p:cNvPr id="3" name="文本占位符 2"/>
+          <p:cNvSpPr/>
+          <p:nvPr>
+            <p:ph type="body" idx="3"/>
+          </p:nvPr>
+        </p:nvSpPr>
+        <p:spPr/>
+        <p:txBody>
+          <a:bodyPr/>
+          <a:p>
+            <a:endParaRPr lang="zh-CN" altLang="en-US"/>
+          </a:p>
+        </p:txBody>
+      </p:sp>
+    </p:spTree>
+  </p:cSld>
+  <p:clrMapOvr>
+    <a:masterClrMapping/>
+  </p:clrMapOvr>
+</p:notes>
+</file>
+
+<file path=ppt/notesSlides/notesSlide3.xml><?xml version="1.0" encoding="utf-8"?>
 <p:notes xmlns:a="http://schemas.openxmlformats.org/drawingml/2006/main" xmlns:r="http://schemas.openxmlformats.org/officeDocument/2006/relationships" xmlns:p="http://schemas.openxmlformats.org/presentationml/2006/main">
   <p:cSld>
     <p:spTree>
@@ -3334,6 +3426,92 @@
       </p:grpSpPr>
       <p:sp>
         <p:nvSpPr>
+          <p:cNvPr id="8" name="矩形 7"/>
+          <p:cNvSpPr/>
+          <p:nvPr/>
+        </p:nvSpPr>
+        <p:spPr>
+          <a:xfrm>
+            <a:off x="5036820" y="3105785"/>
+            <a:ext cx="1939290" cy="2882900"/>
+          </a:xfrm>
+          <a:prstGeom prst="rect">
+            <a:avLst/>
+          </a:prstGeom>
+          <a:solidFill>
+            <a:schemeClr val="accent1">
+              <a:lumMod val="20000"/>
+              <a:lumOff val="80000"/>
+            </a:schemeClr>
+          </a:solidFill>
+        </p:spPr>
+        <p:style>
+          <a:lnRef idx="1">
+            <a:schemeClr val="accent3"/>
+          </a:lnRef>
+          <a:fillRef idx="2">
+            <a:schemeClr val="accent3"/>
+          </a:fillRef>
+          <a:effectRef idx="1">
+            <a:schemeClr val="accent3"/>
+          </a:effectRef>
+          <a:fontRef idx="minor">
+            <a:schemeClr val="dk1"/>
+          </a:fontRef>
+        </p:style>
+        <p:txBody>
+          <a:bodyPr rtlCol="0" anchor="ctr"/>
+          <a:p>
+            <a:pPr algn="ctr"/>
+            <a:endParaRPr lang="zh-CN" altLang="en-US"/>
+          </a:p>
+        </p:txBody>
+      </p:sp>
+      <p:sp>
+        <p:nvSpPr>
+          <p:cNvPr id="9" name="矩形 8"/>
+          <p:cNvSpPr/>
+          <p:nvPr/>
+        </p:nvSpPr>
+        <p:spPr>
+          <a:xfrm>
+            <a:off x="7350760" y="3104515"/>
+            <a:ext cx="4195445" cy="2884170"/>
+          </a:xfrm>
+          <a:prstGeom prst="rect">
+            <a:avLst/>
+          </a:prstGeom>
+          <a:solidFill>
+            <a:schemeClr val="accent1">
+              <a:lumMod val="20000"/>
+              <a:lumOff val="80000"/>
+            </a:schemeClr>
+          </a:solidFill>
+        </p:spPr>
+        <p:style>
+          <a:lnRef idx="1">
+            <a:schemeClr val="accent3"/>
+          </a:lnRef>
+          <a:fillRef idx="2">
+            <a:schemeClr val="accent3"/>
+          </a:fillRef>
+          <a:effectRef idx="1">
+            <a:schemeClr val="accent3"/>
+          </a:effectRef>
+          <a:fontRef idx="minor">
+            <a:schemeClr val="dk1"/>
+          </a:fontRef>
+        </p:style>
+        <p:txBody>
+          <a:bodyPr rtlCol="0" anchor="ctr"/>
+          <a:p>
+            <a:pPr algn="ctr"/>
+            <a:endParaRPr lang="zh-CN" altLang="en-US"/>
+          </a:p>
+        </p:txBody>
+      </p:sp>
+      <p:sp>
+        <p:nvSpPr>
           <p:cNvPr id="4" name="矩形 3"/>
           <p:cNvSpPr/>
           <p:nvPr/>
@@ -5633,7 +5811,7 @@
         <p:spPr>
           <a:xfrm>
             <a:off x="462915" y="3105785"/>
-            <a:ext cx="11276965" cy="3221355"/>
+            <a:ext cx="4195445" cy="2884170"/>
           </a:xfrm>
           <a:prstGeom prst="rect">
             <a:avLst/>
@@ -5751,7 +5929,7 @@
         <p:spPr>
           <a:xfrm>
             <a:off x="518160" y="3986530"/>
-            <a:ext cx="998855" cy="1346200"/>
+            <a:ext cx="795020" cy="1072515"/>
           </a:xfrm>
           <a:prstGeom prst="rect">
             <a:avLst/>
@@ -5774,7 +5952,7 @@
         </p:blipFill>
         <p:spPr>
           <a:xfrm>
-            <a:off x="3099435" y="3814128"/>
+            <a:off x="3292475" y="3814128"/>
             <a:ext cx="748030" cy="1689735"/>
           </a:xfrm>
           <a:prstGeom prst="rect">
@@ -5790,8 +5968,8 @@
         </p:nvSpPr>
         <p:spPr>
           <a:xfrm>
-            <a:off x="1591310" y="4149725"/>
-            <a:ext cx="1395095" cy="1053465"/>
+            <a:off x="1372870" y="4110355"/>
+            <a:ext cx="1395095" cy="1092835"/>
           </a:xfrm>
           <a:prstGeom prst="rightArrow">
             <a:avLst/>
@@ -6705,6 +6883,7339 @@
           </a:prstGeom>
         </p:spPr>
       </p:pic>
+      <p:pic>
+        <p:nvPicPr>
+          <p:cNvPr id="6" name="图片 5"/>
+          <p:cNvPicPr>
+            <a:picLocks noChangeAspect="1"/>
+          </p:cNvPicPr>
+          <p:nvPr/>
+        </p:nvPicPr>
+        <p:blipFill>
+          <a:blip r:embed="rId24">
+            <a:clrChange>
+              <a:clrFrom>
+                <a:srgbClr val="3C3C3C">
+                  <a:alpha val="100000"/>
+                </a:srgbClr>
+              </a:clrFrom>
+              <a:clrTo>
+                <a:srgbClr val="3C3C3C">
+                  <a:alpha val="100000"/>
+                  <a:alpha val="0"/>
+                </a:srgbClr>
+              </a:clrTo>
+            </a:clrChange>
+          </a:blip>
+          <a:stretch>
+            <a:fillRect/>
+          </a:stretch>
+        </p:blipFill>
+        <p:spPr>
+          <a:xfrm>
+            <a:off x="2608580" y="4110355"/>
+            <a:ext cx="853440" cy="1277620"/>
+          </a:xfrm>
+          <a:prstGeom prst="rect">
+            <a:avLst/>
+          </a:prstGeom>
+          <a:noFill/>
+          <a:ln w="9525">
+            <a:noFill/>
+          </a:ln>
+        </p:spPr>
+      </p:pic>
+    </p:spTree>
+  </p:cSld>
+  <p:clrMapOvr>
+    <a:masterClrMapping/>
+  </p:clrMapOvr>
+</p:sld>
+</file>
+
+<file path=ppt/slides/slide2.xml><?xml version="1.0" encoding="utf-8"?>
+<p:sld xmlns:a="http://schemas.openxmlformats.org/drawingml/2006/main" xmlns:r="http://schemas.openxmlformats.org/officeDocument/2006/relationships" xmlns:p="http://schemas.openxmlformats.org/presentationml/2006/main">
+  <p:cSld>
+    <p:spTree>
+      <p:nvGrpSpPr>
+        <p:cNvPr id="1" name=""/>
+        <p:cNvGrpSpPr/>
+        <p:nvPr/>
+      </p:nvGrpSpPr>
+      <p:grpSpPr>
+        <a:xfrm>
+          <a:off x="0" y="0"/>
+          <a:ext cx="0" cy="0"/>
+          <a:chOff x="0" y="0"/>
+          <a:chExt cx="0" cy="0"/>
+        </a:xfrm>
+      </p:grpSpPr>
+      <p:sp>
+        <p:nvSpPr>
+          <p:cNvPr id="8" name="矩形 7"/>
+          <p:cNvSpPr/>
+          <p:nvPr/>
+        </p:nvSpPr>
+        <p:spPr>
+          <a:xfrm>
+            <a:off x="4803140" y="3081020"/>
+            <a:ext cx="1643380" cy="2882900"/>
+          </a:xfrm>
+          <a:prstGeom prst="rect">
+            <a:avLst/>
+          </a:prstGeom>
+          <a:solidFill>
+            <a:schemeClr val="accent1">
+              <a:lumMod val="20000"/>
+              <a:lumOff val="80000"/>
+            </a:schemeClr>
+          </a:solidFill>
+        </p:spPr>
+        <p:style>
+          <a:lnRef idx="1">
+            <a:schemeClr val="accent3"/>
+          </a:lnRef>
+          <a:fillRef idx="2">
+            <a:schemeClr val="accent3"/>
+          </a:fillRef>
+          <a:effectRef idx="1">
+            <a:schemeClr val="accent3"/>
+          </a:effectRef>
+          <a:fontRef idx="minor">
+            <a:schemeClr val="dk1"/>
+          </a:fontRef>
+        </p:style>
+        <p:txBody>
+          <a:bodyPr rtlCol="0" anchor="ctr"/>
+          <a:p>
+            <a:pPr algn="ctr"/>
+            <a:endParaRPr lang="zh-CN" altLang="en-US"/>
+          </a:p>
+        </p:txBody>
+      </p:sp>
+      <p:sp>
+        <p:nvSpPr>
+          <p:cNvPr id="9" name="矩形 8"/>
+          <p:cNvSpPr/>
+          <p:nvPr/>
+        </p:nvSpPr>
+        <p:spPr>
+          <a:xfrm>
+            <a:off x="6684645" y="3103880"/>
+            <a:ext cx="5217795" cy="3515995"/>
+          </a:xfrm>
+          <a:prstGeom prst="rect">
+            <a:avLst/>
+          </a:prstGeom>
+          <a:solidFill>
+            <a:schemeClr val="accent1">
+              <a:lumMod val="20000"/>
+              <a:lumOff val="80000"/>
+            </a:schemeClr>
+          </a:solidFill>
+        </p:spPr>
+        <p:style>
+          <a:lnRef idx="1">
+            <a:schemeClr val="accent3"/>
+          </a:lnRef>
+          <a:fillRef idx="2">
+            <a:schemeClr val="accent3"/>
+          </a:fillRef>
+          <a:effectRef idx="1">
+            <a:schemeClr val="accent3"/>
+          </a:effectRef>
+          <a:fontRef idx="minor">
+            <a:schemeClr val="dk1"/>
+          </a:fontRef>
+        </p:style>
+        <p:txBody>
+          <a:bodyPr rtlCol="0" anchor="ctr"/>
+          <a:p>
+            <a:pPr algn="ctr"/>
+            <a:endParaRPr lang="zh-CN" altLang="en-US"/>
+          </a:p>
+        </p:txBody>
+      </p:sp>
+      <p:sp>
+        <p:nvSpPr>
+          <p:cNvPr id="4" name="矩形 3"/>
+          <p:cNvSpPr/>
+          <p:nvPr/>
+        </p:nvSpPr>
+        <p:spPr>
+          <a:xfrm>
+            <a:off x="7463790" y="410210"/>
+            <a:ext cx="3997325" cy="2516505"/>
+          </a:xfrm>
+          <a:prstGeom prst="rect">
+            <a:avLst/>
+          </a:prstGeom>
+          <a:solidFill>
+            <a:schemeClr val="accent1">
+              <a:lumMod val="20000"/>
+              <a:lumOff val="80000"/>
+            </a:schemeClr>
+          </a:solidFill>
+        </p:spPr>
+        <p:style>
+          <a:lnRef idx="1">
+            <a:schemeClr val="accent3"/>
+          </a:lnRef>
+          <a:fillRef idx="2">
+            <a:schemeClr val="accent3"/>
+          </a:fillRef>
+          <a:effectRef idx="1">
+            <a:schemeClr val="accent3"/>
+          </a:effectRef>
+          <a:fontRef idx="minor">
+            <a:schemeClr val="dk1"/>
+          </a:fontRef>
+        </p:style>
+        <p:txBody>
+          <a:bodyPr rtlCol="0" anchor="ctr"/>
+          <a:lstStyle/>
+          <a:p>
+            <a:pPr algn="ctr"/>
+            <a:endParaRPr lang="zh-CN" altLang="en-US"/>
+          </a:p>
+        </p:txBody>
+      </p:sp>
+      <p:sp>
+        <p:nvSpPr>
+          <p:cNvPr id="3" name="矩形 2"/>
+          <p:cNvSpPr/>
+          <p:nvPr/>
+        </p:nvSpPr>
+        <p:spPr>
+          <a:xfrm>
+            <a:off x="5099685" y="410210"/>
+            <a:ext cx="1876425" cy="2515870"/>
+          </a:xfrm>
+          <a:prstGeom prst="rect">
+            <a:avLst/>
+          </a:prstGeom>
+          <a:solidFill>
+            <a:schemeClr val="accent1">
+              <a:lumMod val="20000"/>
+              <a:lumOff val="80000"/>
+            </a:schemeClr>
+          </a:solidFill>
+        </p:spPr>
+        <p:style>
+          <a:lnRef idx="1">
+            <a:schemeClr val="accent3"/>
+          </a:lnRef>
+          <a:fillRef idx="2">
+            <a:schemeClr val="accent3"/>
+          </a:fillRef>
+          <a:effectRef idx="1">
+            <a:schemeClr val="accent3"/>
+          </a:effectRef>
+          <a:fontRef idx="minor">
+            <a:schemeClr val="dk1"/>
+          </a:fontRef>
+        </p:style>
+        <p:txBody>
+          <a:bodyPr rtlCol="0" anchor="ctr"/>
+          <a:lstStyle/>
+          <a:p>
+            <a:pPr algn="ctr"/>
+            <a:endParaRPr lang="zh-CN" altLang="en-US"/>
+          </a:p>
+        </p:txBody>
+      </p:sp>
+      <p:sp>
+        <p:nvSpPr>
+          <p:cNvPr id="19" name="流程图: 磁盘 18"/>
+          <p:cNvSpPr/>
+          <p:nvPr/>
+        </p:nvSpPr>
+        <p:spPr>
+          <a:xfrm>
+            <a:off x="5188585" y="673735"/>
+            <a:ext cx="1664970" cy="2115185"/>
+          </a:xfrm>
+          <a:prstGeom prst="flowChartMagneticDisk">
+            <a:avLst/>
+          </a:prstGeom>
+          <a:solidFill>
+            <a:schemeClr val="bg2"/>
+          </a:solidFill>
+        </p:spPr>
+        <p:style>
+          <a:lnRef idx="2">
+            <a:schemeClr val="accent3">
+              <a:shade val="50000"/>
+            </a:schemeClr>
+          </a:lnRef>
+          <a:fillRef idx="1">
+            <a:schemeClr val="accent3"/>
+          </a:fillRef>
+          <a:effectRef idx="0">
+            <a:schemeClr val="accent3"/>
+          </a:effectRef>
+          <a:fontRef idx="minor">
+            <a:schemeClr val="lt1"/>
+          </a:fontRef>
+        </p:style>
+        <p:txBody>
+          <a:bodyPr rtlCol="0" anchor="ctr"/>
+          <a:p>
+            <a:pPr algn="ctr"/>
+            <a:endParaRPr lang="zh-CN" altLang="en-US"/>
+          </a:p>
+        </p:txBody>
+      </p:sp>
+      <p:sp>
+        <p:nvSpPr>
+          <p:cNvPr id="2" name="矩形 1"/>
+          <p:cNvSpPr/>
+          <p:nvPr/>
+        </p:nvSpPr>
+        <p:spPr>
+          <a:xfrm>
+            <a:off x="457835" y="410210"/>
+            <a:ext cx="4199890" cy="2515235"/>
+          </a:xfrm>
+          <a:prstGeom prst="rect">
+            <a:avLst/>
+          </a:prstGeom>
+          <a:solidFill>
+            <a:schemeClr val="accent1">
+              <a:lumMod val="20000"/>
+              <a:lumOff val="80000"/>
+            </a:schemeClr>
+          </a:solidFill>
+        </p:spPr>
+        <p:style>
+          <a:lnRef idx="1">
+            <a:schemeClr val="accent3"/>
+          </a:lnRef>
+          <a:fillRef idx="2">
+            <a:schemeClr val="accent3"/>
+          </a:fillRef>
+          <a:effectRef idx="1">
+            <a:schemeClr val="accent3"/>
+          </a:effectRef>
+          <a:fontRef idx="minor">
+            <a:schemeClr val="dk1"/>
+          </a:fontRef>
+        </p:style>
+        <p:txBody>
+          <a:bodyPr rtlCol="0" anchor="ctr"/>
+          <a:lstStyle/>
+          <a:p>
+            <a:pPr algn="ctr"/>
+            <a:endParaRPr lang="zh-CN" altLang="en-US"/>
+          </a:p>
+        </p:txBody>
+      </p:sp>
+      <p:sp>
+        <p:nvSpPr>
+          <p:cNvPr id="30" name="圆角矩形 29"/>
+          <p:cNvSpPr/>
+          <p:nvPr/>
+        </p:nvSpPr>
+        <p:spPr>
+          <a:xfrm>
+            <a:off x="5568315" y="1537335"/>
+            <a:ext cx="947420" cy="225425"/>
+          </a:xfrm>
+          <a:prstGeom prst="roundRect">
+            <a:avLst/>
+          </a:prstGeom>
+          <a:effectLst>
+            <a:outerShdw blurRad="50800" dist="38100" dir="18900000" algn="bl" rotWithShape="0">
+              <a:prstClr val="black">
+                <a:alpha val="40000"/>
+              </a:prstClr>
+            </a:outerShdw>
+            <a:reflection stA="45000" endPos="0" dir="5400000" sy="-100000" algn="bl" rotWithShape="0"/>
+          </a:effectLst>
+        </p:spPr>
+        <p:style>
+          <a:lnRef idx="2">
+            <a:schemeClr val="accent1">
+              <a:shade val="50000"/>
+            </a:schemeClr>
+          </a:lnRef>
+          <a:fillRef idx="1">
+            <a:schemeClr val="accent1"/>
+          </a:fillRef>
+          <a:effectRef idx="0">
+            <a:schemeClr val="accent1"/>
+          </a:effectRef>
+          <a:fontRef idx="minor">
+            <a:schemeClr val="lt1"/>
+          </a:fontRef>
+        </p:style>
+        <p:txBody>
+          <a:bodyPr rtlCol="0" anchor="ctr"/>
+          <a:lstStyle/>
+          <a:p>
+            <a:pPr algn="ctr"/>
+            <a:r>
+              <a:rPr lang="en-US" altLang="zh-CN">
+                <a:sym typeface="+mn-ea"/>
+              </a:rPr>
+              <a:t>BM</a:t>
+            </a:r>
+            <a:endParaRPr lang="en-US" altLang="zh-CN">
+              <a:sym typeface="+mn-ea"/>
+            </a:endParaRPr>
+          </a:p>
+        </p:txBody>
+      </p:sp>
+      <p:sp>
+        <p:nvSpPr>
+          <p:cNvPr id="70" name="矩形 69"/>
+          <p:cNvSpPr/>
+          <p:nvPr/>
+        </p:nvSpPr>
+        <p:spPr>
+          <a:xfrm>
+            <a:off x="309245" y="94615"/>
+            <a:ext cx="11783695" cy="6636385"/>
+          </a:xfrm>
+          <a:prstGeom prst="rect">
+            <a:avLst/>
+          </a:prstGeom>
+          <a:noFill/>
+          <a:ln w="28575">
+            <a:solidFill>
+              <a:schemeClr val="accent1">
+                <a:lumMod val="40000"/>
+                <a:lumOff val="60000"/>
+              </a:schemeClr>
+            </a:solidFill>
+            <a:prstDash val="sysDash"/>
+          </a:ln>
+        </p:spPr>
+        <p:style>
+          <a:lnRef idx="2">
+            <a:schemeClr val="accent1">
+              <a:shade val="50000"/>
+            </a:schemeClr>
+          </a:lnRef>
+          <a:fillRef idx="1">
+            <a:schemeClr val="accent1"/>
+          </a:fillRef>
+          <a:effectRef idx="0">
+            <a:schemeClr val="accent1"/>
+          </a:effectRef>
+          <a:fontRef idx="minor">
+            <a:schemeClr val="lt1"/>
+          </a:fontRef>
+        </p:style>
+        <p:txBody>
+          <a:bodyPr rtlCol="0" anchor="ctr"/>
+          <a:lstStyle/>
+          <a:p>
+            <a:pPr algn="ctr"/>
+            <a:endParaRPr lang="zh-CN" altLang="en-US"/>
+          </a:p>
+        </p:txBody>
+      </p:sp>
+      <p:sp>
+        <p:nvSpPr>
+          <p:cNvPr id="45" name="五边形 44"/>
+          <p:cNvSpPr/>
+          <p:nvPr/>
+        </p:nvSpPr>
+        <p:spPr>
+          <a:xfrm>
+            <a:off x="1627505" y="239395"/>
+            <a:ext cx="2040255" cy="336550"/>
+          </a:xfrm>
+          <a:prstGeom prst="homePlate">
+            <a:avLst/>
+          </a:prstGeom>
+          <a:effectLst>
+            <a:outerShdw blurRad="88900" dir="19140000" algn="bl" rotWithShape="0">
+              <a:prstClr val="black">
+                <a:alpha val="40000"/>
+              </a:prstClr>
+            </a:outerShdw>
+          </a:effectLst>
+        </p:spPr>
+        <p:style>
+          <a:lnRef idx="3">
+            <a:schemeClr val="lt1"/>
+          </a:lnRef>
+          <a:fillRef idx="1">
+            <a:schemeClr val="accent6"/>
+          </a:fillRef>
+          <a:effectRef idx="1">
+            <a:schemeClr val="accent6"/>
+          </a:effectRef>
+          <a:fontRef idx="minor">
+            <a:schemeClr val="lt1"/>
+          </a:fontRef>
+        </p:style>
+        <p:txBody>
+          <a:bodyPr rtlCol="0" anchor="ctr"/>
+          <a:lstStyle/>
+          <a:p>
+            <a:pPr algn="ctr"/>
+            <a:r>
+              <a:rPr lang="en-US" altLang="zh-CN" b="1"/>
+              <a:t>S</a:t>
+            </a:r>
+            <a:r>
+              <a:rPr lang="zh-CN" altLang="en-US" b="1"/>
+              <a:t>erver</a:t>
+            </a:r>
+            <a:endParaRPr lang="zh-CN" altLang="en-US" b="1"/>
+          </a:p>
+        </p:txBody>
+      </p:sp>
+      <p:sp>
+        <p:nvSpPr>
+          <p:cNvPr id="49" name="五边形 48"/>
+          <p:cNvSpPr/>
+          <p:nvPr/>
+        </p:nvSpPr>
+        <p:spPr>
+          <a:xfrm>
+            <a:off x="5170170" y="239395"/>
+            <a:ext cx="1805940" cy="336550"/>
+          </a:xfrm>
+          <a:prstGeom prst="homePlate">
+            <a:avLst/>
+          </a:prstGeom>
+          <a:effectLst>
+            <a:outerShdw blurRad="88900" dir="19140000" algn="bl" rotWithShape="0">
+              <a:prstClr val="black">
+                <a:alpha val="40000"/>
+              </a:prstClr>
+            </a:outerShdw>
+          </a:effectLst>
+        </p:spPr>
+        <p:style>
+          <a:lnRef idx="3">
+            <a:schemeClr val="lt1"/>
+          </a:lnRef>
+          <a:fillRef idx="1">
+            <a:schemeClr val="accent6"/>
+          </a:fillRef>
+          <a:effectRef idx="1">
+            <a:schemeClr val="accent6"/>
+          </a:effectRef>
+          <a:fontRef idx="minor">
+            <a:schemeClr val="lt1"/>
+          </a:fontRef>
+        </p:style>
+        <p:txBody>
+          <a:bodyPr rtlCol="0" anchor="ctr"/>
+          <a:lstStyle/>
+          <a:p>
+            <a:pPr algn="ctr"/>
+            <a:r>
+              <a:rPr lang="en-US" altLang="zh-CN" b="1"/>
+              <a:t>T</a:t>
+            </a:r>
+            <a:r>
+              <a:rPr lang="zh-CN" altLang="en-US" b="1"/>
+              <a:t>ransmission</a:t>
+            </a:r>
+            <a:endParaRPr lang="zh-CN" altLang="en-US" b="1"/>
+          </a:p>
+        </p:txBody>
+      </p:sp>
+      <p:sp>
+        <p:nvSpPr>
+          <p:cNvPr id="50" name="五边形 49"/>
+          <p:cNvSpPr/>
+          <p:nvPr/>
+        </p:nvSpPr>
+        <p:spPr>
+          <a:xfrm>
+            <a:off x="8762365" y="239395"/>
+            <a:ext cx="2060575" cy="336550"/>
+          </a:xfrm>
+          <a:prstGeom prst="homePlate">
+            <a:avLst/>
+          </a:prstGeom>
+          <a:effectLst>
+            <a:outerShdw blurRad="88900" dir="19140000" algn="bl" rotWithShape="0">
+              <a:prstClr val="black">
+                <a:alpha val="40000"/>
+              </a:prstClr>
+            </a:outerShdw>
+          </a:effectLst>
+        </p:spPr>
+        <p:style>
+          <a:lnRef idx="3">
+            <a:schemeClr val="lt1"/>
+          </a:lnRef>
+          <a:fillRef idx="1">
+            <a:schemeClr val="accent6"/>
+          </a:fillRef>
+          <a:effectRef idx="1">
+            <a:schemeClr val="accent6"/>
+          </a:effectRef>
+          <a:fontRef idx="minor">
+            <a:schemeClr val="lt1"/>
+          </a:fontRef>
+        </p:style>
+        <p:txBody>
+          <a:bodyPr rtlCol="0" anchor="ctr"/>
+          <a:lstStyle/>
+          <a:p>
+            <a:pPr algn="ctr"/>
+            <a:r>
+              <a:rPr lang="en-US" altLang="zh-CN" b="1"/>
+              <a:t>B</a:t>
+            </a:r>
+            <a:r>
+              <a:rPr lang="zh-CN" altLang="en-US" b="1"/>
+              <a:t>rowser</a:t>
+            </a:r>
+            <a:endParaRPr lang="zh-CN" altLang="en-US" b="1"/>
+          </a:p>
+        </p:txBody>
+      </p:sp>
+      <p:sp>
+        <p:nvSpPr>
+          <p:cNvPr id="28" name="燕尾形 27"/>
+          <p:cNvSpPr/>
+          <p:nvPr/>
+        </p:nvSpPr>
+        <p:spPr>
+          <a:xfrm>
+            <a:off x="8367395" y="677545"/>
+            <a:ext cx="2611120" cy="209550"/>
+          </a:xfrm>
+          <a:prstGeom prst="chevron">
+            <a:avLst/>
+          </a:prstGeom>
+        </p:spPr>
+        <p:style>
+          <a:lnRef idx="2">
+            <a:schemeClr val="accent1">
+              <a:shade val="50000"/>
+            </a:schemeClr>
+          </a:lnRef>
+          <a:fillRef idx="1">
+            <a:schemeClr val="accent1"/>
+          </a:fillRef>
+          <a:effectRef idx="0">
+            <a:schemeClr val="accent1"/>
+          </a:effectRef>
+          <a:fontRef idx="minor">
+            <a:schemeClr val="lt1"/>
+          </a:fontRef>
+        </p:style>
+        <p:txBody>
+          <a:bodyPr rtlCol="0" anchor="ctr"/>
+          <a:p>
+            <a:pPr algn="ctr"/>
+            <a:r>
+              <a:rPr lang="en-US" altLang="zh-CN">
+                <a:sym typeface="+mn-ea"/>
+              </a:rPr>
+              <a:t>M</a:t>
+            </a:r>
+            <a:r>
+              <a:rPr lang="zh-CN" altLang="en-US">
+                <a:sym typeface="+mn-ea"/>
+              </a:rPr>
+              <a:t>esh </a:t>
+            </a:r>
+            <a:r>
+              <a:rPr lang="en-US" altLang="zh-CN">
+                <a:sym typeface="+mn-ea"/>
+              </a:rPr>
+              <a:t>Spliting</a:t>
+            </a:r>
+            <a:endParaRPr lang="en-US" altLang="zh-CN">
+              <a:sym typeface="+mn-ea"/>
+            </a:endParaRPr>
+          </a:p>
+        </p:txBody>
+      </p:sp>
+      <p:sp>
+        <p:nvSpPr>
+          <p:cNvPr id="37" name="文本框 36"/>
+          <p:cNvSpPr txBox="1"/>
+          <p:nvPr/>
+        </p:nvSpPr>
+        <p:spPr>
+          <a:xfrm>
+            <a:off x="1469390" y="2005965"/>
+            <a:ext cx="817245" cy="275590"/>
+          </a:xfrm>
+          <a:prstGeom prst="rect">
+            <a:avLst/>
+          </a:prstGeom>
+          <a:noFill/>
+        </p:spPr>
+        <p:txBody>
+          <a:bodyPr wrap="square" rtlCol="0">
+            <a:spAutoFit/>
+          </a:bodyPr>
+          <a:p>
+            <a:r>
+              <a:rPr lang="en-US" altLang="zh-CN" sz="1200" b="1"/>
+              <a:t>PM2: 540</a:t>
+            </a:r>
+            <a:endParaRPr lang="en-US" altLang="zh-CN" sz="1200" b="1"/>
+          </a:p>
+        </p:txBody>
+      </p:sp>
+      <p:sp>
+        <p:nvSpPr>
+          <p:cNvPr id="38" name="文本框 37"/>
+          <p:cNvSpPr txBox="1"/>
+          <p:nvPr/>
+        </p:nvSpPr>
+        <p:spPr>
+          <a:xfrm>
+            <a:off x="554355" y="2025015"/>
+            <a:ext cx="783590" cy="275590"/>
+          </a:xfrm>
+          <a:prstGeom prst="rect">
+            <a:avLst/>
+          </a:prstGeom>
+          <a:noFill/>
+        </p:spPr>
+        <p:txBody>
+          <a:bodyPr wrap="square" rtlCol="0">
+            <a:spAutoFit/>
+          </a:bodyPr>
+          <a:p>
+            <a:r>
+              <a:rPr lang="en-US" altLang="zh-CN" sz="1200" b="1"/>
+              <a:t>PM3: 592</a:t>
+            </a:r>
+            <a:endParaRPr lang="en-US" altLang="zh-CN" sz="1200" b="1"/>
+          </a:p>
+        </p:txBody>
+      </p:sp>
+      <p:sp>
+        <p:nvSpPr>
+          <p:cNvPr id="7" name="燕尾形 6"/>
+          <p:cNvSpPr/>
+          <p:nvPr/>
+        </p:nvSpPr>
+        <p:spPr>
+          <a:xfrm>
+            <a:off x="933450" y="647700"/>
+            <a:ext cx="3306445" cy="239395"/>
+          </a:xfrm>
+          <a:prstGeom prst="chevron">
+            <a:avLst/>
+          </a:prstGeom>
+        </p:spPr>
+        <p:style>
+          <a:lnRef idx="2">
+            <a:schemeClr val="accent1">
+              <a:shade val="50000"/>
+            </a:schemeClr>
+          </a:lnRef>
+          <a:fillRef idx="1">
+            <a:schemeClr val="accent1"/>
+          </a:fillRef>
+          <a:effectRef idx="0">
+            <a:schemeClr val="accent1"/>
+          </a:effectRef>
+          <a:fontRef idx="minor">
+            <a:schemeClr val="lt1"/>
+          </a:fontRef>
+        </p:style>
+        <p:txBody>
+          <a:bodyPr rtlCol="0" anchor="ctr"/>
+          <a:p>
+            <a:pPr algn="ctr"/>
+            <a:r>
+              <a:rPr lang="en-US" altLang="zh-CN">
+                <a:sym typeface="+mn-ea"/>
+              </a:rPr>
+              <a:t>M</a:t>
+            </a:r>
+            <a:r>
+              <a:rPr lang="zh-CN" altLang="en-US">
+                <a:sym typeface="+mn-ea"/>
+              </a:rPr>
+              <a:t>esh </a:t>
+            </a:r>
+            <a:r>
+              <a:rPr lang="en-US" altLang="zh-CN">
+                <a:sym typeface="+mn-ea"/>
+              </a:rPr>
+              <a:t>Merging</a:t>
+            </a:r>
+            <a:endParaRPr lang="en-US" altLang="zh-CN">
+              <a:sym typeface="+mn-ea"/>
+            </a:endParaRPr>
+          </a:p>
+        </p:txBody>
+      </p:sp>
+      <p:sp>
+        <p:nvSpPr>
+          <p:cNvPr id="44" name="文本框 43"/>
+          <p:cNvSpPr txBox="1"/>
+          <p:nvPr/>
+        </p:nvSpPr>
+        <p:spPr>
+          <a:xfrm>
+            <a:off x="2496185" y="2018665"/>
+            <a:ext cx="802005" cy="275590"/>
+          </a:xfrm>
+          <a:prstGeom prst="rect">
+            <a:avLst/>
+          </a:prstGeom>
+          <a:noFill/>
+        </p:spPr>
+        <p:txBody>
+          <a:bodyPr wrap="square" rtlCol="0">
+            <a:spAutoFit/>
+          </a:bodyPr>
+          <a:p>
+            <a:r>
+              <a:rPr lang="en-US" altLang="zh-CN" sz="1200" b="1"/>
+              <a:t>PM1: 340</a:t>
+            </a:r>
+            <a:endParaRPr lang="en-US" altLang="zh-CN" sz="1200" b="1"/>
+          </a:p>
+        </p:txBody>
+      </p:sp>
+      <p:sp>
+        <p:nvSpPr>
+          <p:cNvPr id="46" name="文本框 45"/>
+          <p:cNvSpPr txBox="1"/>
+          <p:nvPr/>
+        </p:nvSpPr>
+        <p:spPr>
+          <a:xfrm>
+            <a:off x="3342005" y="1998345"/>
+            <a:ext cx="1461770" cy="275590"/>
+          </a:xfrm>
+          <a:prstGeom prst="rect">
+            <a:avLst/>
+          </a:prstGeom>
+          <a:noFill/>
+        </p:spPr>
+        <p:txBody>
+          <a:bodyPr wrap="square" rtlCol="0">
+            <a:spAutoFit/>
+          </a:bodyPr>
+          <a:p>
+            <a:r>
+              <a:rPr lang="en-US" altLang="zh-CN" sz="1200" b="1"/>
+              <a:t> Base Mesh: 140</a:t>
+            </a:r>
+            <a:endParaRPr lang="en-US" altLang="zh-CN" sz="1200" b="1"/>
+          </a:p>
+        </p:txBody>
+      </p:sp>
+      <p:sp>
+        <p:nvSpPr>
+          <p:cNvPr id="73" name="下弧形箭头 72"/>
+          <p:cNvSpPr/>
+          <p:nvPr/>
+        </p:nvSpPr>
+        <p:spPr>
+          <a:xfrm>
+            <a:off x="826770" y="2414905"/>
+            <a:ext cx="1052830" cy="250825"/>
+          </a:xfrm>
+          <a:prstGeom prst="curvedUpArrow">
+            <a:avLst/>
+          </a:prstGeom>
+        </p:spPr>
+        <p:style>
+          <a:lnRef idx="2">
+            <a:schemeClr val="accent1">
+              <a:shade val="50000"/>
+            </a:schemeClr>
+          </a:lnRef>
+          <a:fillRef idx="1">
+            <a:schemeClr val="accent1"/>
+          </a:fillRef>
+          <a:effectRef idx="0">
+            <a:schemeClr val="accent1"/>
+          </a:effectRef>
+          <a:fontRef idx="minor">
+            <a:schemeClr val="lt1"/>
+          </a:fontRef>
+        </p:style>
+        <p:txBody>
+          <a:bodyPr rtlCol="0" anchor="ctr"/>
+          <a:p>
+            <a:pPr algn="ctr"/>
+            <a:endParaRPr lang="zh-CN" altLang="en-US">
+              <a:solidFill>
+                <a:schemeClr val="tx1"/>
+              </a:solidFill>
+            </a:endParaRPr>
+          </a:p>
+        </p:txBody>
+      </p:sp>
+      <p:sp>
+        <p:nvSpPr>
+          <p:cNvPr id="74" name="下弧形箭头 73"/>
+          <p:cNvSpPr/>
+          <p:nvPr/>
+        </p:nvSpPr>
+        <p:spPr>
+          <a:xfrm>
+            <a:off x="1880235" y="2414905"/>
+            <a:ext cx="1106170" cy="250825"/>
+          </a:xfrm>
+          <a:prstGeom prst="curvedUpArrow">
+            <a:avLst/>
+          </a:prstGeom>
+        </p:spPr>
+        <p:style>
+          <a:lnRef idx="2">
+            <a:schemeClr val="accent1">
+              <a:shade val="50000"/>
+            </a:schemeClr>
+          </a:lnRef>
+          <a:fillRef idx="1">
+            <a:schemeClr val="accent1"/>
+          </a:fillRef>
+          <a:effectRef idx="0">
+            <a:schemeClr val="accent1"/>
+          </a:effectRef>
+          <a:fontRef idx="minor">
+            <a:schemeClr val="lt1"/>
+          </a:fontRef>
+        </p:style>
+        <p:txBody>
+          <a:bodyPr rtlCol="0" anchor="ctr"/>
+          <a:p>
+            <a:pPr algn="ctr"/>
+            <a:endParaRPr lang="zh-CN" altLang="en-US">
+              <a:solidFill>
+                <a:schemeClr val="tx1"/>
+              </a:solidFill>
+            </a:endParaRPr>
+          </a:p>
+        </p:txBody>
+      </p:sp>
+      <p:sp>
+        <p:nvSpPr>
+          <p:cNvPr id="75" name="下弧形箭头 74"/>
+          <p:cNvSpPr/>
+          <p:nvPr/>
+        </p:nvSpPr>
+        <p:spPr>
+          <a:xfrm>
+            <a:off x="2986405" y="2414905"/>
+            <a:ext cx="1120775" cy="250825"/>
+          </a:xfrm>
+          <a:prstGeom prst="curvedUpArrow">
+            <a:avLst/>
+          </a:prstGeom>
+          <a:gradFill>
+            <a:gsLst>
+              <a:gs pos="0">
+                <a:srgbClr val="7B32B2"/>
+              </a:gs>
+              <a:gs pos="100000">
+                <a:srgbClr val="401A5D"/>
+              </a:gs>
+            </a:gsLst>
+            <a:lin ang="5400000" scaled="0"/>
+          </a:gradFill>
+        </p:spPr>
+        <p:style>
+          <a:lnRef idx="2">
+            <a:schemeClr val="accent1">
+              <a:shade val="50000"/>
+            </a:schemeClr>
+          </a:lnRef>
+          <a:fillRef idx="1">
+            <a:schemeClr val="accent1"/>
+          </a:fillRef>
+          <a:effectRef idx="0">
+            <a:schemeClr val="accent1"/>
+          </a:effectRef>
+          <a:fontRef idx="minor">
+            <a:schemeClr val="lt1"/>
+          </a:fontRef>
+        </p:style>
+        <p:txBody>
+          <a:bodyPr rtlCol="0" anchor="ctr"/>
+          <a:p>
+            <a:pPr algn="ctr"/>
+            <a:endParaRPr lang="zh-CN" altLang="en-US">
+              <a:solidFill>
+                <a:schemeClr val="tx1"/>
+              </a:solidFill>
+            </a:endParaRPr>
+          </a:p>
+        </p:txBody>
+      </p:sp>
+      <p:sp>
+        <p:nvSpPr>
+          <p:cNvPr id="11" name="圆角矩形 10"/>
+          <p:cNvSpPr/>
+          <p:nvPr/>
+        </p:nvSpPr>
+        <p:spPr>
+          <a:xfrm>
+            <a:off x="5568950" y="1814830"/>
+            <a:ext cx="946785" cy="225425"/>
+          </a:xfrm>
+          <a:prstGeom prst="roundRect">
+            <a:avLst/>
+          </a:prstGeom>
+          <a:effectLst>
+            <a:outerShdw blurRad="50800" dist="38100" dir="18900000" algn="bl" rotWithShape="0">
+              <a:prstClr val="black">
+                <a:alpha val="40000"/>
+              </a:prstClr>
+            </a:outerShdw>
+            <a:reflection stA="45000" endPos="0" dir="5400000" sy="-100000" algn="bl" rotWithShape="0"/>
+          </a:effectLst>
+        </p:spPr>
+        <p:style>
+          <a:lnRef idx="2">
+            <a:schemeClr val="accent1">
+              <a:shade val="50000"/>
+            </a:schemeClr>
+          </a:lnRef>
+          <a:fillRef idx="1">
+            <a:schemeClr val="accent1"/>
+          </a:fillRef>
+          <a:effectRef idx="0">
+            <a:schemeClr val="accent1"/>
+          </a:effectRef>
+          <a:fontRef idx="minor">
+            <a:schemeClr val="lt1"/>
+          </a:fontRef>
+        </p:style>
+        <p:txBody>
+          <a:bodyPr rtlCol="0" anchor="ctr"/>
+          <a:p>
+            <a:pPr algn="ctr"/>
+            <a:r>
+              <a:rPr lang="en-US" altLang="zh-CN">
+                <a:sym typeface="+mn-ea"/>
+              </a:rPr>
+              <a:t>Record</a:t>
+            </a:r>
+            <a:r>
+              <a:rPr lang="en-US" altLang="zh-CN" baseline="-25000">
+                <a:sym typeface="+mn-ea"/>
+              </a:rPr>
+              <a:t>1</a:t>
+            </a:r>
+            <a:endParaRPr lang="en-US" altLang="zh-CN" baseline="-25000">
+              <a:sym typeface="+mn-ea"/>
+            </a:endParaRPr>
+          </a:p>
+        </p:txBody>
+      </p:sp>
+      <p:sp>
+        <p:nvSpPr>
+          <p:cNvPr id="14" name="圆角矩形 13"/>
+          <p:cNvSpPr/>
+          <p:nvPr/>
+        </p:nvSpPr>
+        <p:spPr>
+          <a:xfrm>
+            <a:off x="5568950" y="2096135"/>
+            <a:ext cx="946785" cy="225425"/>
+          </a:xfrm>
+          <a:prstGeom prst="roundRect">
+            <a:avLst/>
+          </a:prstGeom>
+          <a:effectLst>
+            <a:outerShdw blurRad="50800" dist="38100" dir="18900000" algn="bl" rotWithShape="0">
+              <a:prstClr val="black">
+                <a:alpha val="40000"/>
+              </a:prstClr>
+            </a:outerShdw>
+            <a:reflection stA="45000" endPos="0" dir="5400000" sy="-100000" algn="bl" rotWithShape="0"/>
+          </a:effectLst>
+        </p:spPr>
+        <p:style>
+          <a:lnRef idx="2">
+            <a:schemeClr val="accent1">
+              <a:shade val="50000"/>
+            </a:schemeClr>
+          </a:lnRef>
+          <a:fillRef idx="1">
+            <a:schemeClr val="accent1"/>
+          </a:fillRef>
+          <a:effectRef idx="0">
+            <a:schemeClr val="accent1"/>
+          </a:effectRef>
+          <a:fontRef idx="minor">
+            <a:schemeClr val="lt1"/>
+          </a:fontRef>
+        </p:style>
+        <p:txBody>
+          <a:bodyPr rtlCol="0" anchor="ctr"/>
+          <a:p>
+            <a:pPr algn="ctr"/>
+            <a:r>
+              <a:rPr lang="en-US" altLang="zh-CN">
+                <a:sym typeface="+mn-ea"/>
+              </a:rPr>
+              <a:t>Record</a:t>
+            </a:r>
+            <a:r>
+              <a:rPr lang="en-US" altLang="zh-CN" baseline="-25000">
+                <a:sym typeface="+mn-ea"/>
+              </a:rPr>
+              <a:t>2</a:t>
+            </a:r>
+            <a:endParaRPr lang="en-US" altLang="zh-CN" baseline="-25000">
+              <a:sym typeface="+mn-ea"/>
+            </a:endParaRPr>
+          </a:p>
+        </p:txBody>
+      </p:sp>
+      <p:sp>
+        <p:nvSpPr>
+          <p:cNvPr id="15" name="圆角矩形 14"/>
+          <p:cNvSpPr/>
+          <p:nvPr/>
+        </p:nvSpPr>
+        <p:spPr>
+          <a:xfrm>
+            <a:off x="5568950" y="2481580"/>
+            <a:ext cx="955040" cy="225425"/>
+          </a:xfrm>
+          <a:prstGeom prst="roundRect">
+            <a:avLst/>
+          </a:prstGeom>
+          <a:effectLst>
+            <a:outerShdw blurRad="50800" dist="38100" dir="18900000" algn="bl" rotWithShape="0">
+              <a:prstClr val="black">
+                <a:alpha val="40000"/>
+              </a:prstClr>
+            </a:outerShdw>
+            <a:reflection stA="45000" endPos="0" dir="5400000" sy="-100000" algn="bl" rotWithShape="0"/>
+          </a:effectLst>
+        </p:spPr>
+        <p:style>
+          <a:lnRef idx="2">
+            <a:schemeClr val="accent1">
+              <a:shade val="50000"/>
+            </a:schemeClr>
+          </a:lnRef>
+          <a:fillRef idx="1">
+            <a:schemeClr val="accent1"/>
+          </a:fillRef>
+          <a:effectRef idx="0">
+            <a:schemeClr val="accent1"/>
+          </a:effectRef>
+          <a:fontRef idx="minor">
+            <a:schemeClr val="lt1"/>
+          </a:fontRef>
+        </p:style>
+        <p:txBody>
+          <a:bodyPr rtlCol="0" anchor="ctr"/>
+          <a:p>
+            <a:pPr algn="ctr"/>
+            <a:r>
+              <a:rPr lang="en-US" altLang="zh-CN">
+                <a:sym typeface="+mn-ea"/>
+              </a:rPr>
+              <a:t>Record</a:t>
+            </a:r>
+            <a:r>
+              <a:rPr lang="en-US" altLang="zh-CN" baseline="-25000">
+                <a:sym typeface="+mn-ea"/>
+              </a:rPr>
+              <a:t>3</a:t>
+            </a:r>
+            <a:endParaRPr lang="en-US" altLang="zh-CN" baseline="-25000">
+              <a:sym typeface="+mn-ea"/>
+            </a:endParaRPr>
+          </a:p>
+        </p:txBody>
+      </p:sp>
+      <p:sp>
+        <p:nvSpPr>
+          <p:cNvPr id="22" name="文本框 21"/>
+          <p:cNvSpPr txBox="1"/>
+          <p:nvPr/>
+        </p:nvSpPr>
+        <p:spPr>
+          <a:xfrm>
+            <a:off x="5330190" y="785495"/>
+            <a:ext cx="1542415" cy="368300"/>
+          </a:xfrm>
+          <a:prstGeom prst="rect">
+            <a:avLst/>
+          </a:prstGeom>
+          <a:noFill/>
+        </p:spPr>
+        <p:txBody>
+          <a:bodyPr wrap="square" rtlCol="0">
+            <a:spAutoFit/>
+          </a:bodyPr>
+          <a:p>
+            <a:r>
+              <a:rPr lang="en-US" altLang="zh-CN" b="1">
+                <a:solidFill>
+                  <a:srgbClr val="7030A0"/>
+                </a:solidFill>
+                <a:uFillTx/>
+              </a:rPr>
+              <a:t>Mesh Stream</a:t>
+            </a:r>
+            <a:endParaRPr lang="en-US" altLang="zh-CN" b="1">
+              <a:solidFill>
+                <a:srgbClr val="7030A0"/>
+              </a:solidFill>
+              <a:uFillTx/>
+            </a:endParaRPr>
+          </a:p>
+        </p:txBody>
+      </p:sp>
+      <p:sp>
+        <p:nvSpPr>
+          <p:cNvPr id="17" name="右弧形箭头 16"/>
+          <p:cNvSpPr/>
+          <p:nvPr/>
+        </p:nvSpPr>
+        <p:spPr>
+          <a:xfrm>
+            <a:off x="6575425" y="1671320"/>
+            <a:ext cx="109220" cy="236220"/>
+          </a:xfrm>
+          <a:prstGeom prst="curvedLeftArrow">
+            <a:avLst/>
+          </a:prstGeom>
+          <a:gradFill>
+            <a:gsLst>
+              <a:gs pos="0">
+                <a:srgbClr val="7B32B2"/>
+              </a:gs>
+              <a:gs pos="100000">
+                <a:srgbClr val="401A5D"/>
+              </a:gs>
+            </a:gsLst>
+            <a:lin ang="5400000" scaled="0"/>
+          </a:gradFill>
+        </p:spPr>
+        <p:style>
+          <a:lnRef idx="2">
+            <a:schemeClr val="accent1">
+              <a:shade val="50000"/>
+            </a:schemeClr>
+          </a:lnRef>
+          <a:fillRef idx="1">
+            <a:schemeClr val="accent1"/>
+          </a:fillRef>
+          <a:effectRef idx="0">
+            <a:schemeClr val="accent1"/>
+          </a:effectRef>
+          <a:fontRef idx="minor">
+            <a:schemeClr val="lt1"/>
+          </a:fontRef>
+        </p:style>
+        <p:txBody>
+          <a:bodyPr rtlCol="0" anchor="ctr"/>
+          <a:p>
+            <a:pPr algn="ctr"/>
+            <a:endParaRPr lang="zh-CN" altLang="en-US">
+              <a:solidFill>
+                <a:schemeClr val="tx1"/>
+              </a:solidFill>
+            </a:endParaRPr>
+          </a:p>
+        </p:txBody>
+      </p:sp>
+      <p:sp>
+        <p:nvSpPr>
+          <p:cNvPr id="18" name="右弧形箭头 17"/>
+          <p:cNvSpPr/>
+          <p:nvPr/>
+        </p:nvSpPr>
+        <p:spPr>
+          <a:xfrm flipH="1">
+            <a:off x="5427980" y="1964690"/>
+            <a:ext cx="92075" cy="236220"/>
+          </a:xfrm>
+          <a:prstGeom prst="curvedLeftArrow">
+            <a:avLst/>
+          </a:prstGeom>
+        </p:spPr>
+        <p:style>
+          <a:lnRef idx="2">
+            <a:schemeClr val="accent1">
+              <a:shade val="50000"/>
+            </a:schemeClr>
+          </a:lnRef>
+          <a:fillRef idx="1">
+            <a:schemeClr val="accent1"/>
+          </a:fillRef>
+          <a:effectRef idx="0">
+            <a:schemeClr val="accent1"/>
+          </a:effectRef>
+          <a:fontRef idx="minor">
+            <a:schemeClr val="lt1"/>
+          </a:fontRef>
+        </p:style>
+        <p:txBody>
+          <a:bodyPr rtlCol="0" anchor="ctr"/>
+          <a:p>
+            <a:pPr algn="ctr"/>
+            <a:endParaRPr lang="zh-CN" altLang="en-US">
+              <a:solidFill>
+                <a:schemeClr val="tx1"/>
+              </a:solidFill>
+            </a:endParaRPr>
+          </a:p>
+        </p:txBody>
+      </p:sp>
+      <p:sp>
+        <p:nvSpPr>
+          <p:cNvPr id="26" name="右弧形箭头 25"/>
+          <p:cNvSpPr/>
+          <p:nvPr/>
+        </p:nvSpPr>
+        <p:spPr>
+          <a:xfrm>
+            <a:off x="6576695" y="2190750"/>
+            <a:ext cx="109220" cy="236220"/>
+          </a:xfrm>
+          <a:prstGeom prst="curvedLeftArrow">
+            <a:avLst/>
+          </a:prstGeom>
+        </p:spPr>
+        <p:style>
+          <a:lnRef idx="2">
+            <a:schemeClr val="accent1">
+              <a:shade val="50000"/>
+            </a:schemeClr>
+          </a:lnRef>
+          <a:fillRef idx="1">
+            <a:schemeClr val="accent1"/>
+          </a:fillRef>
+          <a:effectRef idx="0">
+            <a:schemeClr val="accent1"/>
+          </a:effectRef>
+          <a:fontRef idx="minor">
+            <a:schemeClr val="lt1"/>
+          </a:fontRef>
+        </p:style>
+        <p:txBody>
+          <a:bodyPr rtlCol="0" anchor="ctr"/>
+          <a:p>
+            <a:pPr algn="ctr"/>
+            <a:endParaRPr lang="zh-CN" altLang="en-US">
+              <a:solidFill>
+                <a:schemeClr val="tx1"/>
+              </a:solidFill>
+            </a:endParaRPr>
+          </a:p>
+        </p:txBody>
+      </p:sp>
+      <p:sp>
+        <p:nvSpPr>
+          <p:cNvPr id="29" name="右箭头 28"/>
+          <p:cNvSpPr/>
+          <p:nvPr/>
+        </p:nvSpPr>
+        <p:spPr>
+          <a:xfrm>
+            <a:off x="4615815" y="1537970"/>
+            <a:ext cx="421005" cy="202565"/>
+          </a:xfrm>
+          <a:prstGeom prst="rightArrow">
+            <a:avLst/>
+          </a:prstGeom>
+          <a:gradFill>
+            <a:gsLst>
+              <a:gs pos="0">
+                <a:srgbClr val="14CD68"/>
+              </a:gs>
+              <a:gs pos="100000">
+                <a:srgbClr val="0B6E38"/>
+              </a:gs>
+            </a:gsLst>
+            <a:lin ang="5400000" scaled="0"/>
+          </a:gradFill>
+        </p:spPr>
+        <p:style>
+          <a:lnRef idx="2">
+            <a:schemeClr val="accent1">
+              <a:shade val="50000"/>
+            </a:schemeClr>
+          </a:lnRef>
+          <a:fillRef idx="1">
+            <a:schemeClr val="accent1"/>
+          </a:fillRef>
+          <a:effectRef idx="0">
+            <a:schemeClr val="accent1"/>
+          </a:effectRef>
+          <a:fontRef idx="minor">
+            <a:schemeClr val="lt1"/>
+          </a:fontRef>
+        </p:style>
+        <p:txBody>
+          <a:bodyPr rtlCol="0" anchor="ctr"/>
+          <a:p>
+            <a:pPr algn="ctr"/>
+            <a:endParaRPr lang="zh-CN" altLang="en-US"/>
+          </a:p>
+        </p:txBody>
+      </p:sp>
+      <p:pic>
+        <p:nvPicPr>
+          <p:cNvPr id="65" name="图片 64"/>
+          <p:cNvPicPr>
+            <a:picLocks noChangeAspect="1"/>
+          </p:cNvPicPr>
+          <p:nvPr/>
+        </p:nvPicPr>
+        <p:blipFill>
+          <a:blip r:embed="rId1"/>
+          <a:stretch>
+            <a:fillRect/>
+          </a:stretch>
+        </p:blipFill>
+        <p:spPr>
+          <a:xfrm>
+            <a:off x="3582035" y="1023620"/>
+            <a:ext cx="751205" cy="985520"/>
+          </a:xfrm>
+          <a:prstGeom prst="rect">
+            <a:avLst/>
+          </a:prstGeom>
+        </p:spPr>
+      </p:pic>
+      <p:pic>
+        <p:nvPicPr>
+          <p:cNvPr id="66" name="图片 65"/>
+          <p:cNvPicPr>
+            <a:picLocks noChangeAspect="1"/>
+          </p:cNvPicPr>
+          <p:nvPr/>
+        </p:nvPicPr>
+        <p:blipFill>
+          <a:blip r:embed="rId1"/>
+          <a:stretch>
+            <a:fillRect/>
+          </a:stretch>
+        </p:blipFill>
+        <p:spPr>
+          <a:xfrm>
+            <a:off x="7722870" y="988060"/>
+            <a:ext cx="782320" cy="1026795"/>
+          </a:xfrm>
+          <a:prstGeom prst="rect">
+            <a:avLst/>
+          </a:prstGeom>
+        </p:spPr>
+      </p:pic>
+      <p:pic>
+        <p:nvPicPr>
+          <p:cNvPr id="67" name="图片 66"/>
+          <p:cNvPicPr>
+            <a:picLocks noChangeAspect="1"/>
+          </p:cNvPicPr>
+          <p:nvPr/>
+        </p:nvPicPr>
+        <p:blipFill>
+          <a:blip r:embed="rId2"/>
+          <a:stretch>
+            <a:fillRect/>
+          </a:stretch>
+        </p:blipFill>
+        <p:spPr>
+          <a:xfrm>
+            <a:off x="2538730" y="1023620"/>
+            <a:ext cx="753745" cy="993775"/>
+          </a:xfrm>
+          <a:prstGeom prst="rect">
+            <a:avLst/>
+          </a:prstGeom>
+        </p:spPr>
+      </p:pic>
+      <p:pic>
+        <p:nvPicPr>
+          <p:cNvPr id="76" name="图片 75"/>
+          <p:cNvPicPr>
+            <a:picLocks noChangeAspect="1"/>
+          </p:cNvPicPr>
+          <p:nvPr/>
+        </p:nvPicPr>
+        <p:blipFill>
+          <a:blip r:embed="rId2"/>
+          <a:stretch>
+            <a:fillRect/>
+          </a:stretch>
+        </p:blipFill>
+        <p:spPr>
+          <a:xfrm>
+            <a:off x="8680450" y="1005840"/>
+            <a:ext cx="753745" cy="993775"/>
+          </a:xfrm>
+          <a:prstGeom prst="rect">
+            <a:avLst/>
+          </a:prstGeom>
+        </p:spPr>
+      </p:pic>
+      <p:pic>
+        <p:nvPicPr>
+          <p:cNvPr id="80" name="图片 79"/>
+          <p:cNvPicPr>
+            <a:picLocks noChangeAspect="1"/>
+          </p:cNvPicPr>
+          <p:nvPr/>
+        </p:nvPicPr>
+        <p:blipFill>
+          <a:blip r:embed="rId3"/>
+          <a:stretch>
+            <a:fillRect/>
+          </a:stretch>
+        </p:blipFill>
+        <p:spPr>
+          <a:xfrm>
+            <a:off x="1502410" y="1041400"/>
+            <a:ext cx="743585" cy="989965"/>
+          </a:xfrm>
+          <a:prstGeom prst="rect">
+            <a:avLst/>
+          </a:prstGeom>
+        </p:spPr>
+      </p:pic>
+      <p:pic>
+        <p:nvPicPr>
+          <p:cNvPr id="81" name="图片 80"/>
+          <p:cNvPicPr>
+            <a:picLocks noChangeAspect="1"/>
+          </p:cNvPicPr>
+          <p:nvPr/>
+        </p:nvPicPr>
+        <p:blipFill>
+          <a:blip r:embed="rId3"/>
+          <a:stretch>
+            <a:fillRect/>
+          </a:stretch>
+        </p:blipFill>
+        <p:spPr>
+          <a:xfrm>
+            <a:off x="9554845" y="988060"/>
+            <a:ext cx="759460" cy="1010920"/>
+          </a:xfrm>
+          <a:prstGeom prst="rect">
+            <a:avLst/>
+          </a:prstGeom>
+        </p:spPr>
+      </p:pic>
+      <p:pic>
+        <p:nvPicPr>
+          <p:cNvPr id="82" name="图片 81"/>
+          <p:cNvPicPr>
+            <a:picLocks noChangeAspect="1"/>
+          </p:cNvPicPr>
+          <p:nvPr/>
+        </p:nvPicPr>
+        <p:blipFill>
+          <a:blip r:embed="rId4"/>
+          <a:stretch>
+            <a:fillRect/>
+          </a:stretch>
+        </p:blipFill>
+        <p:spPr>
+          <a:xfrm>
+            <a:off x="530225" y="1023620"/>
+            <a:ext cx="777875" cy="1026795"/>
+          </a:xfrm>
+          <a:prstGeom prst="rect">
+            <a:avLst/>
+          </a:prstGeom>
+        </p:spPr>
+      </p:pic>
+      <p:pic>
+        <p:nvPicPr>
+          <p:cNvPr id="83" name="图片 82"/>
+          <p:cNvPicPr>
+            <a:picLocks noChangeAspect="1"/>
+          </p:cNvPicPr>
+          <p:nvPr/>
+        </p:nvPicPr>
+        <p:blipFill>
+          <a:blip r:embed="rId4"/>
+          <a:stretch>
+            <a:fillRect/>
+          </a:stretch>
+        </p:blipFill>
+        <p:spPr>
+          <a:xfrm>
+            <a:off x="10509250" y="1035685"/>
+            <a:ext cx="676910" cy="894080"/>
+          </a:xfrm>
+          <a:prstGeom prst="rect">
+            <a:avLst/>
+          </a:prstGeom>
+        </p:spPr>
+      </p:pic>
+      <p:sp>
+        <p:nvSpPr>
+          <p:cNvPr id="89" name="矩形 88"/>
+          <p:cNvSpPr/>
+          <p:nvPr/>
+        </p:nvSpPr>
+        <p:spPr>
+          <a:xfrm>
+            <a:off x="3225800" y="2388235"/>
+            <a:ext cx="621665" cy="176530"/>
+          </a:xfrm>
+          <a:prstGeom prst="rect">
+            <a:avLst/>
+          </a:prstGeom>
+        </p:spPr>
+        <p:style>
+          <a:lnRef idx="2">
+            <a:schemeClr val="accent1">
+              <a:shade val="50000"/>
+            </a:schemeClr>
+          </a:lnRef>
+          <a:fillRef idx="1">
+            <a:schemeClr val="accent1"/>
+          </a:fillRef>
+          <a:effectRef idx="0">
+            <a:schemeClr val="accent1"/>
+          </a:effectRef>
+          <a:fontRef idx="minor">
+            <a:schemeClr val="lt1"/>
+          </a:fontRef>
+        </p:style>
+        <p:txBody>
+          <a:bodyPr rtlCol="0" anchor="ctr"/>
+          <a:p>
+            <a:pPr algn="ctr"/>
+            <a:r>
+              <a:rPr lang="en-US" altLang="zh-CN" sz="1000" b="1"/>
+              <a:t>Record</a:t>
+            </a:r>
+            <a:r>
+              <a:rPr lang="en-US" altLang="zh-CN" sz="1000" b="1" baseline="-25000"/>
+              <a:t>1</a:t>
+            </a:r>
+            <a:endParaRPr lang="en-US" altLang="zh-CN" sz="1000" b="1" baseline="-25000"/>
+          </a:p>
+        </p:txBody>
+      </p:sp>
+      <p:sp>
+        <p:nvSpPr>
+          <p:cNvPr id="90" name="椭圆 89"/>
+          <p:cNvSpPr/>
+          <p:nvPr/>
+        </p:nvSpPr>
+        <p:spPr>
+          <a:xfrm>
+            <a:off x="3338830" y="2593975"/>
+            <a:ext cx="340360" cy="224155"/>
+          </a:xfrm>
+          <a:prstGeom prst="ellipse">
+            <a:avLst/>
+          </a:prstGeom>
+        </p:spPr>
+        <p:style>
+          <a:lnRef idx="2">
+            <a:schemeClr val="accent2">
+              <a:shade val="50000"/>
+            </a:schemeClr>
+          </a:lnRef>
+          <a:fillRef idx="1">
+            <a:schemeClr val="accent2"/>
+          </a:fillRef>
+          <a:effectRef idx="0">
+            <a:schemeClr val="accent2"/>
+          </a:effectRef>
+          <a:fontRef idx="minor">
+            <a:schemeClr val="lt1"/>
+          </a:fontRef>
+        </p:style>
+        <p:txBody>
+          <a:bodyPr rtlCol="0" anchor="ctr"/>
+          <a:p>
+            <a:pPr algn="ctr">
+              <a:lnSpc>
+                <a:spcPct val="90000"/>
+              </a:lnSpc>
+            </a:pPr>
+            <a:r>
+              <a:rPr lang="en-US" altLang="zh-CN" sz="4000" b="1"/>
+              <a:t>-</a:t>
+            </a:r>
+            <a:endParaRPr lang="en-US" altLang="zh-CN" sz="4000" b="1"/>
+          </a:p>
+        </p:txBody>
+      </p:sp>
+      <p:sp>
+        <p:nvSpPr>
+          <p:cNvPr id="101" name="文本框 100"/>
+          <p:cNvSpPr txBox="1"/>
+          <p:nvPr/>
+        </p:nvSpPr>
+        <p:spPr>
+          <a:xfrm>
+            <a:off x="7722870" y="2010410"/>
+            <a:ext cx="803275" cy="275590"/>
+          </a:xfrm>
+          <a:prstGeom prst="rect">
+            <a:avLst/>
+          </a:prstGeom>
+          <a:noFill/>
+        </p:spPr>
+        <p:txBody>
+          <a:bodyPr wrap="square" rtlCol="0">
+            <a:spAutoFit/>
+          </a:bodyPr>
+          <a:p>
+            <a:r>
+              <a:rPr lang="en-US" altLang="zh-CN" sz="1200" b="1"/>
+              <a:t>PM0:140</a:t>
+            </a:r>
+            <a:endParaRPr lang="en-US" altLang="zh-CN" sz="1200" b="1"/>
+          </a:p>
+        </p:txBody>
+      </p:sp>
+      <p:sp>
+        <p:nvSpPr>
+          <p:cNvPr id="102" name="文本框 101"/>
+          <p:cNvSpPr txBox="1"/>
+          <p:nvPr/>
+        </p:nvSpPr>
+        <p:spPr>
+          <a:xfrm>
+            <a:off x="8752840" y="2004060"/>
+            <a:ext cx="802005" cy="275590"/>
+          </a:xfrm>
+          <a:prstGeom prst="rect">
+            <a:avLst/>
+          </a:prstGeom>
+          <a:noFill/>
+        </p:spPr>
+        <p:txBody>
+          <a:bodyPr wrap="square" rtlCol="0">
+            <a:spAutoFit/>
+          </a:bodyPr>
+          <a:p>
+            <a:r>
+              <a:rPr lang="en-US" altLang="zh-CN" sz="1200" b="1"/>
+              <a:t>PM1:340</a:t>
+            </a:r>
+            <a:endParaRPr lang="en-US" altLang="zh-CN" sz="1200" b="1"/>
+          </a:p>
+        </p:txBody>
+      </p:sp>
+      <p:sp>
+        <p:nvSpPr>
+          <p:cNvPr id="103" name="文本框 102"/>
+          <p:cNvSpPr txBox="1"/>
+          <p:nvPr/>
+        </p:nvSpPr>
+        <p:spPr>
+          <a:xfrm>
+            <a:off x="9692005" y="2027555"/>
+            <a:ext cx="817245" cy="275590"/>
+          </a:xfrm>
+          <a:prstGeom prst="rect">
+            <a:avLst/>
+          </a:prstGeom>
+          <a:noFill/>
+        </p:spPr>
+        <p:txBody>
+          <a:bodyPr wrap="square" rtlCol="0">
+            <a:spAutoFit/>
+          </a:bodyPr>
+          <a:p>
+            <a:r>
+              <a:rPr lang="en-US" altLang="zh-CN" sz="1200" b="1"/>
+              <a:t>PM2:540</a:t>
+            </a:r>
+            <a:endParaRPr lang="en-US" altLang="zh-CN" sz="1200" b="1"/>
+          </a:p>
+        </p:txBody>
+      </p:sp>
+      <p:sp>
+        <p:nvSpPr>
+          <p:cNvPr id="104" name="文本框 103"/>
+          <p:cNvSpPr txBox="1"/>
+          <p:nvPr/>
+        </p:nvSpPr>
+        <p:spPr>
+          <a:xfrm>
+            <a:off x="10509250" y="2004060"/>
+            <a:ext cx="783590" cy="245110"/>
+          </a:xfrm>
+          <a:prstGeom prst="rect">
+            <a:avLst/>
+          </a:prstGeom>
+          <a:noFill/>
+        </p:spPr>
+        <p:txBody>
+          <a:bodyPr wrap="square" rtlCol="0">
+            <a:spAutoFit/>
+          </a:bodyPr>
+          <a:p>
+            <a:pPr algn="l">
+              <a:buClrTx/>
+              <a:buSzTx/>
+              <a:buFontTx/>
+            </a:pPr>
+            <a:r>
+              <a:rPr lang="en-US" altLang="zh-CN" sz="1200" b="1"/>
+              <a:t>PM3:592</a:t>
+            </a:r>
+            <a:endParaRPr lang="en-US" altLang="zh-CN" sz="1200" b="1"/>
+          </a:p>
+        </p:txBody>
+      </p:sp>
+      <p:sp>
+        <p:nvSpPr>
+          <p:cNvPr id="12" name="椭圆 11"/>
+          <p:cNvSpPr/>
+          <p:nvPr/>
+        </p:nvSpPr>
+        <p:spPr>
+          <a:xfrm>
+            <a:off x="2291080" y="2564765"/>
+            <a:ext cx="317500" cy="233680"/>
+          </a:xfrm>
+          <a:prstGeom prst="ellipse">
+            <a:avLst/>
+          </a:prstGeom>
+        </p:spPr>
+        <p:style>
+          <a:lnRef idx="2">
+            <a:schemeClr val="accent2">
+              <a:shade val="50000"/>
+            </a:schemeClr>
+          </a:lnRef>
+          <a:fillRef idx="1">
+            <a:schemeClr val="accent2"/>
+          </a:fillRef>
+          <a:effectRef idx="0">
+            <a:schemeClr val="accent2"/>
+          </a:effectRef>
+          <a:fontRef idx="minor">
+            <a:schemeClr val="lt1"/>
+          </a:fontRef>
+        </p:style>
+        <p:txBody>
+          <a:bodyPr rtlCol="0" anchor="ctr"/>
+          <a:p>
+            <a:pPr algn="ctr">
+              <a:lnSpc>
+                <a:spcPct val="90000"/>
+              </a:lnSpc>
+            </a:pPr>
+            <a:r>
+              <a:rPr lang="en-US" altLang="zh-CN" sz="4000" b="1"/>
+              <a:t>-</a:t>
+            </a:r>
+            <a:endParaRPr lang="en-US" altLang="zh-CN" sz="4000" b="1"/>
+          </a:p>
+        </p:txBody>
+      </p:sp>
+      <p:sp>
+        <p:nvSpPr>
+          <p:cNvPr id="16" name="椭圆 15"/>
+          <p:cNvSpPr/>
+          <p:nvPr/>
+        </p:nvSpPr>
+        <p:spPr>
+          <a:xfrm>
+            <a:off x="1181100" y="2564765"/>
+            <a:ext cx="321310" cy="212090"/>
+          </a:xfrm>
+          <a:prstGeom prst="ellipse">
+            <a:avLst/>
+          </a:prstGeom>
+        </p:spPr>
+        <p:style>
+          <a:lnRef idx="2">
+            <a:schemeClr val="accent2">
+              <a:shade val="50000"/>
+            </a:schemeClr>
+          </a:lnRef>
+          <a:fillRef idx="1">
+            <a:schemeClr val="accent2"/>
+          </a:fillRef>
+          <a:effectRef idx="0">
+            <a:schemeClr val="accent2"/>
+          </a:effectRef>
+          <a:fontRef idx="minor">
+            <a:schemeClr val="lt1"/>
+          </a:fontRef>
+        </p:style>
+        <p:txBody>
+          <a:bodyPr rtlCol="0" anchor="ctr"/>
+          <a:p>
+            <a:pPr algn="ctr">
+              <a:lnSpc>
+                <a:spcPct val="90000"/>
+              </a:lnSpc>
+            </a:pPr>
+            <a:r>
+              <a:rPr lang="en-US" altLang="zh-CN" sz="4000" b="1"/>
+              <a:t>-</a:t>
+            </a:r>
+            <a:endParaRPr lang="en-US" altLang="zh-CN" sz="4000" b="1"/>
+          </a:p>
+        </p:txBody>
+      </p:sp>
+      <p:sp>
+        <p:nvSpPr>
+          <p:cNvPr id="20" name="矩形 19"/>
+          <p:cNvSpPr/>
+          <p:nvPr/>
+        </p:nvSpPr>
+        <p:spPr>
+          <a:xfrm>
+            <a:off x="2146300" y="2369185"/>
+            <a:ext cx="621665" cy="176530"/>
+          </a:xfrm>
+          <a:prstGeom prst="rect">
+            <a:avLst/>
+          </a:prstGeom>
+        </p:spPr>
+        <p:style>
+          <a:lnRef idx="2">
+            <a:schemeClr val="accent1">
+              <a:shade val="50000"/>
+            </a:schemeClr>
+          </a:lnRef>
+          <a:fillRef idx="1">
+            <a:schemeClr val="accent1"/>
+          </a:fillRef>
+          <a:effectRef idx="0">
+            <a:schemeClr val="accent1"/>
+          </a:effectRef>
+          <a:fontRef idx="minor">
+            <a:schemeClr val="lt1"/>
+          </a:fontRef>
+        </p:style>
+        <p:txBody>
+          <a:bodyPr rtlCol="0" anchor="ctr"/>
+          <a:p>
+            <a:pPr algn="ctr"/>
+            <a:r>
+              <a:rPr lang="en-US" altLang="zh-CN" sz="1000" b="1"/>
+              <a:t>Record</a:t>
+            </a:r>
+            <a:r>
+              <a:rPr lang="en-US" altLang="zh-CN" sz="1000" b="1" baseline="-25000"/>
+              <a:t>2</a:t>
+            </a:r>
+            <a:endParaRPr lang="en-US" altLang="zh-CN" sz="1000" b="1" baseline="-25000"/>
+          </a:p>
+        </p:txBody>
+      </p:sp>
+      <p:sp>
+        <p:nvSpPr>
+          <p:cNvPr id="23" name="矩形 22"/>
+          <p:cNvSpPr/>
+          <p:nvPr/>
+        </p:nvSpPr>
+        <p:spPr>
+          <a:xfrm>
+            <a:off x="1005840" y="2371725"/>
+            <a:ext cx="621665" cy="176530"/>
+          </a:xfrm>
+          <a:prstGeom prst="rect">
+            <a:avLst/>
+          </a:prstGeom>
+        </p:spPr>
+        <p:style>
+          <a:lnRef idx="2">
+            <a:schemeClr val="accent1">
+              <a:shade val="50000"/>
+            </a:schemeClr>
+          </a:lnRef>
+          <a:fillRef idx="1">
+            <a:schemeClr val="accent1"/>
+          </a:fillRef>
+          <a:effectRef idx="0">
+            <a:schemeClr val="accent1"/>
+          </a:effectRef>
+          <a:fontRef idx="minor">
+            <a:schemeClr val="lt1"/>
+          </a:fontRef>
+        </p:style>
+        <p:txBody>
+          <a:bodyPr rtlCol="0" anchor="ctr"/>
+          <a:p>
+            <a:pPr algn="ctr"/>
+            <a:r>
+              <a:rPr lang="en-US" altLang="zh-CN" sz="1000" b="1"/>
+              <a:t>Record</a:t>
+            </a:r>
+            <a:r>
+              <a:rPr lang="en-US" altLang="zh-CN" sz="1000" b="1" baseline="-25000"/>
+              <a:t>3</a:t>
+            </a:r>
+            <a:endParaRPr lang="en-US" altLang="zh-CN" sz="1000" b="1" baseline="-25000"/>
+          </a:p>
+        </p:txBody>
+      </p:sp>
+      <p:sp>
+        <p:nvSpPr>
+          <p:cNvPr id="24" name="右箭头 23"/>
+          <p:cNvSpPr/>
+          <p:nvPr/>
+        </p:nvSpPr>
+        <p:spPr>
+          <a:xfrm>
+            <a:off x="7004685" y="1537335"/>
+            <a:ext cx="535305" cy="202565"/>
+          </a:xfrm>
+          <a:prstGeom prst="rightArrow">
+            <a:avLst/>
+          </a:prstGeom>
+          <a:gradFill>
+            <a:gsLst>
+              <a:gs pos="0">
+                <a:srgbClr val="14CD68"/>
+              </a:gs>
+              <a:gs pos="100000">
+                <a:srgbClr val="0B6E38"/>
+              </a:gs>
+            </a:gsLst>
+            <a:lin ang="5400000" scaled="0"/>
+          </a:gradFill>
+        </p:spPr>
+        <p:style>
+          <a:lnRef idx="2">
+            <a:schemeClr val="accent1">
+              <a:shade val="50000"/>
+            </a:schemeClr>
+          </a:lnRef>
+          <a:fillRef idx="1">
+            <a:schemeClr val="accent1"/>
+          </a:fillRef>
+          <a:effectRef idx="0">
+            <a:schemeClr val="accent1"/>
+          </a:effectRef>
+          <a:fontRef idx="minor">
+            <a:schemeClr val="lt1"/>
+          </a:fontRef>
+        </p:style>
+        <p:txBody>
+          <a:bodyPr rtlCol="0" anchor="ctr"/>
+          <a:p>
+            <a:pPr algn="ctr"/>
+            <a:endParaRPr lang="zh-CN" altLang="en-US"/>
+          </a:p>
+        </p:txBody>
+      </p:sp>
+      <p:sp>
+        <p:nvSpPr>
+          <p:cNvPr id="61" name="下弧形箭头 60"/>
+          <p:cNvSpPr/>
+          <p:nvPr/>
+        </p:nvSpPr>
+        <p:spPr>
+          <a:xfrm>
+            <a:off x="7802245" y="2395220"/>
+            <a:ext cx="1052830" cy="250825"/>
+          </a:xfrm>
+          <a:prstGeom prst="curvedUpArrow">
+            <a:avLst/>
+          </a:prstGeom>
+        </p:spPr>
+        <p:style>
+          <a:lnRef idx="2">
+            <a:schemeClr val="accent1">
+              <a:shade val="50000"/>
+            </a:schemeClr>
+          </a:lnRef>
+          <a:fillRef idx="1">
+            <a:schemeClr val="accent1"/>
+          </a:fillRef>
+          <a:effectRef idx="0">
+            <a:schemeClr val="accent1"/>
+          </a:effectRef>
+          <a:fontRef idx="minor">
+            <a:schemeClr val="lt1"/>
+          </a:fontRef>
+        </p:style>
+        <p:txBody>
+          <a:bodyPr rtlCol="0" anchor="ctr"/>
+          <a:p>
+            <a:pPr algn="ctr"/>
+            <a:endParaRPr lang="zh-CN" altLang="en-US">
+              <a:solidFill>
+                <a:schemeClr val="tx1"/>
+              </a:solidFill>
+            </a:endParaRPr>
+          </a:p>
+        </p:txBody>
+      </p:sp>
+      <p:sp>
+        <p:nvSpPr>
+          <p:cNvPr id="62" name="下弧形箭头 61"/>
+          <p:cNvSpPr/>
+          <p:nvPr/>
+        </p:nvSpPr>
+        <p:spPr>
+          <a:xfrm>
+            <a:off x="8855710" y="2395220"/>
+            <a:ext cx="1106170" cy="250825"/>
+          </a:xfrm>
+          <a:prstGeom prst="curvedUpArrow">
+            <a:avLst/>
+          </a:prstGeom>
+        </p:spPr>
+        <p:style>
+          <a:lnRef idx="2">
+            <a:schemeClr val="accent1">
+              <a:shade val="50000"/>
+            </a:schemeClr>
+          </a:lnRef>
+          <a:fillRef idx="1">
+            <a:schemeClr val="accent1"/>
+          </a:fillRef>
+          <a:effectRef idx="0">
+            <a:schemeClr val="accent1"/>
+          </a:effectRef>
+          <a:fontRef idx="minor">
+            <a:schemeClr val="lt1"/>
+          </a:fontRef>
+        </p:style>
+        <p:txBody>
+          <a:bodyPr rtlCol="0" anchor="ctr"/>
+          <a:p>
+            <a:pPr algn="ctr"/>
+            <a:endParaRPr lang="zh-CN" altLang="en-US">
+              <a:solidFill>
+                <a:schemeClr val="tx1"/>
+              </a:solidFill>
+            </a:endParaRPr>
+          </a:p>
+        </p:txBody>
+      </p:sp>
+      <p:sp>
+        <p:nvSpPr>
+          <p:cNvPr id="63" name="下弧形箭头 62"/>
+          <p:cNvSpPr/>
+          <p:nvPr/>
+        </p:nvSpPr>
+        <p:spPr>
+          <a:xfrm>
+            <a:off x="9961880" y="2395220"/>
+            <a:ext cx="1120775" cy="250825"/>
+          </a:xfrm>
+          <a:prstGeom prst="curvedUpArrow">
+            <a:avLst/>
+          </a:prstGeom>
+          <a:gradFill>
+            <a:gsLst>
+              <a:gs pos="0">
+                <a:srgbClr val="7B32B2"/>
+              </a:gs>
+              <a:gs pos="100000">
+                <a:srgbClr val="401A5D"/>
+              </a:gs>
+            </a:gsLst>
+            <a:lin ang="5400000" scaled="0"/>
+          </a:gradFill>
+        </p:spPr>
+        <p:style>
+          <a:lnRef idx="2">
+            <a:schemeClr val="accent1">
+              <a:shade val="50000"/>
+            </a:schemeClr>
+          </a:lnRef>
+          <a:fillRef idx="1">
+            <a:schemeClr val="accent1"/>
+          </a:fillRef>
+          <a:effectRef idx="0">
+            <a:schemeClr val="accent1"/>
+          </a:effectRef>
+          <a:fontRef idx="minor">
+            <a:schemeClr val="lt1"/>
+          </a:fontRef>
+        </p:style>
+        <p:txBody>
+          <a:bodyPr rtlCol="0" anchor="ctr"/>
+          <a:p>
+            <a:pPr algn="ctr"/>
+            <a:endParaRPr lang="zh-CN" altLang="en-US">
+              <a:solidFill>
+                <a:schemeClr val="tx1"/>
+              </a:solidFill>
+            </a:endParaRPr>
+          </a:p>
+        </p:txBody>
+      </p:sp>
+      <p:sp>
+        <p:nvSpPr>
+          <p:cNvPr id="64" name="矩形 63"/>
+          <p:cNvSpPr/>
+          <p:nvPr/>
+        </p:nvSpPr>
+        <p:spPr>
+          <a:xfrm>
+            <a:off x="8006715" y="2368550"/>
+            <a:ext cx="621665" cy="176530"/>
+          </a:xfrm>
+          <a:prstGeom prst="rect">
+            <a:avLst/>
+          </a:prstGeom>
+        </p:spPr>
+        <p:style>
+          <a:lnRef idx="2">
+            <a:schemeClr val="accent1">
+              <a:shade val="50000"/>
+            </a:schemeClr>
+          </a:lnRef>
+          <a:fillRef idx="1">
+            <a:schemeClr val="accent1"/>
+          </a:fillRef>
+          <a:effectRef idx="0">
+            <a:schemeClr val="accent1"/>
+          </a:effectRef>
+          <a:fontRef idx="minor">
+            <a:schemeClr val="lt1"/>
+          </a:fontRef>
+        </p:style>
+        <p:txBody>
+          <a:bodyPr rtlCol="0" anchor="ctr"/>
+          <a:p>
+            <a:pPr algn="ctr"/>
+            <a:r>
+              <a:rPr lang="en-US" altLang="zh-CN" sz="1000" b="1"/>
+              <a:t>Record</a:t>
+            </a:r>
+            <a:r>
+              <a:rPr lang="en-US" altLang="zh-CN" sz="1000" b="1" baseline="-25000"/>
+              <a:t>1</a:t>
+            </a:r>
+            <a:endParaRPr lang="en-US" altLang="zh-CN" sz="1000" b="1" baseline="-25000"/>
+          </a:p>
+        </p:txBody>
+      </p:sp>
+      <p:sp>
+        <p:nvSpPr>
+          <p:cNvPr id="69" name="椭圆 68"/>
+          <p:cNvSpPr/>
+          <p:nvPr/>
+        </p:nvSpPr>
+        <p:spPr>
+          <a:xfrm>
+            <a:off x="10314305" y="2574290"/>
+            <a:ext cx="340360" cy="224155"/>
+          </a:xfrm>
+          <a:prstGeom prst="ellipse">
+            <a:avLst/>
+          </a:prstGeom>
+        </p:spPr>
+        <p:style>
+          <a:lnRef idx="2">
+            <a:schemeClr val="accent2">
+              <a:shade val="50000"/>
+            </a:schemeClr>
+          </a:lnRef>
+          <a:fillRef idx="1">
+            <a:schemeClr val="accent2"/>
+          </a:fillRef>
+          <a:effectRef idx="0">
+            <a:schemeClr val="accent2"/>
+          </a:effectRef>
+          <a:fontRef idx="minor">
+            <a:schemeClr val="lt1"/>
+          </a:fontRef>
+        </p:style>
+        <p:txBody>
+          <a:bodyPr rtlCol="0" anchor="ctr"/>
+          <a:p>
+            <a:pPr algn="ctr">
+              <a:lnSpc>
+                <a:spcPct val="90000"/>
+              </a:lnSpc>
+            </a:pPr>
+            <a:r>
+              <a:rPr lang="en-US" altLang="zh-CN" sz="2800" b="1"/>
+              <a:t>+</a:t>
+            </a:r>
+            <a:endParaRPr lang="en-US" altLang="zh-CN" sz="2800" b="1"/>
+          </a:p>
+        </p:txBody>
+      </p:sp>
+      <p:sp>
+        <p:nvSpPr>
+          <p:cNvPr id="72" name="椭圆 71"/>
+          <p:cNvSpPr/>
+          <p:nvPr/>
+        </p:nvSpPr>
+        <p:spPr>
+          <a:xfrm>
+            <a:off x="9266555" y="2545080"/>
+            <a:ext cx="317500" cy="233680"/>
+          </a:xfrm>
+          <a:prstGeom prst="ellipse">
+            <a:avLst/>
+          </a:prstGeom>
+        </p:spPr>
+        <p:style>
+          <a:lnRef idx="2">
+            <a:schemeClr val="accent2">
+              <a:shade val="50000"/>
+            </a:schemeClr>
+          </a:lnRef>
+          <a:fillRef idx="1">
+            <a:schemeClr val="accent2"/>
+          </a:fillRef>
+          <a:effectRef idx="0">
+            <a:schemeClr val="accent2"/>
+          </a:effectRef>
+          <a:fontRef idx="minor">
+            <a:schemeClr val="lt1"/>
+          </a:fontRef>
+        </p:style>
+        <p:txBody>
+          <a:bodyPr rtlCol="0" anchor="ctr"/>
+          <a:p>
+            <a:pPr algn="ctr">
+              <a:lnSpc>
+                <a:spcPct val="90000"/>
+              </a:lnSpc>
+            </a:pPr>
+            <a:r>
+              <a:rPr lang="en-US" altLang="zh-CN" sz="2800" b="1"/>
+              <a:t>+</a:t>
+            </a:r>
+            <a:endParaRPr lang="en-US" altLang="zh-CN" sz="2800" b="1"/>
+          </a:p>
+        </p:txBody>
+      </p:sp>
+      <p:sp>
+        <p:nvSpPr>
+          <p:cNvPr id="77" name="椭圆 76"/>
+          <p:cNvSpPr/>
+          <p:nvPr/>
+        </p:nvSpPr>
+        <p:spPr>
+          <a:xfrm>
+            <a:off x="8156575" y="2545080"/>
+            <a:ext cx="321310" cy="212090"/>
+          </a:xfrm>
+          <a:prstGeom prst="ellipse">
+            <a:avLst/>
+          </a:prstGeom>
+        </p:spPr>
+        <p:style>
+          <a:lnRef idx="2">
+            <a:schemeClr val="accent2">
+              <a:shade val="50000"/>
+            </a:schemeClr>
+          </a:lnRef>
+          <a:fillRef idx="1">
+            <a:schemeClr val="accent2"/>
+          </a:fillRef>
+          <a:effectRef idx="0">
+            <a:schemeClr val="accent2"/>
+          </a:effectRef>
+          <a:fontRef idx="minor">
+            <a:schemeClr val="lt1"/>
+          </a:fontRef>
+        </p:style>
+        <p:txBody>
+          <a:bodyPr rtlCol="0" anchor="ctr"/>
+          <a:p>
+            <a:pPr algn="ctr">
+              <a:lnSpc>
+                <a:spcPct val="90000"/>
+              </a:lnSpc>
+            </a:pPr>
+            <a:r>
+              <a:rPr lang="en-US" altLang="zh-CN" sz="2800" b="1"/>
+              <a:t>+</a:t>
+            </a:r>
+            <a:endParaRPr lang="en-US" altLang="zh-CN" sz="2800" b="1"/>
+          </a:p>
+        </p:txBody>
+      </p:sp>
+      <p:sp>
+        <p:nvSpPr>
+          <p:cNvPr id="78" name="矩形 77"/>
+          <p:cNvSpPr/>
+          <p:nvPr/>
+        </p:nvSpPr>
+        <p:spPr>
+          <a:xfrm>
+            <a:off x="9102725" y="2368550"/>
+            <a:ext cx="621665" cy="176530"/>
+          </a:xfrm>
+          <a:prstGeom prst="rect">
+            <a:avLst/>
+          </a:prstGeom>
+        </p:spPr>
+        <p:style>
+          <a:lnRef idx="2">
+            <a:schemeClr val="accent1">
+              <a:shade val="50000"/>
+            </a:schemeClr>
+          </a:lnRef>
+          <a:fillRef idx="1">
+            <a:schemeClr val="accent1"/>
+          </a:fillRef>
+          <a:effectRef idx="0">
+            <a:schemeClr val="accent1"/>
+          </a:effectRef>
+          <a:fontRef idx="minor">
+            <a:schemeClr val="lt1"/>
+          </a:fontRef>
+        </p:style>
+        <p:txBody>
+          <a:bodyPr rtlCol="0" anchor="ctr"/>
+          <a:p>
+            <a:pPr algn="ctr"/>
+            <a:r>
+              <a:rPr lang="en-US" altLang="zh-CN" sz="1000" b="1"/>
+              <a:t>Record</a:t>
+            </a:r>
+            <a:r>
+              <a:rPr lang="en-US" altLang="zh-CN" sz="1000" b="1" baseline="-25000"/>
+              <a:t>2</a:t>
+            </a:r>
+            <a:endParaRPr lang="en-US" altLang="zh-CN" sz="1000" b="1" baseline="-25000"/>
+          </a:p>
+        </p:txBody>
+      </p:sp>
+      <p:sp>
+        <p:nvSpPr>
+          <p:cNvPr id="79" name="矩形 78"/>
+          <p:cNvSpPr/>
+          <p:nvPr/>
+        </p:nvSpPr>
+        <p:spPr>
+          <a:xfrm>
+            <a:off x="10220960" y="2368550"/>
+            <a:ext cx="621665" cy="176530"/>
+          </a:xfrm>
+          <a:prstGeom prst="rect">
+            <a:avLst/>
+          </a:prstGeom>
+        </p:spPr>
+        <p:style>
+          <a:lnRef idx="2">
+            <a:schemeClr val="accent1">
+              <a:shade val="50000"/>
+            </a:schemeClr>
+          </a:lnRef>
+          <a:fillRef idx="1">
+            <a:schemeClr val="accent1"/>
+          </a:fillRef>
+          <a:effectRef idx="0">
+            <a:schemeClr val="accent1"/>
+          </a:effectRef>
+          <a:fontRef idx="minor">
+            <a:schemeClr val="lt1"/>
+          </a:fontRef>
+        </p:style>
+        <p:txBody>
+          <a:bodyPr rtlCol="0" anchor="ctr"/>
+          <a:p>
+            <a:pPr algn="ctr"/>
+            <a:r>
+              <a:rPr lang="en-US" altLang="zh-CN" sz="1000" b="1"/>
+              <a:t>Record</a:t>
+            </a:r>
+            <a:r>
+              <a:rPr lang="en-US" altLang="zh-CN" sz="1000" b="1" baseline="-25000"/>
+              <a:t>3</a:t>
+            </a:r>
+            <a:endParaRPr lang="en-US" altLang="zh-CN" sz="1000" b="1" baseline="-25000"/>
+          </a:p>
+        </p:txBody>
+      </p:sp>
+      <p:sp>
+        <p:nvSpPr>
+          <p:cNvPr id="51" name="矩形 50"/>
+          <p:cNvSpPr/>
+          <p:nvPr/>
+        </p:nvSpPr>
+        <p:spPr>
+          <a:xfrm>
+            <a:off x="462915" y="3105785"/>
+            <a:ext cx="3644265" cy="2884170"/>
+          </a:xfrm>
+          <a:prstGeom prst="rect">
+            <a:avLst/>
+          </a:prstGeom>
+          <a:solidFill>
+            <a:schemeClr val="accent1">
+              <a:lumMod val="20000"/>
+              <a:lumOff val="80000"/>
+            </a:schemeClr>
+          </a:solidFill>
+        </p:spPr>
+        <p:style>
+          <a:lnRef idx="1">
+            <a:schemeClr val="accent3"/>
+          </a:lnRef>
+          <a:fillRef idx="2">
+            <a:schemeClr val="accent3"/>
+          </a:fillRef>
+          <a:effectRef idx="1">
+            <a:schemeClr val="accent3"/>
+          </a:effectRef>
+          <a:fontRef idx="minor">
+            <a:schemeClr val="dk1"/>
+          </a:fontRef>
+        </p:style>
+        <p:txBody>
+          <a:bodyPr rtlCol="0" anchor="ctr"/>
+          <a:p>
+            <a:pPr algn="ctr"/>
+            <a:endParaRPr lang="zh-CN" altLang="en-US"/>
+          </a:p>
+        </p:txBody>
+      </p:sp>
+      <p:pic>
+        <p:nvPicPr>
+          <p:cNvPr id="54" name="图片 53"/>
+          <p:cNvPicPr>
+            <a:picLocks noChangeAspect="1"/>
+          </p:cNvPicPr>
+          <p:nvPr/>
+        </p:nvPicPr>
+        <p:blipFill>
+          <a:blip r:embed="rId5"/>
+          <a:stretch>
+            <a:fillRect/>
+          </a:stretch>
+        </p:blipFill>
+        <p:spPr>
+          <a:xfrm>
+            <a:off x="6923405" y="3280410"/>
+            <a:ext cx="1230630" cy="785495"/>
+          </a:xfrm>
+          <a:prstGeom prst="rect">
+            <a:avLst/>
+          </a:prstGeom>
+        </p:spPr>
+      </p:pic>
+      <p:pic>
+        <p:nvPicPr>
+          <p:cNvPr id="55" name="图片 54"/>
+          <p:cNvPicPr>
+            <a:picLocks noChangeAspect="1"/>
+          </p:cNvPicPr>
+          <p:nvPr/>
+        </p:nvPicPr>
+        <p:blipFill>
+          <a:blip r:embed="rId6"/>
+          <a:stretch>
+            <a:fillRect/>
+          </a:stretch>
+        </p:blipFill>
+        <p:spPr>
+          <a:xfrm>
+            <a:off x="518160" y="3986530"/>
+            <a:ext cx="795020" cy="1072515"/>
+          </a:xfrm>
+          <a:prstGeom prst="rect">
+            <a:avLst/>
+          </a:prstGeom>
+        </p:spPr>
+      </p:pic>
+      <p:pic>
+        <p:nvPicPr>
+          <p:cNvPr id="56" name="图片 1" descr="骨骼"/>
+          <p:cNvPicPr>
+            <a:picLocks noChangeAspect="1"/>
+          </p:cNvPicPr>
+          <p:nvPr/>
+        </p:nvPicPr>
+        <p:blipFill>
+          <a:blip r:embed="rId7"/>
+          <a:stretch>
+            <a:fillRect/>
+          </a:stretch>
+        </p:blipFill>
+        <p:spPr>
+          <a:xfrm>
+            <a:off x="5255895" y="3762693"/>
+            <a:ext cx="748030" cy="1689735"/>
+          </a:xfrm>
+          <a:prstGeom prst="rect">
+            <a:avLst/>
+          </a:prstGeom>
+        </p:spPr>
+      </p:pic>
+      <p:sp>
+        <p:nvSpPr>
+          <p:cNvPr id="57" name="右箭头 56"/>
+          <p:cNvSpPr/>
+          <p:nvPr/>
+        </p:nvSpPr>
+        <p:spPr>
+          <a:xfrm>
+            <a:off x="1372870" y="4110355"/>
+            <a:ext cx="1395095" cy="1092835"/>
+          </a:xfrm>
+          <a:prstGeom prst="rightArrow">
+            <a:avLst/>
+          </a:prstGeom>
+        </p:spPr>
+        <p:style>
+          <a:lnRef idx="2">
+            <a:schemeClr val="accent1">
+              <a:shade val="50000"/>
+            </a:schemeClr>
+          </a:lnRef>
+          <a:fillRef idx="1">
+            <a:schemeClr val="accent1"/>
+          </a:fillRef>
+          <a:effectRef idx="0">
+            <a:schemeClr val="accent1"/>
+          </a:effectRef>
+          <a:fontRef idx="minor">
+            <a:schemeClr val="lt1"/>
+          </a:fontRef>
+        </p:style>
+        <p:txBody>
+          <a:bodyPr rtlCol="0" anchor="ctr"/>
+          <a:p>
+            <a:pPr algn="ctr" fontAlgn="auto">
+              <a:lnSpc>
+                <a:spcPts val="2160"/>
+              </a:lnSpc>
+              <a:buClrTx/>
+              <a:buSzTx/>
+              <a:buFontTx/>
+            </a:pPr>
+            <a:r>
+              <a:rPr lang="zh-CN" altLang="en-US" dirty="0">
+                <a:sym typeface="+mn-ea"/>
+              </a:rPr>
+              <a:t>Skeleton extraction</a:t>
+            </a:r>
+            <a:endParaRPr lang="zh-CN" altLang="en-US" dirty="0">
+              <a:sym typeface="+mn-ea"/>
+            </a:endParaRPr>
+          </a:p>
+        </p:txBody>
+      </p:sp>
+      <p:sp>
+        <p:nvSpPr>
+          <p:cNvPr id="58" name="右箭头 57"/>
+          <p:cNvSpPr/>
+          <p:nvPr/>
+        </p:nvSpPr>
+        <p:spPr>
+          <a:xfrm>
+            <a:off x="8234045" y="3301365"/>
+            <a:ext cx="1907540" cy="504825"/>
+          </a:xfrm>
+          <a:prstGeom prst="rightArrow">
+            <a:avLst/>
+          </a:prstGeom>
+        </p:spPr>
+        <p:style>
+          <a:lnRef idx="2">
+            <a:schemeClr val="accent1">
+              <a:shade val="50000"/>
+            </a:schemeClr>
+          </a:lnRef>
+          <a:fillRef idx="1">
+            <a:schemeClr val="accent1"/>
+          </a:fillRef>
+          <a:effectRef idx="0">
+            <a:schemeClr val="accent1"/>
+          </a:effectRef>
+          <a:fontRef idx="minor">
+            <a:schemeClr val="lt1"/>
+          </a:fontRef>
+        </p:style>
+        <p:txBody>
+          <a:bodyPr rtlCol="0" anchor="ctr"/>
+          <a:p>
+            <a:pPr algn="ctr" fontAlgn="auto">
+              <a:lnSpc>
+                <a:spcPts val="2160"/>
+              </a:lnSpc>
+              <a:buClrTx/>
+              <a:buSzTx/>
+              <a:buFontTx/>
+            </a:pPr>
+            <a:r>
+              <a:rPr lang="en-US" altLang="zh-CN">
+                <a:sym typeface="+mn-ea"/>
+              </a:rPr>
+              <a:t>m</a:t>
+            </a:r>
+            <a:r>
+              <a:rPr lang="zh-CN" altLang="en-US">
+                <a:sym typeface="+mn-ea"/>
+              </a:rPr>
+              <a:t>ake start frame</a:t>
+            </a:r>
+            <a:endParaRPr lang="zh-CN" altLang="en-US">
+              <a:sym typeface="+mn-ea"/>
+            </a:endParaRPr>
+          </a:p>
+        </p:txBody>
+      </p:sp>
+      <p:pic>
+        <p:nvPicPr>
+          <p:cNvPr id="59" name="图片 58"/>
+          <p:cNvPicPr>
+            <a:picLocks noChangeAspect="1"/>
+          </p:cNvPicPr>
+          <p:nvPr/>
+        </p:nvPicPr>
+        <p:blipFill>
+          <a:blip r:embed="rId5"/>
+          <a:stretch>
+            <a:fillRect/>
+          </a:stretch>
+        </p:blipFill>
+        <p:spPr>
+          <a:xfrm>
+            <a:off x="6923405" y="5345430"/>
+            <a:ext cx="1230630" cy="785495"/>
+          </a:xfrm>
+          <a:prstGeom prst="rect">
+            <a:avLst/>
+          </a:prstGeom>
+        </p:spPr>
+      </p:pic>
+      <p:sp>
+        <p:nvSpPr>
+          <p:cNvPr id="60" name="右箭头 59"/>
+          <p:cNvSpPr/>
+          <p:nvPr/>
+        </p:nvSpPr>
+        <p:spPr>
+          <a:xfrm>
+            <a:off x="8233410" y="5853430"/>
+            <a:ext cx="1908175" cy="504825"/>
+          </a:xfrm>
+          <a:prstGeom prst="rightArrow">
+            <a:avLst/>
+          </a:prstGeom>
+        </p:spPr>
+        <p:style>
+          <a:lnRef idx="2">
+            <a:schemeClr val="accent1">
+              <a:shade val="50000"/>
+            </a:schemeClr>
+          </a:lnRef>
+          <a:fillRef idx="1">
+            <a:schemeClr val="accent1"/>
+          </a:fillRef>
+          <a:effectRef idx="0">
+            <a:schemeClr val="accent1"/>
+          </a:effectRef>
+          <a:fontRef idx="minor">
+            <a:schemeClr val="lt1"/>
+          </a:fontRef>
+        </p:style>
+        <p:txBody>
+          <a:bodyPr rtlCol="0" anchor="ctr"/>
+          <a:p>
+            <a:pPr algn="ctr" fontAlgn="auto">
+              <a:lnSpc>
+                <a:spcPts val="2160"/>
+              </a:lnSpc>
+              <a:buClrTx/>
+              <a:buSzTx/>
+              <a:buFontTx/>
+            </a:pPr>
+            <a:r>
+              <a:rPr lang="en-US" altLang="zh-CN">
+                <a:sym typeface="+mn-ea"/>
+              </a:rPr>
+              <a:t>m</a:t>
+            </a:r>
+            <a:r>
+              <a:rPr lang="zh-CN" altLang="en-US">
+                <a:sym typeface="+mn-ea"/>
+              </a:rPr>
+              <a:t>ake </a:t>
+            </a:r>
+            <a:r>
+              <a:rPr lang="en-US" altLang="zh-CN">
+                <a:sym typeface="+mn-ea"/>
+              </a:rPr>
+              <a:t>end</a:t>
+            </a:r>
+            <a:r>
+              <a:rPr lang="zh-CN" altLang="en-US">
+                <a:sym typeface="+mn-ea"/>
+              </a:rPr>
+              <a:t> frame</a:t>
+            </a:r>
+            <a:endParaRPr lang="zh-CN" altLang="en-US" dirty="0">
+              <a:sym typeface="+mn-ea"/>
+            </a:endParaRPr>
+          </a:p>
+        </p:txBody>
+      </p:sp>
+      <p:sp>
+        <p:nvSpPr>
+          <p:cNvPr id="68" name="文本框 67"/>
+          <p:cNvSpPr txBox="1"/>
+          <p:nvPr/>
+        </p:nvSpPr>
+        <p:spPr>
+          <a:xfrm>
+            <a:off x="6980555" y="4128770"/>
+            <a:ext cx="1452880" cy="337185"/>
+          </a:xfrm>
+          <a:prstGeom prst="rect">
+            <a:avLst/>
+          </a:prstGeom>
+          <a:noFill/>
+        </p:spPr>
+        <p:txBody>
+          <a:bodyPr wrap="square" rtlCol="0">
+            <a:spAutoFit/>
+          </a:bodyPr>
+          <a:p>
+            <a:r>
+              <a:rPr lang="zh-CN" altLang="en-US" sz="1600"/>
+              <a:t>Motion Editor</a:t>
+            </a:r>
+            <a:endParaRPr lang="zh-CN" altLang="en-US" sz="1600"/>
+          </a:p>
+        </p:txBody>
+      </p:sp>
+      <p:pic>
+        <p:nvPicPr>
+          <p:cNvPr id="87" name="图片 86"/>
+          <p:cNvPicPr>
+            <a:picLocks noChangeAspect="1"/>
+          </p:cNvPicPr>
+          <p:nvPr/>
+        </p:nvPicPr>
+        <p:blipFill>
+          <a:blip r:embed="rId8"/>
+          <a:stretch>
+            <a:fillRect/>
+          </a:stretch>
+        </p:blipFill>
+        <p:spPr>
+          <a:xfrm>
+            <a:off x="10394315" y="4548505"/>
+            <a:ext cx="224155" cy="407035"/>
+          </a:xfrm>
+          <a:prstGeom prst="rect">
+            <a:avLst/>
+          </a:prstGeom>
+        </p:spPr>
+      </p:pic>
+      <p:pic>
+        <p:nvPicPr>
+          <p:cNvPr id="88" name="图片 87"/>
+          <p:cNvPicPr>
+            <a:picLocks noChangeAspect="1"/>
+          </p:cNvPicPr>
+          <p:nvPr/>
+        </p:nvPicPr>
+        <p:blipFill>
+          <a:blip r:embed="rId9"/>
+          <a:stretch>
+            <a:fillRect/>
+          </a:stretch>
+        </p:blipFill>
+        <p:spPr>
+          <a:xfrm>
+            <a:off x="10360660" y="3938270"/>
+            <a:ext cx="262890" cy="465455"/>
+          </a:xfrm>
+          <a:prstGeom prst="rect">
+            <a:avLst/>
+          </a:prstGeom>
+        </p:spPr>
+      </p:pic>
+      <p:pic>
+        <p:nvPicPr>
+          <p:cNvPr id="91" name="图片 90"/>
+          <p:cNvPicPr>
+            <a:picLocks noChangeAspect="1"/>
+          </p:cNvPicPr>
+          <p:nvPr/>
+        </p:nvPicPr>
+        <p:blipFill>
+          <a:blip r:embed="rId10"/>
+          <a:stretch>
+            <a:fillRect/>
+          </a:stretch>
+        </p:blipFill>
+        <p:spPr>
+          <a:xfrm>
+            <a:off x="10380980" y="5175250"/>
+            <a:ext cx="217805" cy="433070"/>
+          </a:xfrm>
+          <a:prstGeom prst="rect">
+            <a:avLst/>
+          </a:prstGeom>
+        </p:spPr>
+      </p:pic>
+      <p:pic>
+        <p:nvPicPr>
+          <p:cNvPr id="92" name="图片 91"/>
+          <p:cNvPicPr>
+            <a:picLocks noChangeAspect="1"/>
+          </p:cNvPicPr>
+          <p:nvPr/>
+        </p:nvPicPr>
+        <p:blipFill>
+          <a:blip r:embed="rId11"/>
+          <a:stretch>
+            <a:fillRect/>
+          </a:stretch>
+        </p:blipFill>
+        <p:spPr>
+          <a:xfrm>
+            <a:off x="10287635" y="5841365"/>
+            <a:ext cx="311150" cy="516890"/>
+          </a:xfrm>
+          <a:prstGeom prst="rect">
+            <a:avLst/>
+          </a:prstGeom>
+        </p:spPr>
+      </p:pic>
+      <p:pic>
+        <p:nvPicPr>
+          <p:cNvPr id="93" name="图片 92"/>
+          <p:cNvPicPr>
+            <a:picLocks noChangeAspect="1"/>
+          </p:cNvPicPr>
+          <p:nvPr/>
+        </p:nvPicPr>
+        <p:blipFill>
+          <a:blip r:embed="rId12"/>
+          <a:stretch>
+            <a:fillRect/>
+          </a:stretch>
+        </p:blipFill>
+        <p:spPr>
+          <a:xfrm>
+            <a:off x="10363200" y="3330575"/>
+            <a:ext cx="245745" cy="433070"/>
+          </a:xfrm>
+          <a:prstGeom prst="rect">
+            <a:avLst/>
+          </a:prstGeom>
+        </p:spPr>
+      </p:pic>
+      <p:sp>
+        <p:nvSpPr>
+          <p:cNvPr id="96" name="矩形 95"/>
+          <p:cNvSpPr/>
+          <p:nvPr/>
+        </p:nvSpPr>
+        <p:spPr>
+          <a:xfrm>
+            <a:off x="10250170" y="3286125"/>
+            <a:ext cx="1541780" cy="477520"/>
+          </a:xfrm>
+          <a:prstGeom prst="rect">
+            <a:avLst/>
+          </a:prstGeom>
+          <a:noFill/>
+          <a:ln w="28575">
+            <a:solidFill>
+              <a:schemeClr val="accent2">
+                <a:lumMod val="60000"/>
+                <a:lumOff val="40000"/>
+              </a:schemeClr>
+            </a:solidFill>
+            <a:prstDash val="sysDash"/>
+          </a:ln>
+        </p:spPr>
+        <p:style>
+          <a:lnRef idx="2">
+            <a:schemeClr val="accent1">
+              <a:shade val="50000"/>
+            </a:schemeClr>
+          </a:lnRef>
+          <a:fillRef idx="1">
+            <a:schemeClr val="accent1"/>
+          </a:fillRef>
+          <a:effectRef idx="0">
+            <a:schemeClr val="accent1"/>
+          </a:effectRef>
+          <a:fontRef idx="minor">
+            <a:schemeClr val="lt1"/>
+          </a:fontRef>
+        </p:style>
+        <p:txBody>
+          <a:bodyPr rtlCol="0" anchor="ctr"/>
+          <a:p>
+            <a:pPr algn="ctr"/>
+            <a:endParaRPr lang="zh-CN" altLang="en-US"/>
+          </a:p>
+        </p:txBody>
+      </p:sp>
+      <p:pic>
+        <p:nvPicPr>
+          <p:cNvPr id="109" name="图片 108"/>
+          <p:cNvPicPr>
+            <a:picLocks noChangeAspect="1"/>
+          </p:cNvPicPr>
+          <p:nvPr/>
+        </p:nvPicPr>
+        <p:blipFill>
+          <a:blip r:embed="rId13"/>
+          <a:stretch>
+            <a:fillRect/>
+          </a:stretch>
+        </p:blipFill>
+        <p:spPr>
+          <a:xfrm>
+            <a:off x="10759440" y="3352800"/>
+            <a:ext cx="251460" cy="368935"/>
+          </a:xfrm>
+          <a:prstGeom prst="rect">
+            <a:avLst/>
+          </a:prstGeom>
+        </p:spPr>
+      </p:pic>
+      <p:pic>
+        <p:nvPicPr>
+          <p:cNvPr id="110" name="图片 109"/>
+          <p:cNvPicPr>
+            <a:picLocks noChangeAspect="1"/>
+          </p:cNvPicPr>
+          <p:nvPr/>
+        </p:nvPicPr>
+        <p:blipFill>
+          <a:blip r:embed="rId14"/>
+          <a:stretch>
+            <a:fillRect/>
+          </a:stretch>
+        </p:blipFill>
+        <p:spPr>
+          <a:xfrm>
+            <a:off x="10764520" y="3956685"/>
+            <a:ext cx="281305" cy="473710"/>
+          </a:xfrm>
+          <a:prstGeom prst="rect">
+            <a:avLst/>
+          </a:prstGeom>
+        </p:spPr>
+      </p:pic>
+      <p:pic>
+        <p:nvPicPr>
+          <p:cNvPr id="111" name="图片 110"/>
+          <p:cNvPicPr>
+            <a:picLocks noChangeAspect="1"/>
+          </p:cNvPicPr>
+          <p:nvPr/>
+        </p:nvPicPr>
+        <p:blipFill>
+          <a:blip r:embed="rId15"/>
+          <a:stretch>
+            <a:fillRect/>
+          </a:stretch>
+        </p:blipFill>
+        <p:spPr>
+          <a:xfrm>
+            <a:off x="10759440" y="4548505"/>
+            <a:ext cx="286385" cy="462280"/>
+          </a:xfrm>
+          <a:prstGeom prst="rect">
+            <a:avLst/>
+          </a:prstGeom>
+        </p:spPr>
+      </p:pic>
+      <p:pic>
+        <p:nvPicPr>
+          <p:cNvPr id="112" name="图片 111"/>
+          <p:cNvPicPr>
+            <a:picLocks noChangeAspect="1"/>
+          </p:cNvPicPr>
+          <p:nvPr/>
+        </p:nvPicPr>
+        <p:blipFill>
+          <a:blip r:embed="rId16"/>
+          <a:stretch>
+            <a:fillRect/>
+          </a:stretch>
+        </p:blipFill>
+        <p:spPr>
+          <a:xfrm>
+            <a:off x="10764520" y="5175250"/>
+            <a:ext cx="285750" cy="471170"/>
+          </a:xfrm>
+          <a:prstGeom prst="rect">
+            <a:avLst/>
+          </a:prstGeom>
+        </p:spPr>
+      </p:pic>
+      <p:pic>
+        <p:nvPicPr>
+          <p:cNvPr id="113" name="图片 112"/>
+          <p:cNvPicPr>
+            <a:picLocks noChangeAspect="1"/>
+          </p:cNvPicPr>
+          <p:nvPr/>
+        </p:nvPicPr>
+        <p:blipFill>
+          <a:blip r:embed="rId17"/>
+          <a:stretch>
+            <a:fillRect/>
+          </a:stretch>
+        </p:blipFill>
+        <p:spPr>
+          <a:xfrm>
+            <a:off x="10852785" y="5883275"/>
+            <a:ext cx="285750" cy="462915"/>
+          </a:xfrm>
+          <a:prstGeom prst="rect">
+            <a:avLst/>
+          </a:prstGeom>
+        </p:spPr>
+      </p:pic>
+      <p:pic>
+        <p:nvPicPr>
+          <p:cNvPr id="114" name="图片 113"/>
+          <p:cNvPicPr>
+            <a:picLocks noChangeAspect="1"/>
+          </p:cNvPicPr>
+          <p:nvPr/>
+        </p:nvPicPr>
+        <p:blipFill>
+          <a:blip r:embed="rId18"/>
+          <a:stretch>
+            <a:fillRect/>
+          </a:stretch>
+        </p:blipFill>
+        <p:spPr>
+          <a:xfrm>
+            <a:off x="11409045" y="3333115"/>
+            <a:ext cx="189230" cy="382905"/>
+          </a:xfrm>
+          <a:prstGeom prst="rect">
+            <a:avLst/>
+          </a:prstGeom>
+        </p:spPr>
+      </p:pic>
+      <p:pic>
+        <p:nvPicPr>
+          <p:cNvPr id="115" name="图片 114"/>
+          <p:cNvPicPr>
+            <a:picLocks noChangeAspect="1"/>
+          </p:cNvPicPr>
+          <p:nvPr/>
+        </p:nvPicPr>
+        <p:blipFill>
+          <a:blip r:embed="rId19"/>
+          <a:stretch>
+            <a:fillRect/>
+          </a:stretch>
+        </p:blipFill>
+        <p:spPr>
+          <a:xfrm>
+            <a:off x="11404600" y="3928745"/>
+            <a:ext cx="203200" cy="465455"/>
+          </a:xfrm>
+          <a:prstGeom prst="rect">
+            <a:avLst/>
+          </a:prstGeom>
+        </p:spPr>
+      </p:pic>
+      <p:pic>
+        <p:nvPicPr>
+          <p:cNvPr id="116" name="图片 115"/>
+          <p:cNvPicPr>
+            <a:picLocks noChangeAspect="1"/>
+          </p:cNvPicPr>
+          <p:nvPr/>
+        </p:nvPicPr>
+        <p:blipFill>
+          <a:blip r:embed="rId20"/>
+          <a:stretch>
+            <a:fillRect/>
+          </a:stretch>
+        </p:blipFill>
+        <p:spPr>
+          <a:xfrm>
+            <a:off x="11434445" y="4544695"/>
+            <a:ext cx="193675" cy="410845"/>
+          </a:xfrm>
+          <a:prstGeom prst="rect">
+            <a:avLst/>
+          </a:prstGeom>
+        </p:spPr>
+      </p:pic>
+      <p:pic>
+        <p:nvPicPr>
+          <p:cNvPr id="117" name="图片 116"/>
+          <p:cNvPicPr>
+            <a:picLocks noChangeAspect="1"/>
+          </p:cNvPicPr>
+          <p:nvPr/>
+        </p:nvPicPr>
+        <p:blipFill>
+          <a:blip r:embed="rId21"/>
+          <a:stretch>
+            <a:fillRect/>
+          </a:stretch>
+        </p:blipFill>
+        <p:spPr>
+          <a:xfrm>
+            <a:off x="11404600" y="5119370"/>
+            <a:ext cx="231775" cy="497205"/>
+          </a:xfrm>
+          <a:prstGeom prst="rect">
+            <a:avLst/>
+          </a:prstGeom>
+        </p:spPr>
+      </p:pic>
+      <p:pic>
+        <p:nvPicPr>
+          <p:cNvPr id="118" name="图片 117"/>
+          <p:cNvPicPr>
+            <a:picLocks noChangeAspect="1"/>
+          </p:cNvPicPr>
+          <p:nvPr/>
+        </p:nvPicPr>
+        <p:blipFill>
+          <a:blip r:embed="rId22"/>
+          <a:stretch>
+            <a:fillRect/>
+          </a:stretch>
+        </p:blipFill>
+        <p:spPr>
+          <a:xfrm>
+            <a:off x="11411585" y="5832475"/>
+            <a:ext cx="216535" cy="487045"/>
+          </a:xfrm>
+          <a:prstGeom prst="rect">
+            <a:avLst/>
+          </a:prstGeom>
+        </p:spPr>
+      </p:pic>
+      <p:sp>
+        <p:nvSpPr>
+          <p:cNvPr id="119" name="矩形 118"/>
+          <p:cNvSpPr/>
+          <p:nvPr/>
+        </p:nvSpPr>
+        <p:spPr>
+          <a:xfrm>
+            <a:off x="10249535" y="5794375"/>
+            <a:ext cx="1541780" cy="579120"/>
+          </a:xfrm>
+          <a:prstGeom prst="rect">
+            <a:avLst/>
+          </a:prstGeom>
+          <a:noFill/>
+          <a:ln w="28575">
+            <a:solidFill>
+              <a:schemeClr val="accent2">
+                <a:lumMod val="60000"/>
+                <a:lumOff val="40000"/>
+              </a:schemeClr>
+            </a:solidFill>
+            <a:prstDash val="sysDash"/>
+          </a:ln>
+        </p:spPr>
+        <p:style>
+          <a:lnRef idx="2">
+            <a:schemeClr val="accent1">
+              <a:shade val="50000"/>
+            </a:schemeClr>
+          </a:lnRef>
+          <a:fillRef idx="1">
+            <a:schemeClr val="accent1"/>
+          </a:fillRef>
+          <a:effectRef idx="0">
+            <a:schemeClr val="accent1"/>
+          </a:effectRef>
+          <a:fontRef idx="minor">
+            <a:schemeClr val="lt1"/>
+          </a:fontRef>
+        </p:style>
+        <p:txBody>
+          <a:bodyPr rtlCol="0" anchor="ctr"/>
+          <a:p>
+            <a:pPr algn="ctr"/>
+            <a:endParaRPr lang="zh-CN" altLang="en-US"/>
+          </a:p>
+        </p:txBody>
+      </p:sp>
+      <p:sp>
+        <p:nvSpPr>
+          <p:cNvPr id="5" name="文本框 4"/>
+          <p:cNvSpPr txBox="1"/>
+          <p:nvPr/>
+        </p:nvSpPr>
+        <p:spPr>
+          <a:xfrm>
+            <a:off x="6980555" y="6132195"/>
+            <a:ext cx="1452880" cy="337185"/>
+          </a:xfrm>
+          <a:prstGeom prst="rect">
+            <a:avLst/>
+          </a:prstGeom>
+          <a:noFill/>
+        </p:spPr>
+        <p:txBody>
+          <a:bodyPr wrap="square" rtlCol="0">
+            <a:spAutoFit/>
+          </a:bodyPr>
+          <a:p>
+            <a:r>
+              <a:rPr lang="zh-CN" altLang="en-US" sz="1600"/>
+              <a:t>Motion Editor</a:t>
+            </a:r>
+            <a:endParaRPr lang="zh-CN" altLang="en-US" sz="1600"/>
+          </a:p>
+        </p:txBody>
+      </p:sp>
+      <p:pic>
+        <p:nvPicPr>
+          <p:cNvPr id="10" name="图片 9" descr="无标题"/>
+          <p:cNvPicPr>
+            <a:picLocks noChangeAspect="1"/>
+          </p:cNvPicPr>
+          <p:nvPr/>
+        </p:nvPicPr>
+        <p:blipFill>
+          <a:blip r:embed="rId23">
+            <a:clrChange>
+              <a:clrFrom>
+                <a:srgbClr val="FFFFFF">
+                  <a:alpha val="100000"/>
+                </a:srgbClr>
+              </a:clrFrom>
+              <a:clrTo>
+                <a:srgbClr val="FFFFFF">
+                  <a:alpha val="100000"/>
+                  <a:alpha val="0"/>
+                </a:srgbClr>
+              </a:clrTo>
+            </a:clrChange>
+          </a:blip>
+          <a:stretch>
+            <a:fillRect/>
+          </a:stretch>
+        </p:blipFill>
+        <p:spPr>
+          <a:xfrm>
+            <a:off x="476885" y="887095"/>
+            <a:ext cx="4089400" cy="2019300"/>
+          </a:xfrm>
+          <a:prstGeom prst="rect">
+            <a:avLst/>
+          </a:prstGeom>
+        </p:spPr>
+      </p:pic>
+      <p:pic>
+        <p:nvPicPr>
+          <p:cNvPr id="13" name="图片 12" descr="无标题"/>
+          <p:cNvPicPr>
+            <a:picLocks noChangeAspect="1"/>
+          </p:cNvPicPr>
+          <p:nvPr/>
+        </p:nvPicPr>
+        <p:blipFill>
+          <a:blip r:embed="rId23">
+            <a:clrChange>
+              <a:clrFrom>
+                <a:srgbClr val="FFFFFF">
+                  <a:alpha val="100000"/>
+                </a:srgbClr>
+              </a:clrFrom>
+              <a:clrTo>
+                <a:srgbClr val="FFFFFF">
+                  <a:alpha val="100000"/>
+                  <a:alpha val="0"/>
+                </a:srgbClr>
+              </a:clrTo>
+            </a:clrChange>
+          </a:blip>
+          <a:stretch>
+            <a:fillRect/>
+          </a:stretch>
+        </p:blipFill>
+        <p:spPr>
+          <a:xfrm flipH="1">
+            <a:off x="7539990" y="894080"/>
+            <a:ext cx="3866515" cy="2012950"/>
+          </a:xfrm>
+          <a:prstGeom prst="rect">
+            <a:avLst/>
+          </a:prstGeom>
+        </p:spPr>
+      </p:pic>
+      <p:pic>
+        <p:nvPicPr>
+          <p:cNvPr id="6" name="图片 5"/>
+          <p:cNvPicPr>
+            <a:picLocks noChangeAspect="1"/>
+          </p:cNvPicPr>
+          <p:nvPr/>
+        </p:nvPicPr>
+        <p:blipFill>
+          <a:blip r:embed="rId24">
+            <a:clrChange>
+              <a:clrFrom>
+                <a:srgbClr val="3C3C3C">
+                  <a:alpha val="100000"/>
+                </a:srgbClr>
+              </a:clrFrom>
+              <a:clrTo>
+                <a:srgbClr val="3C3C3C">
+                  <a:alpha val="100000"/>
+                  <a:alpha val="0"/>
+                </a:srgbClr>
+              </a:clrTo>
+            </a:clrChange>
+          </a:blip>
+          <a:stretch>
+            <a:fillRect/>
+          </a:stretch>
+        </p:blipFill>
+        <p:spPr>
+          <a:xfrm>
+            <a:off x="2986405" y="3909060"/>
+            <a:ext cx="853440" cy="1277620"/>
+          </a:xfrm>
+          <a:prstGeom prst="rect">
+            <a:avLst/>
+          </a:prstGeom>
+          <a:noFill/>
+          <a:ln w="9525">
+            <a:noFill/>
+          </a:ln>
+        </p:spPr>
+      </p:pic>
+      <p:sp>
+        <p:nvSpPr>
+          <p:cNvPr id="21" name="右箭头 20"/>
+          <p:cNvSpPr/>
+          <p:nvPr/>
+        </p:nvSpPr>
+        <p:spPr>
+          <a:xfrm>
+            <a:off x="3860800" y="4110355"/>
+            <a:ext cx="1395095" cy="1092835"/>
+          </a:xfrm>
+          <a:prstGeom prst="rightArrow">
+            <a:avLst/>
+          </a:prstGeom>
+        </p:spPr>
+        <p:style>
+          <a:lnRef idx="2">
+            <a:schemeClr val="accent1">
+              <a:shade val="50000"/>
+            </a:schemeClr>
+          </a:lnRef>
+          <a:fillRef idx="1">
+            <a:schemeClr val="accent1"/>
+          </a:fillRef>
+          <a:effectRef idx="0">
+            <a:schemeClr val="accent1"/>
+          </a:effectRef>
+          <a:fontRef idx="minor">
+            <a:schemeClr val="lt1"/>
+          </a:fontRef>
+        </p:style>
+        <p:txBody>
+          <a:bodyPr rtlCol="0" anchor="ctr"/>
+          <a:p>
+            <a:pPr algn="ctr" fontAlgn="auto">
+              <a:lnSpc>
+                <a:spcPts val="2160"/>
+              </a:lnSpc>
+              <a:buClrTx/>
+              <a:buSzTx/>
+              <a:buFontTx/>
+            </a:pPr>
+            <a:r>
+              <a:rPr lang="zh-CN" altLang="en-US" dirty="0">
+                <a:sym typeface="+mn-ea"/>
+              </a:rPr>
+              <a:t>Skeleton 分析</a:t>
+            </a:r>
+            <a:endParaRPr lang="zh-CN" altLang="en-US" dirty="0">
+              <a:sym typeface="+mn-ea"/>
+            </a:endParaRPr>
+          </a:p>
+        </p:txBody>
+      </p:sp>
+      <p:sp>
+        <p:nvSpPr>
+          <p:cNvPr id="25" name="五边形 24"/>
+          <p:cNvSpPr/>
+          <p:nvPr/>
+        </p:nvSpPr>
+        <p:spPr>
+          <a:xfrm>
+            <a:off x="1978025" y="3010535"/>
+            <a:ext cx="2040255" cy="336550"/>
+          </a:xfrm>
+          <a:prstGeom prst="homePlate">
+            <a:avLst/>
+          </a:prstGeom>
+          <a:effectLst>
+            <a:outerShdw blurRad="88900" dir="19140000" algn="bl" rotWithShape="0">
+              <a:prstClr val="black">
+                <a:alpha val="40000"/>
+              </a:prstClr>
+            </a:outerShdw>
+          </a:effectLst>
+        </p:spPr>
+        <p:style>
+          <a:lnRef idx="3">
+            <a:schemeClr val="lt1"/>
+          </a:lnRef>
+          <a:fillRef idx="1">
+            <a:schemeClr val="accent6"/>
+          </a:fillRef>
+          <a:effectRef idx="1">
+            <a:schemeClr val="accent6"/>
+          </a:effectRef>
+          <a:fontRef idx="minor">
+            <a:schemeClr val="lt1"/>
+          </a:fontRef>
+        </p:style>
+        <p:txBody>
+          <a:bodyPr rtlCol="0" anchor="ctr"/>
+          <a:p>
+            <a:pPr algn="ctr"/>
+            <a:r>
+              <a:rPr lang="en-US" altLang="zh-CN" b="1"/>
+              <a:t>S</a:t>
+            </a:r>
+            <a:r>
+              <a:rPr lang="zh-CN" altLang="en-US" b="1"/>
+              <a:t>erver</a:t>
+            </a:r>
+            <a:endParaRPr lang="zh-CN" altLang="en-US" b="1"/>
+          </a:p>
+        </p:txBody>
+      </p:sp>
+      <p:sp>
+        <p:nvSpPr>
+          <p:cNvPr id="27" name="五边形 26"/>
+          <p:cNvSpPr/>
+          <p:nvPr/>
+        </p:nvSpPr>
+        <p:spPr>
+          <a:xfrm>
+            <a:off x="8188960" y="2994025"/>
+            <a:ext cx="2060575" cy="336550"/>
+          </a:xfrm>
+          <a:prstGeom prst="homePlate">
+            <a:avLst/>
+          </a:prstGeom>
+          <a:effectLst>
+            <a:outerShdw blurRad="88900" dir="19140000" algn="bl" rotWithShape="0">
+              <a:prstClr val="black">
+                <a:alpha val="40000"/>
+              </a:prstClr>
+            </a:outerShdw>
+          </a:effectLst>
+        </p:spPr>
+        <p:style>
+          <a:lnRef idx="3">
+            <a:schemeClr val="lt1"/>
+          </a:lnRef>
+          <a:fillRef idx="1">
+            <a:schemeClr val="accent6"/>
+          </a:fillRef>
+          <a:effectRef idx="1">
+            <a:schemeClr val="accent6"/>
+          </a:effectRef>
+          <a:fontRef idx="minor">
+            <a:schemeClr val="lt1"/>
+          </a:fontRef>
+        </p:style>
+        <p:txBody>
+          <a:bodyPr rtlCol="0" anchor="ctr"/>
+          <a:p>
+            <a:pPr algn="ctr"/>
+            <a:r>
+              <a:rPr lang="en-US" altLang="zh-CN" b="1"/>
+              <a:t>B</a:t>
+            </a:r>
+            <a:r>
+              <a:rPr lang="zh-CN" altLang="en-US" b="1"/>
+              <a:t>rowser</a:t>
+            </a:r>
+            <a:endParaRPr lang="zh-CN" altLang="en-US" b="1"/>
+          </a:p>
+        </p:txBody>
+      </p:sp>
+      <p:sp>
+        <p:nvSpPr>
+          <p:cNvPr id="31" name="五边形 30"/>
+          <p:cNvSpPr/>
+          <p:nvPr/>
+        </p:nvSpPr>
+        <p:spPr>
+          <a:xfrm>
+            <a:off x="4820285" y="3006090"/>
+            <a:ext cx="1633855" cy="336550"/>
+          </a:xfrm>
+          <a:prstGeom prst="homePlate">
+            <a:avLst/>
+          </a:prstGeom>
+          <a:effectLst>
+            <a:outerShdw blurRad="88900" dir="19140000" algn="bl" rotWithShape="0">
+              <a:prstClr val="black">
+                <a:alpha val="40000"/>
+              </a:prstClr>
+            </a:outerShdw>
+          </a:effectLst>
+        </p:spPr>
+        <p:style>
+          <a:lnRef idx="3">
+            <a:schemeClr val="lt1"/>
+          </a:lnRef>
+          <a:fillRef idx="1">
+            <a:schemeClr val="accent6"/>
+          </a:fillRef>
+          <a:effectRef idx="1">
+            <a:schemeClr val="accent6"/>
+          </a:effectRef>
+          <a:fontRef idx="minor">
+            <a:schemeClr val="lt1"/>
+          </a:fontRef>
+        </p:style>
+        <p:txBody>
+          <a:bodyPr rtlCol="0" anchor="ctr"/>
+          <a:p>
+            <a:pPr algn="ctr"/>
+            <a:r>
+              <a:rPr lang="en-US" altLang="zh-CN" b="1"/>
+              <a:t>T</a:t>
+            </a:r>
+            <a:r>
+              <a:rPr lang="zh-CN" altLang="en-US" b="1"/>
+              <a:t>ransmission</a:t>
+            </a:r>
+            <a:endParaRPr lang="zh-CN" altLang="en-US" b="1"/>
+          </a:p>
+        </p:txBody>
+      </p:sp>
+      <p:sp>
+        <p:nvSpPr>
+          <p:cNvPr id="32" name="右箭头 31"/>
+          <p:cNvSpPr/>
+          <p:nvPr/>
+        </p:nvSpPr>
+        <p:spPr>
+          <a:xfrm>
+            <a:off x="7082790" y="4430395"/>
+            <a:ext cx="2814955" cy="504825"/>
+          </a:xfrm>
+          <a:prstGeom prst="rightArrow">
+            <a:avLst/>
+          </a:prstGeom>
+        </p:spPr>
+        <p:style>
+          <a:lnRef idx="2">
+            <a:schemeClr val="accent1">
+              <a:shade val="50000"/>
+            </a:schemeClr>
+          </a:lnRef>
+          <a:fillRef idx="1">
+            <a:schemeClr val="accent1"/>
+          </a:fillRef>
+          <a:effectRef idx="0">
+            <a:schemeClr val="accent1"/>
+          </a:effectRef>
+          <a:fontRef idx="minor">
+            <a:schemeClr val="lt1"/>
+          </a:fontRef>
+        </p:style>
+        <p:txBody>
+          <a:bodyPr rtlCol="0" anchor="ctr"/>
+          <a:p>
+            <a:pPr algn="ctr"/>
+            <a:r>
+              <a:rPr lang="zh-CN" altLang="en-US">
+                <a:sym typeface="+mn-ea"/>
+              </a:rPr>
+              <a:t>Calculate transition frame</a:t>
+            </a:r>
+            <a:endParaRPr lang="zh-CN" altLang="en-US">
+              <a:sym typeface="+mn-ea"/>
+            </a:endParaRPr>
+          </a:p>
+        </p:txBody>
+      </p:sp>
+    </p:spTree>
+  </p:cSld>
+  <p:clrMapOvr>
+    <a:masterClrMapping/>
+  </p:clrMapOvr>
+</p:sld>
+</file>
+
+<file path=ppt/slides/slide3.xml><?xml version="1.0" encoding="utf-8"?>
+<p:sld xmlns:a="http://schemas.openxmlformats.org/drawingml/2006/main" xmlns:r="http://schemas.openxmlformats.org/officeDocument/2006/relationships" xmlns:p="http://schemas.openxmlformats.org/presentationml/2006/main">
+  <p:cSld>
+    <p:spTree>
+      <p:nvGrpSpPr>
+        <p:cNvPr id="1" name=""/>
+        <p:cNvGrpSpPr/>
+        <p:nvPr/>
+      </p:nvGrpSpPr>
+      <p:grpSpPr>
+        <a:xfrm>
+          <a:off x="0" y="0"/>
+          <a:ext cx="0" cy="0"/>
+          <a:chOff x="0" y="0"/>
+          <a:chExt cx="0" cy="0"/>
+        </a:xfrm>
+      </p:grpSpPr>
+      <p:sp>
+        <p:nvSpPr>
+          <p:cNvPr id="8" name="矩形 7"/>
+          <p:cNvSpPr/>
+          <p:nvPr/>
+        </p:nvSpPr>
+        <p:spPr>
+          <a:xfrm>
+            <a:off x="4332605" y="3081020"/>
+            <a:ext cx="2113915" cy="3539490"/>
+          </a:xfrm>
+          <a:prstGeom prst="rect">
+            <a:avLst/>
+          </a:prstGeom>
+          <a:solidFill>
+            <a:schemeClr val="accent1">
+              <a:lumMod val="20000"/>
+              <a:lumOff val="80000"/>
+            </a:schemeClr>
+          </a:solidFill>
+        </p:spPr>
+        <p:style>
+          <a:lnRef idx="1">
+            <a:schemeClr val="accent3"/>
+          </a:lnRef>
+          <a:fillRef idx="2">
+            <a:schemeClr val="accent3"/>
+          </a:fillRef>
+          <a:effectRef idx="1">
+            <a:schemeClr val="accent3"/>
+          </a:effectRef>
+          <a:fontRef idx="minor">
+            <a:schemeClr val="dk1"/>
+          </a:fontRef>
+        </p:style>
+        <p:txBody>
+          <a:bodyPr rtlCol="0" anchor="ctr"/>
+          <a:p>
+            <a:pPr algn="ctr"/>
+            <a:endParaRPr lang="zh-CN" altLang="en-US"/>
+          </a:p>
+        </p:txBody>
+      </p:sp>
+      <p:sp>
+        <p:nvSpPr>
+          <p:cNvPr id="9" name="矩形 8"/>
+          <p:cNvSpPr/>
+          <p:nvPr/>
+        </p:nvSpPr>
+        <p:spPr>
+          <a:xfrm>
+            <a:off x="6684645" y="3103880"/>
+            <a:ext cx="5217795" cy="3515995"/>
+          </a:xfrm>
+          <a:prstGeom prst="rect">
+            <a:avLst/>
+          </a:prstGeom>
+          <a:solidFill>
+            <a:schemeClr val="accent1">
+              <a:lumMod val="20000"/>
+              <a:lumOff val="80000"/>
+            </a:schemeClr>
+          </a:solidFill>
+        </p:spPr>
+        <p:style>
+          <a:lnRef idx="1">
+            <a:schemeClr val="accent3"/>
+          </a:lnRef>
+          <a:fillRef idx="2">
+            <a:schemeClr val="accent3"/>
+          </a:fillRef>
+          <a:effectRef idx="1">
+            <a:schemeClr val="accent3"/>
+          </a:effectRef>
+          <a:fontRef idx="minor">
+            <a:schemeClr val="dk1"/>
+          </a:fontRef>
+        </p:style>
+        <p:txBody>
+          <a:bodyPr rtlCol="0" anchor="ctr"/>
+          <a:p>
+            <a:pPr algn="ctr"/>
+            <a:endParaRPr lang="zh-CN" altLang="en-US"/>
+          </a:p>
+        </p:txBody>
+      </p:sp>
+      <p:sp>
+        <p:nvSpPr>
+          <p:cNvPr id="4" name="矩形 3"/>
+          <p:cNvSpPr/>
+          <p:nvPr/>
+        </p:nvSpPr>
+        <p:spPr>
+          <a:xfrm>
+            <a:off x="7463790" y="410210"/>
+            <a:ext cx="3997325" cy="2516505"/>
+          </a:xfrm>
+          <a:prstGeom prst="rect">
+            <a:avLst/>
+          </a:prstGeom>
+          <a:solidFill>
+            <a:schemeClr val="accent1">
+              <a:lumMod val="20000"/>
+              <a:lumOff val="80000"/>
+            </a:schemeClr>
+          </a:solidFill>
+        </p:spPr>
+        <p:style>
+          <a:lnRef idx="1">
+            <a:schemeClr val="accent3"/>
+          </a:lnRef>
+          <a:fillRef idx="2">
+            <a:schemeClr val="accent3"/>
+          </a:fillRef>
+          <a:effectRef idx="1">
+            <a:schemeClr val="accent3"/>
+          </a:effectRef>
+          <a:fontRef idx="minor">
+            <a:schemeClr val="dk1"/>
+          </a:fontRef>
+        </p:style>
+        <p:txBody>
+          <a:bodyPr rtlCol="0" anchor="ctr"/>
+          <a:lstStyle/>
+          <a:p>
+            <a:pPr algn="ctr"/>
+            <a:endParaRPr lang="zh-CN" altLang="en-US"/>
+          </a:p>
+        </p:txBody>
+      </p:sp>
+      <p:sp>
+        <p:nvSpPr>
+          <p:cNvPr id="3" name="矩形 2"/>
+          <p:cNvSpPr/>
+          <p:nvPr/>
+        </p:nvSpPr>
+        <p:spPr>
+          <a:xfrm>
+            <a:off x="5099685" y="410210"/>
+            <a:ext cx="1876425" cy="2515870"/>
+          </a:xfrm>
+          <a:prstGeom prst="rect">
+            <a:avLst/>
+          </a:prstGeom>
+          <a:solidFill>
+            <a:schemeClr val="accent1">
+              <a:lumMod val="20000"/>
+              <a:lumOff val="80000"/>
+            </a:schemeClr>
+          </a:solidFill>
+        </p:spPr>
+        <p:style>
+          <a:lnRef idx="1">
+            <a:schemeClr val="accent3"/>
+          </a:lnRef>
+          <a:fillRef idx="2">
+            <a:schemeClr val="accent3"/>
+          </a:fillRef>
+          <a:effectRef idx="1">
+            <a:schemeClr val="accent3"/>
+          </a:effectRef>
+          <a:fontRef idx="minor">
+            <a:schemeClr val="dk1"/>
+          </a:fontRef>
+        </p:style>
+        <p:txBody>
+          <a:bodyPr rtlCol="0" anchor="ctr"/>
+          <a:lstStyle/>
+          <a:p>
+            <a:pPr algn="ctr"/>
+            <a:endParaRPr lang="zh-CN" altLang="en-US"/>
+          </a:p>
+        </p:txBody>
+      </p:sp>
+      <p:sp>
+        <p:nvSpPr>
+          <p:cNvPr id="19" name="流程图: 磁盘 18"/>
+          <p:cNvSpPr/>
+          <p:nvPr/>
+        </p:nvSpPr>
+        <p:spPr>
+          <a:xfrm>
+            <a:off x="5188585" y="673735"/>
+            <a:ext cx="1664970" cy="2115185"/>
+          </a:xfrm>
+          <a:prstGeom prst="flowChartMagneticDisk">
+            <a:avLst/>
+          </a:prstGeom>
+          <a:solidFill>
+            <a:schemeClr val="bg2"/>
+          </a:solidFill>
+        </p:spPr>
+        <p:style>
+          <a:lnRef idx="2">
+            <a:schemeClr val="accent3">
+              <a:shade val="50000"/>
+            </a:schemeClr>
+          </a:lnRef>
+          <a:fillRef idx="1">
+            <a:schemeClr val="accent3"/>
+          </a:fillRef>
+          <a:effectRef idx="0">
+            <a:schemeClr val="accent3"/>
+          </a:effectRef>
+          <a:fontRef idx="minor">
+            <a:schemeClr val="lt1"/>
+          </a:fontRef>
+        </p:style>
+        <p:txBody>
+          <a:bodyPr rtlCol="0" anchor="ctr"/>
+          <a:p>
+            <a:pPr algn="ctr"/>
+            <a:endParaRPr lang="zh-CN" altLang="en-US"/>
+          </a:p>
+        </p:txBody>
+      </p:sp>
+      <p:sp>
+        <p:nvSpPr>
+          <p:cNvPr id="2" name="矩形 1"/>
+          <p:cNvSpPr/>
+          <p:nvPr/>
+        </p:nvSpPr>
+        <p:spPr>
+          <a:xfrm>
+            <a:off x="457835" y="410210"/>
+            <a:ext cx="4199890" cy="2515235"/>
+          </a:xfrm>
+          <a:prstGeom prst="rect">
+            <a:avLst/>
+          </a:prstGeom>
+          <a:solidFill>
+            <a:schemeClr val="accent1">
+              <a:lumMod val="20000"/>
+              <a:lumOff val="80000"/>
+            </a:schemeClr>
+          </a:solidFill>
+        </p:spPr>
+        <p:style>
+          <a:lnRef idx="1">
+            <a:schemeClr val="accent3"/>
+          </a:lnRef>
+          <a:fillRef idx="2">
+            <a:schemeClr val="accent3"/>
+          </a:fillRef>
+          <a:effectRef idx="1">
+            <a:schemeClr val="accent3"/>
+          </a:effectRef>
+          <a:fontRef idx="minor">
+            <a:schemeClr val="dk1"/>
+          </a:fontRef>
+        </p:style>
+        <p:txBody>
+          <a:bodyPr rtlCol="0" anchor="ctr"/>
+          <a:lstStyle/>
+          <a:p>
+            <a:pPr algn="ctr"/>
+            <a:endParaRPr lang="zh-CN" altLang="en-US"/>
+          </a:p>
+        </p:txBody>
+      </p:sp>
+      <p:sp>
+        <p:nvSpPr>
+          <p:cNvPr id="30" name="圆角矩形 29"/>
+          <p:cNvSpPr/>
+          <p:nvPr/>
+        </p:nvSpPr>
+        <p:spPr>
+          <a:xfrm>
+            <a:off x="5568315" y="1537335"/>
+            <a:ext cx="947420" cy="225425"/>
+          </a:xfrm>
+          <a:prstGeom prst="roundRect">
+            <a:avLst/>
+          </a:prstGeom>
+          <a:effectLst>
+            <a:outerShdw blurRad="50800" dist="38100" dir="18900000" algn="bl" rotWithShape="0">
+              <a:prstClr val="black">
+                <a:alpha val="40000"/>
+              </a:prstClr>
+            </a:outerShdw>
+            <a:reflection stA="45000" endPos="0" dir="5400000" sy="-100000" algn="bl" rotWithShape="0"/>
+          </a:effectLst>
+        </p:spPr>
+        <p:style>
+          <a:lnRef idx="2">
+            <a:schemeClr val="accent1">
+              <a:shade val="50000"/>
+            </a:schemeClr>
+          </a:lnRef>
+          <a:fillRef idx="1">
+            <a:schemeClr val="accent1"/>
+          </a:fillRef>
+          <a:effectRef idx="0">
+            <a:schemeClr val="accent1"/>
+          </a:effectRef>
+          <a:fontRef idx="minor">
+            <a:schemeClr val="lt1"/>
+          </a:fontRef>
+        </p:style>
+        <p:txBody>
+          <a:bodyPr rtlCol="0" anchor="ctr"/>
+          <a:lstStyle/>
+          <a:p>
+            <a:pPr algn="ctr"/>
+            <a:r>
+              <a:rPr lang="en-US" altLang="zh-CN">
+                <a:sym typeface="+mn-ea"/>
+              </a:rPr>
+              <a:t>BM</a:t>
+            </a:r>
+            <a:endParaRPr lang="en-US" altLang="zh-CN">
+              <a:sym typeface="+mn-ea"/>
+            </a:endParaRPr>
+          </a:p>
+        </p:txBody>
+      </p:sp>
+      <p:sp>
+        <p:nvSpPr>
+          <p:cNvPr id="70" name="矩形 69"/>
+          <p:cNvSpPr/>
+          <p:nvPr/>
+        </p:nvSpPr>
+        <p:spPr>
+          <a:xfrm>
+            <a:off x="309245" y="94615"/>
+            <a:ext cx="11783695" cy="6636385"/>
+          </a:xfrm>
+          <a:prstGeom prst="rect">
+            <a:avLst/>
+          </a:prstGeom>
+          <a:noFill/>
+          <a:ln w="28575">
+            <a:solidFill>
+              <a:schemeClr val="accent1">
+                <a:lumMod val="40000"/>
+                <a:lumOff val="60000"/>
+              </a:schemeClr>
+            </a:solidFill>
+            <a:prstDash val="sysDash"/>
+          </a:ln>
+        </p:spPr>
+        <p:style>
+          <a:lnRef idx="2">
+            <a:schemeClr val="accent1">
+              <a:shade val="50000"/>
+            </a:schemeClr>
+          </a:lnRef>
+          <a:fillRef idx="1">
+            <a:schemeClr val="accent1"/>
+          </a:fillRef>
+          <a:effectRef idx="0">
+            <a:schemeClr val="accent1"/>
+          </a:effectRef>
+          <a:fontRef idx="minor">
+            <a:schemeClr val="lt1"/>
+          </a:fontRef>
+        </p:style>
+        <p:txBody>
+          <a:bodyPr rtlCol="0" anchor="ctr"/>
+          <a:lstStyle/>
+          <a:p>
+            <a:pPr algn="ctr"/>
+            <a:endParaRPr lang="zh-CN" altLang="en-US"/>
+          </a:p>
+        </p:txBody>
+      </p:sp>
+      <p:sp>
+        <p:nvSpPr>
+          <p:cNvPr id="45" name="五边形 44"/>
+          <p:cNvSpPr/>
+          <p:nvPr/>
+        </p:nvSpPr>
+        <p:spPr>
+          <a:xfrm>
+            <a:off x="1627505" y="239395"/>
+            <a:ext cx="2040255" cy="336550"/>
+          </a:xfrm>
+          <a:prstGeom prst="homePlate">
+            <a:avLst/>
+          </a:prstGeom>
+          <a:effectLst>
+            <a:outerShdw blurRad="88900" dir="19140000" algn="bl" rotWithShape="0">
+              <a:prstClr val="black">
+                <a:alpha val="40000"/>
+              </a:prstClr>
+            </a:outerShdw>
+          </a:effectLst>
+        </p:spPr>
+        <p:style>
+          <a:lnRef idx="3">
+            <a:schemeClr val="lt1"/>
+          </a:lnRef>
+          <a:fillRef idx="1">
+            <a:schemeClr val="accent6"/>
+          </a:fillRef>
+          <a:effectRef idx="1">
+            <a:schemeClr val="accent6"/>
+          </a:effectRef>
+          <a:fontRef idx="minor">
+            <a:schemeClr val="lt1"/>
+          </a:fontRef>
+        </p:style>
+        <p:txBody>
+          <a:bodyPr rtlCol="0" anchor="ctr"/>
+          <a:lstStyle/>
+          <a:p>
+            <a:pPr algn="ctr"/>
+            <a:r>
+              <a:rPr lang="en-US" altLang="zh-CN" b="1"/>
+              <a:t>S</a:t>
+            </a:r>
+            <a:r>
+              <a:rPr lang="zh-CN" altLang="en-US" b="1"/>
+              <a:t>erver</a:t>
+            </a:r>
+            <a:endParaRPr lang="zh-CN" altLang="en-US" b="1"/>
+          </a:p>
+        </p:txBody>
+      </p:sp>
+      <p:sp>
+        <p:nvSpPr>
+          <p:cNvPr id="49" name="五边形 48"/>
+          <p:cNvSpPr/>
+          <p:nvPr/>
+        </p:nvSpPr>
+        <p:spPr>
+          <a:xfrm>
+            <a:off x="5170170" y="239395"/>
+            <a:ext cx="1805940" cy="336550"/>
+          </a:xfrm>
+          <a:prstGeom prst="homePlate">
+            <a:avLst/>
+          </a:prstGeom>
+          <a:effectLst>
+            <a:outerShdw blurRad="88900" dir="19140000" algn="bl" rotWithShape="0">
+              <a:prstClr val="black">
+                <a:alpha val="40000"/>
+              </a:prstClr>
+            </a:outerShdw>
+          </a:effectLst>
+        </p:spPr>
+        <p:style>
+          <a:lnRef idx="3">
+            <a:schemeClr val="lt1"/>
+          </a:lnRef>
+          <a:fillRef idx="1">
+            <a:schemeClr val="accent6"/>
+          </a:fillRef>
+          <a:effectRef idx="1">
+            <a:schemeClr val="accent6"/>
+          </a:effectRef>
+          <a:fontRef idx="minor">
+            <a:schemeClr val="lt1"/>
+          </a:fontRef>
+        </p:style>
+        <p:txBody>
+          <a:bodyPr rtlCol="0" anchor="ctr"/>
+          <a:lstStyle/>
+          <a:p>
+            <a:pPr algn="ctr"/>
+            <a:r>
+              <a:rPr lang="en-US" altLang="zh-CN" b="1"/>
+              <a:t>T</a:t>
+            </a:r>
+            <a:r>
+              <a:rPr lang="zh-CN" altLang="en-US" b="1"/>
+              <a:t>ransmission</a:t>
+            </a:r>
+            <a:endParaRPr lang="zh-CN" altLang="en-US" b="1"/>
+          </a:p>
+        </p:txBody>
+      </p:sp>
+      <p:sp>
+        <p:nvSpPr>
+          <p:cNvPr id="50" name="五边形 49"/>
+          <p:cNvSpPr/>
+          <p:nvPr/>
+        </p:nvSpPr>
+        <p:spPr>
+          <a:xfrm>
+            <a:off x="8762365" y="239395"/>
+            <a:ext cx="2060575" cy="336550"/>
+          </a:xfrm>
+          <a:prstGeom prst="homePlate">
+            <a:avLst/>
+          </a:prstGeom>
+          <a:effectLst>
+            <a:outerShdw blurRad="88900" dir="19140000" algn="bl" rotWithShape="0">
+              <a:prstClr val="black">
+                <a:alpha val="40000"/>
+              </a:prstClr>
+            </a:outerShdw>
+          </a:effectLst>
+        </p:spPr>
+        <p:style>
+          <a:lnRef idx="3">
+            <a:schemeClr val="lt1"/>
+          </a:lnRef>
+          <a:fillRef idx="1">
+            <a:schemeClr val="accent6"/>
+          </a:fillRef>
+          <a:effectRef idx="1">
+            <a:schemeClr val="accent6"/>
+          </a:effectRef>
+          <a:fontRef idx="minor">
+            <a:schemeClr val="lt1"/>
+          </a:fontRef>
+        </p:style>
+        <p:txBody>
+          <a:bodyPr rtlCol="0" anchor="ctr"/>
+          <a:lstStyle/>
+          <a:p>
+            <a:pPr algn="ctr"/>
+            <a:r>
+              <a:rPr lang="en-US" altLang="zh-CN" b="1"/>
+              <a:t>B</a:t>
+            </a:r>
+            <a:r>
+              <a:rPr lang="zh-CN" altLang="en-US" b="1"/>
+              <a:t>rowser</a:t>
+            </a:r>
+            <a:endParaRPr lang="zh-CN" altLang="en-US" b="1"/>
+          </a:p>
+        </p:txBody>
+      </p:sp>
+      <p:sp>
+        <p:nvSpPr>
+          <p:cNvPr id="28" name="燕尾形 27"/>
+          <p:cNvSpPr/>
+          <p:nvPr/>
+        </p:nvSpPr>
+        <p:spPr>
+          <a:xfrm>
+            <a:off x="8367395" y="677545"/>
+            <a:ext cx="2611120" cy="209550"/>
+          </a:xfrm>
+          <a:prstGeom prst="chevron">
+            <a:avLst/>
+          </a:prstGeom>
+        </p:spPr>
+        <p:style>
+          <a:lnRef idx="2">
+            <a:schemeClr val="accent1">
+              <a:shade val="50000"/>
+            </a:schemeClr>
+          </a:lnRef>
+          <a:fillRef idx="1">
+            <a:schemeClr val="accent1"/>
+          </a:fillRef>
+          <a:effectRef idx="0">
+            <a:schemeClr val="accent1"/>
+          </a:effectRef>
+          <a:fontRef idx="minor">
+            <a:schemeClr val="lt1"/>
+          </a:fontRef>
+        </p:style>
+        <p:txBody>
+          <a:bodyPr rtlCol="0" anchor="ctr"/>
+          <a:p>
+            <a:pPr algn="ctr"/>
+            <a:r>
+              <a:rPr lang="en-US" altLang="zh-CN">
+                <a:sym typeface="+mn-ea"/>
+              </a:rPr>
+              <a:t>M</a:t>
+            </a:r>
+            <a:r>
+              <a:rPr lang="zh-CN" altLang="en-US">
+                <a:sym typeface="+mn-ea"/>
+              </a:rPr>
+              <a:t>esh </a:t>
+            </a:r>
+            <a:r>
+              <a:rPr lang="en-US" altLang="zh-CN">
+                <a:sym typeface="+mn-ea"/>
+              </a:rPr>
+              <a:t>Spliting</a:t>
+            </a:r>
+            <a:endParaRPr lang="en-US" altLang="zh-CN">
+              <a:sym typeface="+mn-ea"/>
+            </a:endParaRPr>
+          </a:p>
+        </p:txBody>
+      </p:sp>
+      <p:sp>
+        <p:nvSpPr>
+          <p:cNvPr id="37" name="文本框 36"/>
+          <p:cNvSpPr txBox="1"/>
+          <p:nvPr/>
+        </p:nvSpPr>
+        <p:spPr>
+          <a:xfrm>
+            <a:off x="1469390" y="2005965"/>
+            <a:ext cx="817245" cy="275590"/>
+          </a:xfrm>
+          <a:prstGeom prst="rect">
+            <a:avLst/>
+          </a:prstGeom>
+          <a:noFill/>
+        </p:spPr>
+        <p:txBody>
+          <a:bodyPr wrap="square" rtlCol="0">
+            <a:spAutoFit/>
+          </a:bodyPr>
+          <a:p>
+            <a:r>
+              <a:rPr lang="en-US" altLang="zh-CN" sz="1200" b="1"/>
+              <a:t>PM2: 540</a:t>
+            </a:r>
+            <a:endParaRPr lang="en-US" altLang="zh-CN" sz="1200" b="1"/>
+          </a:p>
+        </p:txBody>
+      </p:sp>
+      <p:sp>
+        <p:nvSpPr>
+          <p:cNvPr id="38" name="文本框 37"/>
+          <p:cNvSpPr txBox="1"/>
+          <p:nvPr/>
+        </p:nvSpPr>
+        <p:spPr>
+          <a:xfrm>
+            <a:off x="554355" y="2025015"/>
+            <a:ext cx="783590" cy="275590"/>
+          </a:xfrm>
+          <a:prstGeom prst="rect">
+            <a:avLst/>
+          </a:prstGeom>
+          <a:noFill/>
+        </p:spPr>
+        <p:txBody>
+          <a:bodyPr wrap="square" rtlCol="0">
+            <a:spAutoFit/>
+          </a:bodyPr>
+          <a:p>
+            <a:r>
+              <a:rPr lang="en-US" altLang="zh-CN" sz="1200" b="1"/>
+              <a:t>PM3: 592</a:t>
+            </a:r>
+            <a:endParaRPr lang="en-US" altLang="zh-CN" sz="1200" b="1"/>
+          </a:p>
+        </p:txBody>
+      </p:sp>
+      <p:sp>
+        <p:nvSpPr>
+          <p:cNvPr id="7" name="燕尾形 6"/>
+          <p:cNvSpPr/>
+          <p:nvPr/>
+        </p:nvSpPr>
+        <p:spPr>
+          <a:xfrm>
+            <a:off x="933450" y="647700"/>
+            <a:ext cx="3306445" cy="239395"/>
+          </a:xfrm>
+          <a:prstGeom prst="chevron">
+            <a:avLst/>
+          </a:prstGeom>
+        </p:spPr>
+        <p:style>
+          <a:lnRef idx="2">
+            <a:schemeClr val="accent1">
+              <a:shade val="50000"/>
+            </a:schemeClr>
+          </a:lnRef>
+          <a:fillRef idx="1">
+            <a:schemeClr val="accent1"/>
+          </a:fillRef>
+          <a:effectRef idx="0">
+            <a:schemeClr val="accent1"/>
+          </a:effectRef>
+          <a:fontRef idx="minor">
+            <a:schemeClr val="lt1"/>
+          </a:fontRef>
+        </p:style>
+        <p:txBody>
+          <a:bodyPr rtlCol="0" anchor="ctr"/>
+          <a:p>
+            <a:pPr algn="ctr"/>
+            <a:r>
+              <a:rPr lang="en-US" altLang="zh-CN">
+                <a:sym typeface="+mn-ea"/>
+              </a:rPr>
+              <a:t>M</a:t>
+            </a:r>
+            <a:r>
+              <a:rPr lang="zh-CN" altLang="en-US">
+                <a:sym typeface="+mn-ea"/>
+              </a:rPr>
+              <a:t>esh </a:t>
+            </a:r>
+            <a:r>
+              <a:rPr lang="en-US" altLang="zh-CN">
+                <a:sym typeface="+mn-ea"/>
+              </a:rPr>
+              <a:t>Merging</a:t>
+            </a:r>
+            <a:endParaRPr lang="en-US" altLang="zh-CN">
+              <a:sym typeface="+mn-ea"/>
+            </a:endParaRPr>
+          </a:p>
+        </p:txBody>
+      </p:sp>
+      <p:sp>
+        <p:nvSpPr>
+          <p:cNvPr id="44" name="文本框 43"/>
+          <p:cNvSpPr txBox="1"/>
+          <p:nvPr/>
+        </p:nvSpPr>
+        <p:spPr>
+          <a:xfrm>
+            <a:off x="2496185" y="2018665"/>
+            <a:ext cx="802005" cy="275590"/>
+          </a:xfrm>
+          <a:prstGeom prst="rect">
+            <a:avLst/>
+          </a:prstGeom>
+          <a:noFill/>
+        </p:spPr>
+        <p:txBody>
+          <a:bodyPr wrap="square" rtlCol="0">
+            <a:spAutoFit/>
+          </a:bodyPr>
+          <a:p>
+            <a:r>
+              <a:rPr lang="en-US" altLang="zh-CN" sz="1200" b="1"/>
+              <a:t>PM1: 340</a:t>
+            </a:r>
+            <a:endParaRPr lang="en-US" altLang="zh-CN" sz="1200" b="1"/>
+          </a:p>
+        </p:txBody>
+      </p:sp>
+      <p:sp>
+        <p:nvSpPr>
+          <p:cNvPr id="46" name="文本框 45"/>
+          <p:cNvSpPr txBox="1"/>
+          <p:nvPr/>
+        </p:nvSpPr>
+        <p:spPr>
+          <a:xfrm>
+            <a:off x="3342005" y="1998345"/>
+            <a:ext cx="1461770" cy="275590"/>
+          </a:xfrm>
+          <a:prstGeom prst="rect">
+            <a:avLst/>
+          </a:prstGeom>
+          <a:noFill/>
+        </p:spPr>
+        <p:txBody>
+          <a:bodyPr wrap="square" rtlCol="0">
+            <a:spAutoFit/>
+          </a:bodyPr>
+          <a:p>
+            <a:r>
+              <a:rPr lang="en-US" altLang="zh-CN" sz="1200" b="1"/>
+              <a:t> Base Mesh: 140</a:t>
+            </a:r>
+            <a:endParaRPr lang="en-US" altLang="zh-CN" sz="1200" b="1"/>
+          </a:p>
+        </p:txBody>
+      </p:sp>
+      <p:sp>
+        <p:nvSpPr>
+          <p:cNvPr id="73" name="下弧形箭头 72"/>
+          <p:cNvSpPr/>
+          <p:nvPr/>
+        </p:nvSpPr>
+        <p:spPr>
+          <a:xfrm>
+            <a:off x="826770" y="2414905"/>
+            <a:ext cx="1052830" cy="250825"/>
+          </a:xfrm>
+          <a:prstGeom prst="curvedUpArrow">
+            <a:avLst/>
+          </a:prstGeom>
+        </p:spPr>
+        <p:style>
+          <a:lnRef idx="2">
+            <a:schemeClr val="accent1">
+              <a:shade val="50000"/>
+            </a:schemeClr>
+          </a:lnRef>
+          <a:fillRef idx="1">
+            <a:schemeClr val="accent1"/>
+          </a:fillRef>
+          <a:effectRef idx="0">
+            <a:schemeClr val="accent1"/>
+          </a:effectRef>
+          <a:fontRef idx="minor">
+            <a:schemeClr val="lt1"/>
+          </a:fontRef>
+        </p:style>
+        <p:txBody>
+          <a:bodyPr rtlCol="0" anchor="ctr"/>
+          <a:p>
+            <a:pPr algn="ctr"/>
+            <a:endParaRPr lang="zh-CN" altLang="en-US">
+              <a:solidFill>
+                <a:schemeClr val="tx1"/>
+              </a:solidFill>
+            </a:endParaRPr>
+          </a:p>
+        </p:txBody>
+      </p:sp>
+      <p:sp>
+        <p:nvSpPr>
+          <p:cNvPr id="74" name="下弧形箭头 73"/>
+          <p:cNvSpPr/>
+          <p:nvPr/>
+        </p:nvSpPr>
+        <p:spPr>
+          <a:xfrm>
+            <a:off x="1880235" y="2414905"/>
+            <a:ext cx="1106170" cy="250825"/>
+          </a:xfrm>
+          <a:prstGeom prst="curvedUpArrow">
+            <a:avLst/>
+          </a:prstGeom>
+        </p:spPr>
+        <p:style>
+          <a:lnRef idx="2">
+            <a:schemeClr val="accent1">
+              <a:shade val="50000"/>
+            </a:schemeClr>
+          </a:lnRef>
+          <a:fillRef idx="1">
+            <a:schemeClr val="accent1"/>
+          </a:fillRef>
+          <a:effectRef idx="0">
+            <a:schemeClr val="accent1"/>
+          </a:effectRef>
+          <a:fontRef idx="minor">
+            <a:schemeClr val="lt1"/>
+          </a:fontRef>
+        </p:style>
+        <p:txBody>
+          <a:bodyPr rtlCol="0" anchor="ctr"/>
+          <a:p>
+            <a:pPr algn="ctr"/>
+            <a:endParaRPr lang="zh-CN" altLang="en-US">
+              <a:solidFill>
+                <a:schemeClr val="tx1"/>
+              </a:solidFill>
+            </a:endParaRPr>
+          </a:p>
+        </p:txBody>
+      </p:sp>
+      <p:sp>
+        <p:nvSpPr>
+          <p:cNvPr id="75" name="下弧形箭头 74"/>
+          <p:cNvSpPr/>
+          <p:nvPr/>
+        </p:nvSpPr>
+        <p:spPr>
+          <a:xfrm>
+            <a:off x="2986405" y="2414905"/>
+            <a:ext cx="1120775" cy="250825"/>
+          </a:xfrm>
+          <a:prstGeom prst="curvedUpArrow">
+            <a:avLst/>
+          </a:prstGeom>
+          <a:gradFill>
+            <a:gsLst>
+              <a:gs pos="0">
+                <a:srgbClr val="7B32B2"/>
+              </a:gs>
+              <a:gs pos="100000">
+                <a:srgbClr val="401A5D"/>
+              </a:gs>
+            </a:gsLst>
+            <a:lin ang="5400000" scaled="0"/>
+          </a:gradFill>
+        </p:spPr>
+        <p:style>
+          <a:lnRef idx="2">
+            <a:schemeClr val="accent1">
+              <a:shade val="50000"/>
+            </a:schemeClr>
+          </a:lnRef>
+          <a:fillRef idx="1">
+            <a:schemeClr val="accent1"/>
+          </a:fillRef>
+          <a:effectRef idx="0">
+            <a:schemeClr val="accent1"/>
+          </a:effectRef>
+          <a:fontRef idx="minor">
+            <a:schemeClr val="lt1"/>
+          </a:fontRef>
+        </p:style>
+        <p:txBody>
+          <a:bodyPr rtlCol="0" anchor="ctr"/>
+          <a:p>
+            <a:pPr algn="ctr"/>
+            <a:endParaRPr lang="zh-CN" altLang="en-US">
+              <a:solidFill>
+                <a:schemeClr val="tx1"/>
+              </a:solidFill>
+            </a:endParaRPr>
+          </a:p>
+        </p:txBody>
+      </p:sp>
+      <p:sp>
+        <p:nvSpPr>
+          <p:cNvPr id="11" name="圆角矩形 10"/>
+          <p:cNvSpPr/>
+          <p:nvPr/>
+        </p:nvSpPr>
+        <p:spPr>
+          <a:xfrm>
+            <a:off x="5568950" y="1814830"/>
+            <a:ext cx="946785" cy="225425"/>
+          </a:xfrm>
+          <a:prstGeom prst="roundRect">
+            <a:avLst/>
+          </a:prstGeom>
+          <a:effectLst>
+            <a:outerShdw blurRad="50800" dist="38100" dir="18900000" algn="bl" rotWithShape="0">
+              <a:prstClr val="black">
+                <a:alpha val="40000"/>
+              </a:prstClr>
+            </a:outerShdw>
+            <a:reflection stA="45000" endPos="0" dir="5400000" sy="-100000" algn="bl" rotWithShape="0"/>
+          </a:effectLst>
+        </p:spPr>
+        <p:style>
+          <a:lnRef idx="2">
+            <a:schemeClr val="accent1">
+              <a:shade val="50000"/>
+            </a:schemeClr>
+          </a:lnRef>
+          <a:fillRef idx="1">
+            <a:schemeClr val="accent1"/>
+          </a:fillRef>
+          <a:effectRef idx="0">
+            <a:schemeClr val="accent1"/>
+          </a:effectRef>
+          <a:fontRef idx="minor">
+            <a:schemeClr val="lt1"/>
+          </a:fontRef>
+        </p:style>
+        <p:txBody>
+          <a:bodyPr rtlCol="0" anchor="ctr"/>
+          <a:p>
+            <a:pPr algn="ctr"/>
+            <a:r>
+              <a:rPr lang="en-US" altLang="zh-CN">
+                <a:sym typeface="+mn-ea"/>
+              </a:rPr>
+              <a:t>Record</a:t>
+            </a:r>
+            <a:r>
+              <a:rPr lang="en-US" altLang="zh-CN" baseline="-25000">
+                <a:sym typeface="+mn-ea"/>
+              </a:rPr>
+              <a:t>1</a:t>
+            </a:r>
+            <a:endParaRPr lang="en-US" altLang="zh-CN" baseline="-25000">
+              <a:sym typeface="+mn-ea"/>
+            </a:endParaRPr>
+          </a:p>
+        </p:txBody>
+      </p:sp>
+      <p:sp>
+        <p:nvSpPr>
+          <p:cNvPr id="14" name="圆角矩形 13"/>
+          <p:cNvSpPr/>
+          <p:nvPr/>
+        </p:nvSpPr>
+        <p:spPr>
+          <a:xfrm>
+            <a:off x="5568950" y="2096135"/>
+            <a:ext cx="946785" cy="225425"/>
+          </a:xfrm>
+          <a:prstGeom prst="roundRect">
+            <a:avLst/>
+          </a:prstGeom>
+          <a:effectLst>
+            <a:outerShdw blurRad="50800" dist="38100" dir="18900000" algn="bl" rotWithShape="0">
+              <a:prstClr val="black">
+                <a:alpha val="40000"/>
+              </a:prstClr>
+            </a:outerShdw>
+            <a:reflection stA="45000" endPos="0" dir="5400000" sy="-100000" algn="bl" rotWithShape="0"/>
+          </a:effectLst>
+        </p:spPr>
+        <p:style>
+          <a:lnRef idx="2">
+            <a:schemeClr val="accent1">
+              <a:shade val="50000"/>
+            </a:schemeClr>
+          </a:lnRef>
+          <a:fillRef idx="1">
+            <a:schemeClr val="accent1"/>
+          </a:fillRef>
+          <a:effectRef idx="0">
+            <a:schemeClr val="accent1"/>
+          </a:effectRef>
+          <a:fontRef idx="minor">
+            <a:schemeClr val="lt1"/>
+          </a:fontRef>
+        </p:style>
+        <p:txBody>
+          <a:bodyPr rtlCol="0" anchor="ctr"/>
+          <a:p>
+            <a:pPr algn="ctr"/>
+            <a:r>
+              <a:rPr lang="en-US" altLang="zh-CN">
+                <a:sym typeface="+mn-ea"/>
+              </a:rPr>
+              <a:t>Record</a:t>
+            </a:r>
+            <a:r>
+              <a:rPr lang="en-US" altLang="zh-CN" baseline="-25000">
+                <a:sym typeface="+mn-ea"/>
+              </a:rPr>
+              <a:t>2</a:t>
+            </a:r>
+            <a:endParaRPr lang="en-US" altLang="zh-CN" baseline="-25000">
+              <a:sym typeface="+mn-ea"/>
+            </a:endParaRPr>
+          </a:p>
+        </p:txBody>
+      </p:sp>
+      <p:sp>
+        <p:nvSpPr>
+          <p:cNvPr id="15" name="圆角矩形 14"/>
+          <p:cNvSpPr/>
+          <p:nvPr/>
+        </p:nvSpPr>
+        <p:spPr>
+          <a:xfrm>
+            <a:off x="5568950" y="2481580"/>
+            <a:ext cx="955040" cy="225425"/>
+          </a:xfrm>
+          <a:prstGeom prst="roundRect">
+            <a:avLst/>
+          </a:prstGeom>
+          <a:effectLst>
+            <a:outerShdw blurRad="50800" dist="38100" dir="18900000" algn="bl" rotWithShape="0">
+              <a:prstClr val="black">
+                <a:alpha val="40000"/>
+              </a:prstClr>
+            </a:outerShdw>
+            <a:reflection stA="45000" endPos="0" dir="5400000" sy="-100000" algn="bl" rotWithShape="0"/>
+          </a:effectLst>
+        </p:spPr>
+        <p:style>
+          <a:lnRef idx="2">
+            <a:schemeClr val="accent1">
+              <a:shade val="50000"/>
+            </a:schemeClr>
+          </a:lnRef>
+          <a:fillRef idx="1">
+            <a:schemeClr val="accent1"/>
+          </a:fillRef>
+          <a:effectRef idx="0">
+            <a:schemeClr val="accent1"/>
+          </a:effectRef>
+          <a:fontRef idx="minor">
+            <a:schemeClr val="lt1"/>
+          </a:fontRef>
+        </p:style>
+        <p:txBody>
+          <a:bodyPr rtlCol="0" anchor="ctr"/>
+          <a:p>
+            <a:pPr algn="ctr"/>
+            <a:r>
+              <a:rPr lang="en-US" altLang="zh-CN">
+                <a:sym typeface="+mn-ea"/>
+              </a:rPr>
+              <a:t>Record</a:t>
+            </a:r>
+            <a:r>
+              <a:rPr lang="en-US" altLang="zh-CN" baseline="-25000">
+                <a:sym typeface="+mn-ea"/>
+              </a:rPr>
+              <a:t>3</a:t>
+            </a:r>
+            <a:endParaRPr lang="en-US" altLang="zh-CN" baseline="-25000">
+              <a:sym typeface="+mn-ea"/>
+            </a:endParaRPr>
+          </a:p>
+        </p:txBody>
+      </p:sp>
+      <p:sp>
+        <p:nvSpPr>
+          <p:cNvPr id="22" name="文本框 21"/>
+          <p:cNvSpPr txBox="1"/>
+          <p:nvPr/>
+        </p:nvSpPr>
+        <p:spPr>
+          <a:xfrm>
+            <a:off x="5330190" y="785495"/>
+            <a:ext cx="1542415" cy="368300"/>
+          </a:xfrm>
+          <a:prstGeom prst="rect">
+            <a:avLst/>
+          </a:prstGeom>
+          <a:noFill/>
+        </p:spPr>
+        <p:txBody>
+          <a:bodyPr wrap="square" rtlCol="0">
+            <a:spAutoFit/>
+          </a:bodyPr>
+          <a:p>
+            <a:r>
+              <a:rPr lang="en-US" altLang="zh-CN" b="1">
+                <a:solidFill>
+                  <a:srgbClr val="7030A0"/>
+                </a:solidFill>
+                <a:uFillTx/>
+              </a:rPr>
+              <a:t>Mesh Stream</a:t>
+            </a:r>
+            <a:endParaRPr lang="en-US" altLang="zh-CN" b="1">
+              <a:solidFill>
+                <a:srgbClr val="7030A0"/>
+              </a:solidFill>
+              <a:uFillTx/>
+            </a:endParaRPr>
+          </a:p>
+        </p:txBody>
+      </p:sp>
+      <p:sp>
+        <p:nvSpPr>
+          <p:cNvPr id="17" name="右弧形箭头 16"/>
+          <p:cNvSpPr/>
+          <p:nvPr/>
+        </p:nvSpPr>
+        <p:spPr>
+          <a:xfrm>
+            <a:off x="6575425" y="1671320"/>
+            <a:ext cx="109220" cy="236220"/>
+          </a:xfrm>
+          <a:prstGeom prst="curvedLeftArrow">
+            <a:avLst/>
+          </a:prstGeom>
+          <a:gradFill>
+            <a:gsLst>
+              <a:gs pos="0">
+                <a:srgbClr val="7B32B2"/>
+              </a:gs>
+              <a:gs pos="100000">
+                <a:srgbClr val="401A5D"/>
+              </a:gs>
+            </a:gsLst>
+            <a:lin ang="5400000" scaled="0"/>
+          </a:gradFill>
+        </p:spPr>
+        <p:style>
+          <a:lnRef idx="2">
+            <a:schemeClr val="accent1">
+              <a:shade val="50000"/>
+            </a:schemeClr>
+          </a:lnRef>
+          <a:fillRef idx="1">
+            <a:schemeClr val="accent1"/>
+          </a:fillRef>
+          <a:effectRef idx="0">
+            <a:schemeClr val="accent1"/>
+          </a:effectRef>
+          <a:fontRef idx="minor">
+            <a:schemeClr val="lt1"/>
+          </a:fontRef>
+        </p:style>
+        <p:txBody>
+          <a:bodyPr rtlCol="0" anchor="ctr"/>
+          <a:p>
+            <a:pPr algn="ctr"/>
+            <a:endParaRPr lang="zh-CN" altLang="en-US">
+              <a:solidFill>
+                <a:schemeClr val="tx1"/>
+              </a:solidFill>
+            </a:endParaRPr>
+          </a:p>
+        </p:txBody>
+      </p:sp>
+      <p:sp>
+        <p:nvSpPr>
+          <p:cNvPr id="18" name="右弧形箭头 17"/>
+          <p:cNvSpPr/>
+          <p:nvPr/>
+        </p:nvSpPr>
+        <p:spPr>
+          <a:xfrm flipH="1">
+            <a:off x="5427980" y="1964690"/>
+            <a:ext cx="92075" cy="236220"/>
+          </a:xfrm>
+          <a:prstGeom prst="curvedLeftArrow">
+            <a:avLst/>
+          </a:prstGeom>
+        </p:spPr>
+        <p:style>
+          <a:lnRef idx="2">
+            <a:schemeClr val="accent1">
+              <a:shade val="50000"/>
+            </a:schemeClr>
+          </a:lnRef>
+          <a:fillRef idx="1">
+            <a:schemeClr val="accent1"/>
+          </a:fillRef>
+          <a:effectRef idx="0">
+            <a:schemeClr val="accent1"/>
+          </a:effectRef>
+          <a:fontRef idx="minor">
+            <a:schemeClr val="lt1"/>
+          </a:fontRef>
+        </p:style>
+        <p:txBody>
+          <a:bodyPr rtlCol="0" anchor="ctr"/>
+          <a:p>
+            <a:pPr algn="ctr"/>
+            <a:endParaRPr lang="zh-CN" altLang="en-US">
+              <a:solidFill>
+                <a:schemeClr val="tx1"/>
+              </a:solidFill>
+            </a:endParaRPr>
+          </a:p>
+        </p:txBody>
+      </p:sp>
+      <p:sp>
+        <p:nvSpPr>
+          <p:cNvPr id="26" name="右弧形箭头 25"/>
+          <p:cNvSpPr/>
+          <p:nvPr/>
+        </p:nvSpPr>
+        <p:spPr>
+          <a:xfrm>
+            <a:off x="6576695" y="2190750"/>
+            <a:ext cx="109220" cy="236220"/>
+          </a:xfrm>
+          <a:prstGeom prst="curvedLeftArrow">
+            <a:avLst/>
+          </a:prstGeom>
+        </p:spPr>
+        <p:style>
+          <a:lnRef idx="2">
+            <a:schemeClr val="accent1">
+              <a:shade val="50000"/>
+            </a:schemeClr>
+          </a:lnRef>
+          <a:fillRef idx="1">
+            <a:schemeClr val="accent1"/>
+          </a:fillRef>
+          <a:effectRef idx="0">
+            <a:schemeClr val="accent1"/>
+          </a:effectRef>
+          <a:fontRef idx="minor">
+            <a:schemeClr val="lt1"/>
+          </a:fontRef>
+        </p:style>
+        <p:txBody>
+          <a:bodyPr rtlCol="0" anchor="ctr"/>
+          <a:p>
+            <a:pPr algn="ctr"/>
+            <a:endParaRPr lang="zh-CN" altLang="en-US">
+              <a:solidFill>
+                <a:schemeClr val="tx1"/>
+              </a:solidFill>
+            </a:endParaRPr>
+          </a:p>
+        </p:txBody>
+      </p:sp>
+      <p:sp>
+        <p:nvSpPr>
+          <p:cNvPr id="29" name="右箭头 28"/>
+          <p:cNvSpPr/>
+          <p:nvPr/>
+        </p:nvSpPr>
+        <p:spPr>
+          <a:xfrm>
+            <a:off x="4615815" y="1537970"/>
+            <a:ext cx="421005" cy="202565"/>
+          </a:xfrm>
+          <a:prstGeom prst="rightArrow">
+            <a:avLst/>
+          </a:prstGeom>
+          <a:gradFill>
+            <a:gsLst>
+              <a:gs pos="0">
+                <a:srgbClr val="14CD68"/>
+              </a:gs>
+              <a:gs pos="100000">
+                <a:srgbClr val="0B6E38"/>
+              </a:gs>
+            </a:gsLst>
+            <a:lin ang="5400000" scaled="0"/>
+          </a:gradFill>
+        </p:spPr>
+        <p:style>
+          <a:lnRef idx="2">
+            <a:schemeClr val="accent1">
+              <a:shade val="50000"/>
+            </a:schemeClr>
+          </a:lnRef>
+          <a:fillRef idx="1">
+            <a:schemeClr val="accent1"/>
+          </a:fillRef>
+          <a:effectRef idx="0">
+            <a:schemeClr val="accent1"/>
+          </a:effectRef>
+          <a:fontRef idx="minor">
+            <a:schemeClr val="lt1"/>
+          </a:fontRef>
+        </p:style>
+        <p:txBody>
+          <a:bodyPr rtlCol="0" anchor="ctr"/>
+          <a:p>
+            <a:pPr algn="ctr"/>
+            <a:endParaRPr lang="zh-CN" altLang="en-US"/>
+          </a:p>
+        </p:txBody>
+      </p:sp>
+      <p:pic>
+        <p:nvPicPr>
+          <p:cNvPr id="65" name="图片 64"/>
+          <p:cNvPicPr>
+            <a:picLocks noChangeAspect="1"/>
+          </p:cNvPicPr>
+          <p:nvPr/>
+        </p:nvPicPr>
+        <p:blipFill>
+          <a:blip r:embed="rId1"/>
+          <a:stretch>
+            <a:fillRect/>
+          </a:stretch>
+        </p:blipFill>
+        <p:spPr>
+          <a:xfrm>
+            <a:off x="3582035" y="1023620"/>
+            <a:ext cx="751205" cy="985520"/>
+          </a:xfrm>
+          <a:prstGeom prst="rect">
+            <a:avLst/>
+          </a:prstGeom>
+        </p:spPr>
+      </p:pic>
+      <p:pic>
+        <p:nvPicPr>
+          <p:cNvPr id="66" name="图片 65"/>
+          <p:cNvPicPr>
+            <a:picLocks noChangeAspect="1"/>
+          </p:cNvPicPr>
+          <p:nvPr/>
+        </p:nvPicPr>
+        <p:blipFill>
+          <a:blip r:embed="rId1"/>
+          <a:stretch>
+            <a:fillRect/>
+          </a:stretch>
+        </p:blipFill>
+        <p:spPr>
+          <a:xfrm>
+            <a:off x="7722870" y="988060"/>
+            <a:ext cx="782320" cy="1026795"/>
+          </a:xfrm>
+          <a:prstGeom prst="rect">
+            <a:avLst/>
+          </a:prstGeom>
+        </p:spPr>
+      </p:pic>
+      <p:pic>
+        <p:nvPicPr>
+          <p:cNvPr id="67" name="图片 66"/>
+          <p:cNvPicPr>
+            <a:picLocks noChangeAspect="1"/>
+          </p:cNvPicPr>
+          <p:nvPr/>
+        </p:nvPicPr>
+        <p:blipFill>
+          <a:blip r:embed="rId2"/>
+          <a:stretch>
+            <a:fillRect/>
+          </a:stretch>
+        </p:blipFill>
+        <p:spPr>
+          <a:xfrm>
+            <a:off x="2538730" y="1023620"/>
+            <a:ext cx="753745" cy="993775"/>
+          </a:xfrm>
+          <a:prstGeom prst="rect">
+            <a:avLst/>
+          </a:prstGeom>
+        </p:spPr>
+      </p:pic>
+      <p:pic>
+        <p:nvPicPr>
+          <p:cNvPr id="76" name="图片 75"/>
+          <p:cNvPicPr>
+            <a:picLocks noChangeAspect="1"/>
+          </p:cNvPicPr>
+          <p:nvPr/>
+        </p:nvPicPr>
+        <p:blipFill>
+          <a:blip r:embed="rId2"/>
+          <a:stretch>
+            <a:fillRect/>
+          </a:stretch>
+        </p:blipFill>
+        <p:spPr>
+          <a:xfrm>
+            <a:off x="8680450" y="1005840"/>
+            <a:ext cx="753745" cy="993775"/>
+          </a:xfrm>
+          <a:prstGeom prst="rect">
+            <a:avLst/>
+          </a:prstGeom>
+        </p:spPr>
+      </p:pic>
+      <p:pic>
+        <p:nvPicPr>
+          <p:cNvPr id="80" name="图片 79"/>
+          <p:cNvPicPr>
+            <a:picLocks noChangeAspect="1"/>
+          </p:cNvPicPr>
+          <p:nvPr/>
+        </p:nvPicPr>
+        <p:blipFill>
+          <a:blip r:embed="rId3"/>
+          <a:stretch>
+            <a:fillRect/>
+          </a:stretch>
+        </p:blipFill>
+        <p:spPr>
+          <a:xfrm>
+            <a:off x="1502410" y="1041400"/>
+            <a:ext cx="743585" cy="989965"/>
+          </a:xfrm>
+          <a:prstGeom prst="rect">
+            <a:avLst/>
+          </a:prstGeom>
+        </p:spPr>
+      </p:pic>
+      <p:pic>
+        <p:nvPicPr>
+          <p:cNvPr id="81" name="图片 80"/>
+          <p:cNvPicPr>
+            <a:picLocks noChangeAspect="1"/>
+          </p:cNvPicPr>
+          <p:nvPr/>
+        </p:nvPicPr>
+        <p:blipFill>
+          <a:blip r:embed="rId3"/>
+          <a:stretch>
+            <a:fillRect/>
+          </a:stretch>
+        </p:blipFill>
+        <p:spPr>
+          <a:xfrm>
+            <a:off x="9554845" y="988060"/>
+            <a:ext cx="759460" cy="1010920"/>
+          </a:xfrm>
+          <a:prstGeom prst="rect">
+            <a:avLst/>
+          </a:prstGeom>
+        </p:spPr>
+      </p:pic>
+      <p:pic>
+        <p:nvPicPr>
+          <p:cNvPr id="82" name="图片 81"/>
+          <p:cNvPicPr>
+            <a:picLocks noChangeAspect="1"/>
+          </p:cNvPicPr>
+          <p:nvPr/>
+        </p:nvPicPr>
+        <p:blipFill>
+          <a:blip r:embed="rId4"/>
+          <a:stretch>
+            <a:fillRect/>
+          </a:stretch>
+        </p:blipFill>
+        <p:spPr>
+          <a:xfrm>
+            <a:off x="530225" y="1023620"/>
+            <a:ext cx="777875" cy="1026795"/>
+          </a:xfrm>
+          <a:prstGeom prst="rect">
+            <a:avLst/>
+          </a:prstGeom>
+        </p:spPr>
+      </p:pic>
+      <p:pic>
+        <p:nvPicPr>
+          <p:cNvPr id="83" name="图片 82"/>
+          <p:cNvPicPr>
+            <a:picLocks noChangeAspect="1"/>
+          </p:cNvPicPr>
+          <p:nvPr/>
+        </p:nvPicPr>
+        <p:blipFill>
+          <a:blip r:embed="rId4"/>
+          <a:stretch>
+            <a:fillRect/>
+          </a:stretch>
+        </p:blipFill>
+        <p:spPr>
+          <a:xfrm>
+            <a:off x="10509250" y="1035685"/>
+            <a:ext cx="676910" cy="894080"/>
+          </a:xfrm>
+          <a:prstGeom prst="rect">
+            <a:avLst/>
+          </a:prstGeom>
+        </p:spPr>
+      </p:pic>
+      <p:sp>
+        <p:nvSpPr>
+          <p:cNvPr id="89" name="矩形 88"/>
+          <p:cNvSpPr/>
+          <p:nvPr/>
+        </p:nvSpPr>
+        <p:spPr>
+          <a:xfrm>
+            <a:off x="3225800" y="2388235"/>
+            <a:ext cx="621665" cy="176530"/>
+          </a:xfrm>
+          <a:prstGeom prst="rect">
+            <a:avLst/>
+          </a:prstGeom>
+        </p:spPr>
+        <p:style>
+          <a:lnRef idx="2">
+            <a:schemeClr val="accent1">
+              <a:shade val="50000"/>
+            </a:schemeClr>
+          </a:lnRef>
+          <a:fillRef idx="1">
+            <a:schemeClr val="accent1"/>
+          </a:fillRef>
+          <a:effectRef idx="0">
+            <a:schemeClr val="accent1"/>
+          </a:effectRef>
+          <a:fontRef idx="minor">
+            <a:schemeClr val="lt1"/>
+          </a:fontRef>
+        </p:style>
+        <p:txBody>
+          <a:bodyPr rtlCol="0" anchor="ctr"/>
+          <a:p>
+            <a:pPr algn="ctr"/>
+            <a:r>
+              <a:rPr lang="en-US" altLang="zh-CN" sz="1000" b="1"/>
+              <a:t>Record</a:t>
+            </a:r>
+            <a:r>
+              <a:rPr lang="en-US" altLang="zh-CN" sz="1000" b="1" baseline="-25000"/>
+              <a:t>1</a:t>
+            </a:r>
+            <a:endParaRPr lang="en-US" altLang="zh-CN" sz="1000" b="1" baseline="-25000"/>
+          </a:p>
+        </p:txBody>
+      </p:sp>
+      <p:sp>
+        <p:nvSpPr>
+          <p:cNvPr id="90" name="椭圆 89"/>
+          <p:cNvSpPr/>
+          <p:nvPr/>
+        </p:nvSpPr>
+        <p:spPr>
+          <a:xfrm>
+            <a:off x="3338830" y="2593975"/>
+            <a:ext cx="340360" cy="224155"/>
+          </a:xfrm>
+          <a:prstGeom prst="ellipse">
+            <a:avLst/>
+          </a:prstGeom>
+        </p:spPr>
+        <p:style>
+          <a:lnRef idx="2">
+            <a:schemeClr val="accent2">
+              <a:shade val="50000"/>
+            </a:schemeClr>
+          </a:lnRef>
+          <a:fillRef idx="1">
+            <a:schemeClr val="accent2"/>
+          </a:fillRef>
+          <a:effectRef idx="0">
+            <a:schemeClr val="accent2"/>
+          </a:effectRef>
+          <a:fontRef idx="minor">
+            <a:schemeClr val="lt1"/>
+          </a:fontRef>
+        </p:style>
+        <p:txBody>
+          <a:bodyPr rtlCol="0" anchor="ctr"/>
+          <a:p>
+            <a:pPr algn="ctr">
+              <a:lnSpc>
+                <a:spcPct val="90000"/>
+              </a:lnSpc>
+            </a:pPr>
+            <a:r>
+              <a:rPr lang="en-US" altLang="zh-CN" sz="4000" b="1"/>
+              <a:t>-</a:t>
+            </a:r>
+            <a:endParaRPr lang="en-US" altLang="zh-CN" sz="4000" b="1"/>
+          </a:p>
+        </p:txBody>
+      </p:sp>
+      <p:sp>
+        <p:nvSpPr>
+          <p:cNvPr id="101" name="文本框 100"/>
+          <p:cNvSpPr txBox="1"/>
+          <p:nvPr/>
+        </p:nvSpPr>
+        <p:spPr>
+          <a:xfrm>
+            <a:off x="7722870" y="2010410"/>
+            <a:ext cx="803275" cy="275590"/>
+          </a:xfrm>
+          <a:prstGeom prst="rect">
+            <a:avLst/>
+          </a:prstGeom>
+          <a:noFill/>
+        </p:spPr>
+        <p:txBody>
+          <a:bodyPr wrap="square" rtlCol="0">
+            <a:spAutoFit/>
+          </a:bodyPr>
+          <a:p>
+            <a:r>
+              <a:rPr lang="en-US" altLang="zh-CN" sz="1200" b="1"/>
+              <a:t>PM0:140</a:t>
+            </a:r>
+            <a:endParaRPr lang="en-US" altLang="zh-CN" sz="1200" b="1"/>
+          </a:p>
+        </p:txBody>
+      </p:sp>
+      <p:sp>
+        <p:nvSpPr>
+          <p:cNvPr id="102" name="文本框 101"/>
+          <p:cNvSpPr txBox="1"/>
+          <p:nvPr/>
+        </p:nvSpPr>
+        <p:spPr>
+          <a:xfrm>
+            <a:off x="8752840" y="2004060"/>
+            <a:ext cx="802005" cy="275590"/>
+          </a:xfrm>
+          <a:prstGeom prst="rect">
+            <a:avLst/>
+          </a:prstGeom>
+          <a:noFill/>
+        </p:spPr>
+        <p:txBody>
+          <a:bodyPr wrap="square" rtlCol="0">
+            <a:spAutoFit/>
+          </a:bodyPr>
+          <a:p>
+            <a:r>
+              <a:rPr lang="en-US" altLang="zh-CN" sz="1200" b="1"/>
+              <a:t>PM1:340</a:t>
+            </a:r>
+            <a:endParaRPr lang="en-US" altLang="zh-CN" sz="1200" b="1"/>
+          </a:p>
+        </p:txBody>
+      </p:sp>
+      <p:sp>
+        <p:nvSpPr>
+          <p:cNvPr id="103" name="文本框 102"/>
+          <p:cNvSpPr txBox="1"/>
+          <p:nvPr/>
+        </p:nvSpPr>
+        <p:spPr>
+          <a:xfrm>
+            <a:off x="9692005" y="2027555"/>
+            <a:ext cx="817245" cy="275590"/>
+          </a:xfrm>
+          <a:prstGeom prst="rect">
+            <a:avLst/>
+          </a:prstGeom>
+          <a:noFill/>
+        </p:spPr>
+        <p:txBody>
+          <a:bodyPr wrap="square" rtlCol="0">
+            <a:spAutoFit/>
+          </a:bodyPr>
+          <a:p>
+            <a:r>
+              <a:rPr lang="en-US" altLang="zh-CN" sz="1200" b="1"/>
+              <a:t>PM2:540</a:t>
+            </a:r>
+            <a:endParaRPr lang="en-US" altLang="zh-CN" sz="1200" b="1"/>
+          </a:p>
+        </p:txBody>
+      </p:sp>
+      <p:sp>
+        <p:nvSpPr>
+          <p:cNvPr id="104" name="文本框 103"/>
+          <p:cNvSpPr txBox="1"/>
+          <p:nvPr/>
+        </p:nvSpPr>
+        <p:spPr>
+          <a:xfrm>
+            <a:off x="10509250" y="2004060"/>
+            <a:ext cx="783590" cy="245110"/>
+          </a:xfrm>
+          <a:prstGeom prst="rect">
+            <a:avLst/>
+          </a:prstGeom>
+          <a:noFill/>
+        </p:spPr>
+        <p:txBody>
+          <a:bodyPr wrap="square" rtlCol="0">
+            <a:spAutoFit/>
+          </a:bodyPr>
+          <a:p>
+            <a:pPr algn="l">
+              <a:buClrTx/>
+              <a:buSzTx/>
+              <a:buFontTx/>
+            </a:pPr>
+            <a:r>
+              <a:rPr lang="en-US" altLang="zh-CN" sz="1200" b="1"/>
+              <a:t>PM3:592</a:t>
+            </a:r>
+            <a:endParaRPr lang="en-US" altLang="zh-CN" sz="1200" b="1"/>
+          </a:p>
+        </p:txBody>
+      </p:sp>
+      <p:sp>
+        <p:nvSpPr>
+          <p:cNvPr id="12" name="椭圆 11"/>
+          <p:cNvSpPr/>
+          <p:nvPr/>
+        </p:nvSpPr>
+        <p:spPr>
+          <a:xfrm>
+            <a:off x="2291080" y="2564765"/>
+            <a:ext cx="317500" cy="233680"/>
+          </a:xfrm>
+          <a:prstGeom prst="ellipse">
+            <a:avLst/>
+          </a:prstGeom>
+        </p:spPr>
+        <p:style>
+          <a:lnRef idx="2">
+            <a:schemeClr val="accent2">
+              <a:shade val="50000"/>
+            </a:schemeClr>
+          </a:lnRef>
+          <a:fillRef idx="1">
+            <a:schemeClr val="accent2"/>
+          </a:fillRef>
+          <a:effectRef idx="0">
+            <a:schemeClr val="accent2"/>
+          </a:effectRef>
+          <a:fontRef idx="minor">
+            <a:schemeClr val="lt1"/>
+          </a:fontRef>
+        </p:style>
+        <p:txBody>
+          <a:bodyPr rtlCol="0" anchor="ctr"/>
+          <a:p>
+            <a:pPr algn="ctr">
+              <a:lnSpc>
+                <a:spcPct val="90000"/>
+              </a:lnSpc>
+            </a:pPr>
+            <a:r>
+              <a:rPr lang="en-US" altLang="zh-CN" sz="4000" b="1"/>
+              <a:t>-</a:t>
+            </a:r>
+            <a:endParaRPr lang="en-US" altLang="zh-CN" sz="4000" b="1"/>
+          </a:p>
+        </p:txBody>
+      </p:sp>
+      <p:sp>
+        <p:nvSpPr>
+          <p:cNvPr id="16" name="椭圆 15"/>
+          <p:cNvSpPr/>
+          <p:nvPr/>
+        </p:nvSpPr>
+        <p:spPr>
+          <a:xfrm>
+            <a:off x="1181100" y="2564765"/>
+            <a:ext cx="321310" cy="212090"/>
+          </a:xfrm>
+          <a:prstGeom prst="ellipse">
+            <a:avLst/>
+          </a:prstGeom>
+        </p:spPr>
+        <p:style>
+          <a:lnRef idx="2">
+            <a:schemeClr val="accent2">
+              <a:shade val="50000"/>
+            </a:schemeClr>
+          </a:lnRef>
+          <a:fillRef idx="1">
+            <a:schemeClr val="accent2"/>
+          </a:fillRef>
+          <a:effectRef idx="0">
+            <a:schemeClr val="accent2"/>
+          </a:effectRef>
+          <a:fontRef idx="minor">
+            <a:schemeClr val="lt1"/>
+          </a:fontRef>
+        </p:style>
+        <p:txBody>
+          <a:bodyPr rtlCol="0" anchor="ctr"/>
+          <a:p>
+            <a:pPr algn="ctr">
+              <a:lnSpc>
+                <a:spcPct val="90000"/>
+              </a:lnSpc>
+            </a:pPr>
+            <a:r>
+              <a:rPr lang="en-US" altLang="zh-CN" sz="4000" b="1"/>
+              <a:t>-</a:t>
+            </a:r>
+            <a:endParaRPr lang="en-US" altLang="zh-CN" sz="4000" b="1"/>
+          </a:p>
+        </p:txBody>
+      </p:sp>
+      <p:sp>
+        <p:nvSpPr>
+          <p:cNvPr id="20" name="矩形 19"/>
+          <p:cNvSpPr/>
+          <p:nvPr/>
+        </p:nvSpPr>
+        <p:spPr>
+          <a:xfrm>
+            <a:off x="2146300" y="2369185"/>
+            <a:ext cx="621665" cy="176530"/>
+          </a:xfrm>
+          <a:prstGeom prst="rect">
+            <a:avLst/>
+          </a:prstGeom>
+        </p:spPr>
+        <p:style>
+          <a:lnRef idx="2">
+            <a:schemeClr val="accent1">
+              <a:shade val="50000"/>
+            </a:schemeClr>
+          </a:lnRef>
+          <a:fillRef idx="1">
+            <a:schemeClr val="accent1"/>
+          </a:fillRef>
+          <a:effectRef idx="0">
+            <a:schemeClr val="accent1"/>
+          </a:effectRef>
+          <a:fontRef idx="minor">
+            <a:schemeClr val="lt1"/>
+          </a:fontRef>
+        </p:style>
+        <p:txBody>
+          <a:bodyPr rtlCol="0" anchor="ctr"/>
+          <a:p>
+            <a:pPr algn="ctr"/>
+            <a:r>
+              <a:rPr lang="en-US" altLang="zh-CN" sz="1000" b="1"/>
+              <a:t>Record</a:t>
+            </a:r>
+            <a:r>
+              <a:rPr lang="en-US" altLang="zh-CN" sz="1000" b="1" baseline="-25000"/>
+              <a:t>2</a:t>
+            </a:r>
+            <a:endParaRPr lang="en-US" altLang="zh-CN" sz="1000" b="1" baseline="-25000"/>
+          </a:p>
+        </p:txBody>
+      </p:sp>
+      <p:sp>
+        <p:nvSpPr>
+          <p:cNvPr id="23" name="矩形 22"/>
+          <p:cNvSpPr/>
+          <p:nvPr/>
+        </p:nvSpPr>
+        <p:spPr>
+          <a:xfrm>
+            <a:off x="1005840" y="2371725"/>
+            <a:ext cx="621665" cy="176530"/>
+          </a:xfrm>
+          <a:prstGeom prst="rect">
+            <a:avLst/>
+          </a:prstGeom>
+        </p:spPr>
+        <p:style>
+          <a:lnRef idx="2">
+            <a:schemeClr val="accent1">
+              <a:shade val="50000"/>
+            </a:schemeClr>
+          </a:lnRef>
+          <a:fillRef idx="1">
+            <a:schemeClr val="accent1"/>
+          </a:fillRef>
+          <a:effectRef idx="0">
+            <a:schemeClr val="accent1"/>
+          </a:effectRef>
+          <a:fontRef idx="minor">
+            <a:schemeClr val="lt1"/>
+          </a:fontRef>
+        </p:style>
+        <p:txBody>
+          <a:bodyPr rtlCol="0" anchor="ctr"/>
+          <a:p>
+            <a:pPr algn="ctr"/>
+            <a:r>
+              <a:rPr lang="en-US" altLang="zh-CN" sz="1000" b="1"/>
+              <a:t>Record</a:t>
+            </a:r>
+            <a:r>
+              <a:rPr lang="en-US" altLang="zh-CN" sz="1000" b="1" baseline="-25000"/>
+              <a:t>3</a:t>
+            </a:r>
+            <a:endParaRPr lang="en-US" altLang="zh-CN" sz="1000" b="1" baseline="-25000"/>
+          </a:p>
+        </p:txBody>
+      </p:sp>
+      <p:sp>
+        <p:nvSpPr>
+          <p:cNvPr id="24" name="右箭头 23"/>
+          <p:cNvSpPr/>
+          <p:nvPr/>
+        </p:nvSpPr>
+        <p:spPr>
+          <a:xfrm>
+            <a:off x="7004685" y="1537335"/>
+            <a:ext cx="535305" cy="202565"/>
+          </a:xfrm>
+          <a:prstGeom prst="rightArrow">
+            <a:avLst/>
+          </a:prstGeom>
+          <a:gradFill>
+            <a:gsLst>
+              <a:gs pos="0">
+                <a:srgbClr val="14CD68"/>
+              </a:gs>
+              <a:gs pos="100000">
+                <a:srgbClr val="0B6E38"/>
+              </a:gs>
+            </a:gsLst>
+            <a:lin ang="5400000" scaled="0"/>
+          </a:gradFill>
+        </p:spPr>
+        <p:style>
+          <a:lnRef idx="2">
+            <a:schemeClr val="accent1">
+              <a:shade val="50000"/>
+            </a:schemeClr>
+          </a:lnRef>
+          <a:fillRef idx="1">
+            <a:schemeClr val="accent1"/>
+          </a:fillRef>
+          <a:effectRef idx="0">
+            <a:schemeClr val="accent1"/>
+          </a:effectRef>
+          <a:fontRef idx="minor">
+            <a:schemeClr val="lt1"/>
+          </a:fontRef>
+        </p:style>
+        <p:txBody>
+          <a:bodyPr rtlCol="0" anchor="ctr"/>
+          <a:p>
+            <a:pPr algn="ctr"/>
+            <a:endParaRPr lang="zh-CN" altLang="en-US"/>
+          </a:p>
+        </p:txBody>
+      </p:sp>
+      <p:sp>
+        <p:nvSpPr>
+          <p:cNvPr id="61" name="下弧形箭头 60"/>
+          <p:cNvSpPr/>
+          <p:nvPr/>
+        </p:nvSpPr>
+        <p:spPr>
+          <a:xfrm>
+            <a:off x="7802245" y="2395220"/>
+            <a:ext cx="1052830" cy="250825"/>
+          </a:xfrm>
+          <a:prstGeom prst="curvedUpArrow">
+            <a:avLst/>
+          </a:prstGeom>
+        </p:spPr>
+        <p:style>
+          <a:lnRef idx="2">
+            <a:schemeClr val="accent1">
+              <a:shade val="50000"/>
+            </a:schemeClr>
+          </a:lnRef>
+          <a:fillRef idx="1">
+            <a:schemeClr val="accent1"/>
+          </a:fillRef>
+          <a:effectRef idx="0">
+            <a:schemeClr val="accent1"/>
+          </a:effectRef>
+          <a:fontRef idx="minor">
+            <a:schemeClr val="lt1"/>
+          </a:fontRef>
+        </p:style>
+        <p:txBody>
+          <a:bodyPr rtlCol="0" anchor="ctr"/>
+          <a:p>
+            <a:pPr algn="ctr"/>
+            <a:endParaRPr lang="zh-CN" altLang="en-US">
+              <a:solidFill>
+                <a:schemeClr val="tx1"/>
+              </a:solidFill>
+            </a:endParaRPr>
+          </a:p>
+        </p:txBody>
+      </p:sp>
+      <p:sp>
+        <p:nvSpPr>
+          <p:cNvPr id="62" name="下弧形箭头 61"/>
+          <p:cNvSpPr/>
+          <p:nvPr/>
+        </p:nvSpPr>
+        <p:spPr>
+          <a:xfrm>
+            <a:off x="8855710" y="2395220"/>
+            <a:ext cx="1106170" cy="250825"/>
+          </a:xfrm>
+          <a:prstGeom prst="curvedUpArrow">
+            <a:avLst/>
+          </a:prstGeom>
+        </p:spPr>
+        <p:style>
+          <a:lnRef idx="2">
+            <a:schemeClr val="accent1">
+              <a:shade val="50000"/>
+            </a:schemeClr>
+          </a:lnRef>
+          <a:fillRef idx="1">
+            <a:schemeClr val="accent1"/>
+          </a:fillRef>
+          <a:effectRef idx="0">
+            <a:schemeClr val="accent1"/>
+          </a:effectRef>
+          <a:fontRef idx="minor">
+            <a:schemeClr val="lt1"/>
+          </a:fontRef>
+        </p:style>
+        <p:txBody>
+          <a:bodyPr rtlCol="0" anchor="ctr"/>
+          <a:p>
+            <a:pPr algn="ctr"/>
+            <a:endParaRPr lang="zh-CN" altLang="en-US">
+              <a:solidFill>
+                <a:schemeClr val="tx1"/>
+              </a:solidFill>
+            </a:endParaRPr>
+          </a:p>
+        </p:txBody>
+      </p:sp>
+      <p:sp>
+        <p:nvSpPr>
+          <p:cNvPr id="63" name="下弧形箭头 62"/>
+          <p:cNvSpPr/>
+          <p:nvPr/>
+        </p:nvSpPr>
+        <p:spPr>
+          <a:xfrm>
+            <a:off x="9961880" y="2395220"/>
+            <a:ext cx="1120775" cy="250825"/>
+          </a:xfrm>
+          <a:prstGeom prst="curvedUpArrow">
+            <a:avLst/>
+          </a:prstGeom>
+          <a:gradFill>
+            <a:gsLst>
+              <a:gs pos="0">
+                <a:srgbClr val="7B32B2"/>
+              </a:gs>
+              <a:gs pos="100000">
+                <a:srgbClr val="401A5D"/>
+              </a:gs>
+            </a:gsLst>
+            <a:lin ang="5400000" scaled="0"/>
+          </a:gradFill>
+        </p:spPr>
+        <p:style>
+          <a:lnRef idx="2">
+            <a:schemeClr val="accent1">
+              <a:shade val="50000"/>
+            </a:schemeClr>
+          </a:lnRef>
+          <a:fillRef idx="1">
+            <a:schemeClr val="accent1"/>
+          </a:fillRef>
+          <a:effectRef idx="0">
+            <a:schemeClr val="accent1"/>
+          </a:effectRef>
+          <a:fontRef idx="minor">
+            <a:schemeClr val="lt1"/>
+          </a:fontRef>
+        </p:style>
+        <p:txBody>
+          <a:bodyPr rtlCol="0" anchor="ctr"/>
+          <a:p>
+            <a:pPr algn="ctr"/>
+            <a:endParaRPr lang="zh-CN" altLang="en-US">
+              <a:solidFill>
+                <a:schemeClr val="tx1"/>
+              </a:solidFill>
+            </a:endParaRPr>
+          </a:p>
+        </p:txBody>
+      </p:sp>
+      <p:sp>
+        <p:nvSpPr>
+          <p:cNvPr id="64" name="矩形 63"/>
+          <p:cNvSpPr/>
+          <p:nvPr/>
+        </p:nvSpPr>
+        <p:spPr>
+          <a:xfrm>
+            <a:off x="8006715" y="2368550"/>
+            <a:ext cx="621665" cy="176530"/>
+          </a:xfrm>
+          <a:prstGeom prst="rect">
+            <a:avLst/>
+          </a:prstGeom>
+        </p:spPr>
+        <p:style>
+          <a:lnRef idx="2">
+            <a:schemeClr val="accent1">
+              <a:shade val="50000"/>
+            </a:schemeClr>
+          </a:lnRef>
+          <a:fillRef idx="1">
+            <a:schemeClr val="accent1"/>
+          </a:fillRef>
+          <a:effectRef idx="0">
+            <a:schemeClr val="accent1"/>
+          </a:effectRef>
+          <a:fontRef idx="minor">
+            <a:schemeClr val="lt1"/>
+          </a:fontRef>
+        </p:style>
+        <p:txBody>
+          <a:bodyPr rtlCol="0" anchor="ctr"/>
+          <a:p>
+            <a:pPr algn="ctr"/>
+            <a:r>
+              <a:rPr lang="en-US" altLang="zh-CN" sz="1000" b="1"/>
+              <a:t>Record</a:t>
+            </a:r>
+            <a:r>
+              <a:rPr lang="en-US" altLang="zh-CN" sz="1000" b="1" baseline="-25000"/>
+              <a:t>1</a:t>
+            </a:r>
+            <a:endParaRPr lang="en-US" altLang="zh-CN" sz="1000" b="1" baseline="-25000"/>
+          </a:p>
+        </p:txBody>
+      </p:sp>
+      <p:sp>
+        <p:nvSpPr>
+          <p:cNvPr id="69" name="椭圆 68"/>
+          <p:cNvSpPr/>
+          <p:nvPr/>
+        </p:nvSpPr>
+        <p:spPr>
+          <a:xfrm>
+            <a:off x="10314305" y="2574290"/>
+            <a:ext cx="340360" cy="224155"/>
+          </a:xfrm>
+          <a:prstGeom prst="ellipse">
+            <a:avLst/>
+          </a:prstGeom>
+        </p:spPr>
+        <p:style>
+          <a:lnRef idx="2">
+            <a:schemeClr val="accent2">
+              <a:shade val="50000"/>
+            </a:schemeClr>
+          </a:lnRef>
+          <a:fillRef idx="1">
+            <a:schemeClr val="accent2"/>
+          </a:fillRef>
+          <a:effectRef idx="0">
+            <a:schemeClr val="accent2"/>
+          </a:effectRef>
+          <a:fontRef idx="minor">
+            <a:schemeClr val="lt1"/>
+          </a:fontRef>
+        </p:style>
+        <p:txBody>
+          <a:bodyPr rtlCol="0" anchor="ctr"/>
+          <a:p>
+            <a:pPr algn="ctr">
+              <a:lnSpc>
+                <a:spcPct val="90000"/>
+              </a:lnSpc>
+            </a:pPr>
+            <a:r>
+              <a:rPr lang="en-US" altLang="zh-CN" sz="2800" b="1"/>
+              <a:t>+</a:t>
+            </a:r>
+            <a:endParaRPr lang="en-US" altLang="zh-CN" sz="2800" b="1"/>
+          </a:p>
+        </p:txBody>
+      </p:sp>
+      <p:sp>
+        <p:nvSpPr>
+          <p:cNvPr id="72" name="椭圆 71"/>
+          <p:cNvSpPr/>
+          <p:nvPr/>
+        </p:nvSpPr>
+        <p:spPr>
+          <a:xfrm>
+            <a:off x="9266555" y="2545080"/>
+            <a:ext cx="317500" cy="233680"/>
+          </a:xfrm>
+          <a:prstGeom prst="ellipse">
+            <a:avLst/>
+          </a:prstGeom>
+        </p:spPr>
+        <p:style>
+          <a:lnRef idx="2">
+            <a:schemeClr val="accent2">
+              <a:shade val="50000"/>
+            </a:schemeClr>
+          </a:lnRef>
+          <a:fillRef idx="1">
+            <a:schemeClr val="accent2"/>
+          </a:fillRef>
+          <a:effectRef idx="0">
+            <a:schemeClr val="accent2"/>
+          </a:effectRef>
+          <a:fontRef idx="minor">
+            <a:schemeClr val="lt1"/>
+          </a:fontRef>
+        </p:style>
+        <p:txBody>
+          <a:bodyPr rtlCol="0" anchor="ctr"/>
+          <a:p>
+            <a:pPr algn="ctr">
+              <a:lnSpc>
+                <a:spcPct val="90000"/>
+              </a:lnSpc>
+            </a:pPr>
+            <a:r>
+              <a:rPr lang="en-US" altLang="zh-CN" sz="2800" b="1"/>
+              <a:t>+</a:t>
+            </a:r>
+            <a:endParaRPr lang="en-US" altLang="zh-CN" sz="2800" b="1"/>
+          </a:p>
+        </p:txBody>
+      </p:sp>
+      <p:sp>
+        <p:nvSpPr>
+          <p:cNvPr id="77" name="椭圆 76"/>
+          <p:cNvSpPr/>
+          <p:nvPr/>
+        </p:nvSpPr>
+        <p:spPr>
+          <a:xfrm>
+            <a:off x="8156575" y="2545080"/>
+            <a:ext cx="321310" cy="212090"/>
+          </a:xfrm>
+          <a:prstGeom prst="ellipse">
+            <a:avLst/>
+          </a:prstGeom>
+        </p:spPr>
+        <p:style>
+          <a:lnRef idx="2">
+            <a:schemeClr val="accent2">
+              <a:shade val="50000"/>
+            </a:schemeClr>
+          </a:lnRef>
+          <a:fillRef idx="1">
+            <a:schemeClr val="accent2"/>
+          </a:fillRef>
+          <a:effectRef idx="0">
+            <a:schemeClr val="accent2"/>
+          </a:effectRef>
+          <a:fontRef idx="minor">
+            <a:schemeClr val="lt1"/>
+          </a:fontRef>
+        </p:style>
+        <p:txBody>
+          <a:bodyPr rtlCol="0" anchor="ctr"/>
+          <a:p>
+            <a:pPr algn="ctr">
+              <a:lnSpc>
+                <a:spcPct val="90000"/>
+              </a:lnSpc>
+            </a:pPr>
+            <a:r>
+              <a:rPr lang="en-US" altLang="zh-CN" sz="2800" b="1"/>
+              <a:t>+</a:t>
+            </a:r>
+            <a:endParaRPr lang="en-US" altLang="zh-CN" sz="2800" b="1"/>
+          </a:p>
+        </p:txBody>
+      </p:sp>
+      <p:sp>
+        <p:nvSpPr>
+          <p:cNvPr id="78" name="矩形 77"/>
+          <p:cNvSpPr/>
+          <p:nvPr/>
+        </p:nvSpPr>
+        <p:spPr>
+          <a:xfrm>
+            <a:off x="9102725" y="2368550"/>
+            <a:ext cx="621665" cy="176530"/>
+          </a:xfrm>
+          <a:prstGeom prst="rect">
+            <a:avLst/>
+          </a:prstGeom>
+        </p:spPr>
+        <p:style>
+          <a:lnRef idx="2">
+            <a:schemeClr val="accent1">
+              <a:shade val="50000"/>
+            </a:schemeClr>
+          </a:lnRef>
+          <a:fillRef idx="1">
+            <a:schemeClr val="accent1"/>
+          </a:fillRef>
+          <a:effectRef idx="0">
+            <a:schemeClr val="accent1"/>
+          </a:effectRef>
+          <a:fontRef idx="minor">
+            <a:schemeClr val="lt1"/>
+          </a:fontRef>
+        </p:style>
+        <p:txBody>
+          <a:bodyPr rtlCol="0" anchor="ctr"/>
+          <a:p>
+            <a:pPr algn="ctr"/>
+            <a:r>
+              <a:rPr lang="en-US" altLang="zh-CN" sz="1000" b="1"/>
+              <a:t>Record</a:t>
+            </a:r>
+            <a:r>
+              <a:rPr lang="en-US" altLang="zh-CN" sz="1000" b="1" baseline="-25000"/>
+              <a:t>2</a:t>
+            </a:r>
+            <a:endParaRPr lang="en-US" altLang="zh-CN" sz="1000" b="1" baseline="-25000"/>
+          </a:p>
+        </p:txBody>
+      </p:sp>
+      <p:sp>
+        <p:nvSpPr>
+          <p:cNvPr id="79" name="矩形 78"/>
+          <p:cNvSpPr/>
+          <p:nvPr/>
+        </p:nvSpPr>
+        <p:spPr>
+          <a:xfrm>
+            <a:off x="10220960" y="2368550"/>
+            <a:ext cx="621665" cy="176530"/>
+          </a:xfrm>
+          <a:prstGeom prst="rect">
+            <a:avLst/>
+          </a:prstGeom>
+        </p:spPr>
+        <p:style>
+          <a:lnRef idx="2">
+            <a:schemeClr val="accent1">
+              <a:shade val="50000"/>
+            </a:schemeClr>
+          </a:lnRef>
+          <a:fillRef idx="1">
+            <a:schemeClr val="accent1"/>
+          </a:fillRef>
+          <a:effectRef idx="0">
+            <a:schemeClr val="accent1"/>
+          </a:effectRef>
+          <a:fontRef idx="minor">
+            <a:schemeClr val="lt1"/>
+          </a:fontRef>
+        </p:style>
+        <p:txBody>
+          <a:bodyPr rtlCol="0" anchor="ctr"/>
+          <a:p>
+            <a:pPr algn="ctr"/>
+            <a:r>
+              <a:rPr lang="en-US" altLang="zh-CN" sz="1000" b="1"/>
+              <a:t>Record</a:t>
+            </a:r>
+            <a:r>
+              <a:rPr lang="en-US" altLang="zh-CN" sz="1000" b="1" baseline="-25000"/>
+              <a:t>3</a:t>
+            </a:r>
+            <a:endParaRPr lang="en-US" altLang="zh-CN" sz="1000" b="1" baseline="-25000"/>
+          </a:p>
+        </p:txBody>
+      </p:sp>
+      <p:sp>
+        <p:nvSpPr>
+          <p:cNvPr id="51" name="矩形 50"/>
+          <p:cNvSpPr/>
+          <p:nvPr/>
+        </p:nvSpPr>
+        <p:spPr>
+          <a:xfrm>
+            <a:off x="462915" y="3105785"/>
+            <a:ext cx="3644265" cy="3514725"/>
+          </a:xfrm>
+          <a:prstGeom prst="rect">
+            <a:avLst/>
+          </a:prstGeom>
+          <a:solidFill>
+            <a:schemeClr val="accent1">
+              <a:lumMod val="20000"/>
+              <a:lumOff val="80000"/>
+            </a:schemeClr>
+          </a:solidFill>
+        </p:spPr>
+        <p:style>
+          <a:lnRef idx="1">
+            <a:schemeClr val="accent3"/>
+          </a:lnRef>
+          <a:fillRef idx="2">
+            <a:schemeClr val="accent3"/>
+          </a:fillRef>
+          <a:effectRef idx="1">
+            <a:schemeClr val="accent3"/>
+          </a:effectRef>
+          <a:fontRef idx="minor">
+            <a:schemeClr val="dk1"/>
+          </a:fontRef>
+        </p:style>
+        <p:txBody>
+          <a:bodyPr rtlCol="0" anchor="ctr"/>
+          <a:p>
+            <a:pPr algn="ctr"/>
+            <a:endParaRPr lang="zh-CN" altLang="en-US"/>
+          </a:p>
+        </p:txBody>
+      </p:sp>
+      <p:pic>
+        <p:nvPicPr>
+          <p:cNvPr id="54" name="图片 53"/>
+          <p:cNvPicPr>
+            <a:picLocks noChangeAspect="1"/>
+          </p:cNvPicPr>
+          <p:nvPr/>
+        </p:nvPicPr>
+        <p:blipFill>
+          <a:blip r:embed="rId5"/>
+          <a:stretch>
+            <a:fillRect/>
+          </a:stretch>
+        </p:blipFill>
+        <p:spPr>
+          <a:xfrm>
+            <a:off x="7068185" y="3342640"/>
+            <a:ext cx="940435" cy="600075"/>
+          </a:xfrm>
+          <a:prstGeom prst="rect">
+            <a:avLst/>
+          </a:prstGeom>
+        </p:spPr>
+      </p:pic>
+      <p:pic>
+        <p:nvPicPr>
+          <p:cNvPr id="55" name="图片 54"/>
+          <p:cNvPicPr>
+            <a:picLocks noChangeAspect="1"/>
+          </p:cNvPicPr>
+          <p:nvPr/>
+        </p:nvPicPr>
+        <p:blipFill>
+          <a:blip r:embed="rId6"/>
+          <a:stretch>
+            <a:fillRect/>
+          </a:stretch>
+        </p:blipFill>
+        <p:spPr>
+          <a:xfrm>
+            <a:off x="518160" y="3986530"/>
+            <a:ext cx="795020" cy="1072515"/>
+          </a:xfrm>
+          <a:prstGeom prst="rect">
+            <a:avLst/>
+          </a:prstGeom>
+        </p:spPr>
+      </p:pic>
+      <p:pic>
+        <p:nvPicPr>
+          <p:cNvPr id="56" name="图片 1" descr="骨骼"/>
+          <p:cNvPicPr>
+            <a:picLocks noChangeAspect="1"/>
+          </p:cNvPicPr>
+          <p:nvPr/>
+        </p:nvPicPr>
+        <p:blipFill>
+          <a:blip r:embed="rId7"/>
+          <a:stretch>
+            <a:fillRect/>
+          </a:stretch>
+        </p:blipFill>
+        <p:spPr>
+          <a:xfrm>
+            <a:off x="5255895" y="3762693"/>
+            <a:ext cx="748030" cy="1689735"/>
+          </a:xfrm>
+          <a:prstGeom prst="rect">
+            <a:avLst/>
+          </a:prstGeom>
+        </p:spPr>
+      </p:pic>
+      <p:sp>
+        <p:nvSpPr>
+          <p:cNvPr id="57" name="右箭头 56"/>
+          <p:cNvSpPr/>
+          <p:nvPr/>
+        </p:nvSpPr>
+        <p:spPr>
+          <a:xfrm>
+            <a:off x="1372870" y="4110355"/>
+            <a:ext cx="1395095" cy="1092835"/>
+          </a:xfrm>
+          <a:prstGeom prst="rightArrow">
+            <a:avLst/>
+          </a:prstGeom>
+        </p:spPr>
+        <p:style>
+          <a:lnRef idx="2">
+            <a:schemeClr val="accent1">
+              <a:shade val="50000"/>
+            </a:schemeClr>
+          </a:lnRef>
+          <a:fillRef idx="1">
+            <a:schemeClr val="accent1"/>
+          </a:fillRef>
+          <a:effectRef idx="0">
+            <a:schemeClr val="accent1"/>
+          </a:effectRef>
+          <a:fontRef idx="minor">
+            <a:schemeClr val="lt1"/>
+          </a:fontRef>
+        </p:style>
+        <p:txBody>
+          <a:bodyPr rtlCol="0" anchor="ctr"/>
+          <a:p>
+            <a:pPr algn="ctr" fontAlgn="auto">
+              <a:lnSpc>
+                <a:spcPts val="2160"/>
+              </a:lnSpc>
+              <a:buClrTx/>
+              <a:buSzTx/>
+              <a:buFontTx/>
+            </a:pPr>
+            <a:r>
+              <a:rPr lang="zh-CN" altLang="en-US" dirty="0">
+                <a:sym typeface="+mn-ea"/>
+              </a:rPr>
+              <a:t>Skeleton extraction</a:t>
+            </a:r>
+            <a:endParaRPr lang="zh-CN" altLang="en-US" dirty="0">
+              <a:sym typeface="+mn-ea"/>
+            </a:endParaRPr>
+          </a:p>
+        </p:txBody>
+      </p:sp>
+      <p:sp>
+        <p:nvSpPr>
+          <p:cNvPr id="58" name="右箭头 57"/>
+          <p:cNvSpPr/>
+          <p:nvPr/>
+        </p:nvSpPr>
+        <p:spPr>
+          <a:xfrm>
+            <a:off x="8234045" y="3352800"/>
+            <a:ext cx="1907540" cy="483870"/>
+          </a:xfrm>
+          <a:prstGeom prst="rightArrow">
+            <a:avLst/>
+          </a:prstGeom>
+        </p:spPr>
+        <p:style>
+          <a:lnRef idx="2">
+            <a:schemeClr val="accent1">
+              <a:shade val="50000"/>
+            </a:schemeClr>
+          </a:lnRef>
+          <a:fillRef idx="1">
+            <a:schemeClr val="accent1"/>
+          </a:fillRef>
+          <a:effectRef idx="0">
+            <a:schemeClr val="accent1"/>
+          </a:effectRef>
+          <a:fontRef idx="minor">
+            <a:schemeClr val="lt1"/>
+          </a:fontRef>
+        </p:style>
+        <p:txBody>
+          <a:bodyPr rtlCol="0" anchor="ctr"/>
+          <a:p>
+            <a:pPr algn="ctr" fontAlgn="auto">
+              <a:lnSpc>
+                <a:spcPts val="2160"/>
+              </a:lnSpc>
+              <a:buClrTx/>
+              <a:buSzTx/>
+              <a:buFontTx/>
+            </a:pPr>
+            <a:r>
+              <a:rPr lang="en-US" altLang="zh-CN">
+                <a:sym typeface="+mn-ea"/>
+              </a:rPr>
+              <a:t>edit</a:t>
+            </a:r>
+            <a:r>
+              <a:rPr lang="zh-CN" altLang="en-US">
+                <a:sym typeface="+mn-ea"/>
+              </a:rPr>
+              <a:t> start frame</a:t>
+            </a:r>
+            <a:endParaRPr lang="zh-CN" altLang="en-US">
+              <a:sym typeface="+mn-ea"/>
+            </a:endParaRPr>
+          </a:p>
+        </p:txBody>
+      </p:sp>
+      <p:pic>
+        <p:nvPicPr>
+          <p:cNvPr id="59" name="图片 58"/>
+          <p:cNvPicPr>
+            <a:picLocks noChangeAspect="1"/>
+          </p:cNvPicPr>
+          <p:nvPr/>
+        </p:nvPicPr>
+        <p:blipFill>
+          <a:blip r:embed="rId5"/>
+          <a:stretch>
+            <a:fillRect/>
+          </a:stretch>
+        </p:blipFill>
+        <p:spPr>
+          <a:xfrm>
+            <a:off x="7068185" y="5729605"/>
+            <a:ext cx="1008380" cy="643890"/>
+          </a:xfrm>
+          <a:prstGeom prst="rect">
+            <a:avLst/>
+          </a:prstGeom>
+        </p:spPr>
+      </p:pic>
+      <p:sp>
+        <p:nvSpPr>
+          <p:cNvPr id="60" name="右箭头 59"/>
+          <p:cNvSpPr/>
+          <p:nvPr/>
+        </p:nvSpPr>
+        <p:spPr>
+          <a:xfrm>
+            <a:off x="8233410" y="5882640"/>
+            <a:ext cx="1908175" cy="475615"/>
+          </a:xfrm>
+          <a:prstGeom prst="rightArrow">
+            <a:avLst/>
+          </a:prstGeom>
+        </p:spPr>
+        <p:style>
+          <a:lnRef idx="2">
+            <a:schemeClr val="accent1">
+              <a:shade val="50000"/>
+            </a:schemeClr>
+          </a:lnRef>
+          <a:fillRef idx="1">
+            <a:schemeClr val="accent1"/>
+          </a:fillRef>
+          <a:effectRef idx="0">
+            <a:schemeClr val="accent1"/>
+          </a:effectRef>
+          <a:fontRef idx="minor">
+            <a:schemeClr val="lt1"/>
+          </a:fontRef>
+        </p:style>
+        <p:txBody>
+          <a:bodyPr rtlCol="0" anchor="ctr"/>
+          <a:p>
+            <a:pPr algn="ctr" fontAlgn="auto">
+              <a:lnSpc>
+                <a:spcPts val="2160"/>
+              </a:lnSpc>
+              <a:buClrTx/>
+              <a:buSzTx/>
+              <a:buFontTx/>
+            </a:pPr>
+            <a:r>
+              <a:rPr lang="en-US" altLang="zh-CN">
+                <a:sym typeface="+mn-ea"/>
+              </a:rPr>
+              <a:t>edit</a:t>
+            </a:r>
+            <a:r>
+              <a:rPr lang="zh-CN" altLang="en-US">
+                <a:sym typeface="+mn-ea"/>
+              </a:rPr>
+              <a:t> </a:t>
+            </a:r>
+            <a:r>
+              <a:rPr lang="en-US" altLang="zh-CN">
+                <a:sym typeface="+mn-ea"/>
+              </a:rPr>
+              <a:t>end</a:t>
+            </a:r>
+            <a:r>
+              <a:rPr lang="zh-CN" altLang="en-US">
+                <a:sym typeface="+mn-ea"/>
+              </a:rPr>
+              <a:t> frame</a:t>
+            </a:r>
+            <a:endParaRPr lang="zh-CN" altLang="en-US" dirty="0">
+              <a:sym typeface="+mn-ea"/>
+            </a:endParaRPr>
+          </a:p>
+        </p:txBody>
+      </p:sp>
+      <p:sp>
+        <p:nvSpPr>
+          <p:cNvPr id="68" name="文本框 67"/>
+          <p:cNvSpPr txBox="1"/>
+          <p:nvPr/>
+        </p:nvSpPr>
+        <p:spPr>
+          <a:xfrm>
+            <a:off x="6816090" y="3836670"/>
+            <a:ext cx="1782445" cy="337185"/>
+          </a:xfrm>
+          <a:prstGeom prst="rect">
+            <a:avLst/>
+          </a:prstGeom>
+          <a:noFill/>
+        </p:spPr>
+        <p:txBody>
+          <a:bodyPr wrap="square" rtlCol="0">
+            <a:spAutoFit/>
+          </a:bodyPr>
+          <a:p>
+            <a:r>
+              <a:rPr lang="zh-CN" altLang="en-US" sz="1600"/>
+              <a:t>Motion </a:t>
+            </a:r>
+            <a:r>
+              <a:rPr lang="en-US" altLang="zh-CN" sz="1600"/>
+              <a:t>G</a:t>
+            </a:r>
+            <a:r>
+              <a:rPr lang="zh-CN" altLang="en-US" sz="1600"/>
+              <a:t>enerator</a:t>
+            </a:r>
+            <a:endParaRPr lang="zh-CN" altLang="en-US" sz="1600"/>
+          </a:p>
+        </p:txBody>
+      </p:sp>
+      <p:pic>
+        <p:nvPicPr>
+          <p:cNvPr id="87" name="图片 86"/>
+          <p:cNvPicPr>
+            <a:picLocks noChangeAspect="1"/>
+          </p:cNvPicPr>
+          <p:nvPr/>
+        </p:nvPicPr>
+        <p:blipFill>
+          <a:blip r:embed="rId8"/>
+          <a:stretch>
+            <a:fillRect/>
+          </a:stretch>
+        </p:blipFill>
+        <p:spPr>
+          <a:xfrm>
+            <a:off x="10394315" y="4548505"/>
+            <a:ext cx="224155" cy="407035"/>
+          </a:xfrm>
+          <a:prstGeom prst="rect">
+            <a:avLst/>
+          </a:prstGeom>
+        </p:spPr>
+      </p:pic>
+      <p:pic>
+        <p:nvPicPr>
+          <p:cNvPr id="88" name="图片 87"/>
+          <p:cNvPicPr>
+            <a:picLocks noChangeAspect="1"/>
+          </p:cNvPicPr>
+          <p:nvPr/>
+        </p:nvPicPr>
+        <p:blipFill>
+          <a:blip r:embed="rId9"/>
+          <a:stretch>
+            <a:fillRect/>
+          </a:stretch>
+        </p:blipFill>
+        <p:spPr>
+          <a:xfrm>
+            <a:off x="10360660" y="3938270"/>
+            <a:ext cx="262890" cy="465455"/>
+          </a:xfrm>
+          <a:prstGeom prst="rect">
+            <a:avLst/>
+          </a:prstGeom>
+        </p:spPr>
+      </p:pic>
+      <p:pic>
+        <p:nvPicPr>
+          <p:cNvPr id="91" name="图片 90"/>
+          <p:cNvPicPr>
+            <a:picLocks noChangeAspect="1"/>
+          </p:cNvPicPr>
+          <p:nvPr/>
+        </p:nvPicPr>
+        <p:blipFill>
+          <a:blip r:embed="rId10"/>
+          <a:stretch>
+            <a:fillRect/>
+          </a:stretch>
+        </p:blipFill>
+        <p:spPr>
+          <a:xfrm>
+            <a:off x="10380980" y="5175250"/>
+            <a:ext cx="217805" cy="433070"/>
+          </a:xfrm>
+          <a:prstGeom prst="rect">
+            <a:avLst/>
+          </a:prstGeom>
+        </p:spPr>
+      </p:pic>
+      <p:pic>
+        <p:nvPicPr>
+          <p:cNvPr id="92" name="图片 91"/>
+          <p:cNvPicPr>
+            <a:picLocks noChangeAspect="1"/>
+          </p:cNvPicPr>
+          <p:nvPr/>
+        </p:nvPicPr>
+        <p:blipFill>
+          <a:blip r:embed="rId11"/>
+          <a:stretch>
+            <a:fillRect/>
+          </a:stretch>
+        </p:blipFill>
+        <p:spPr>
+          <a:xfrm>
+            <a:off x="10287635" y="5841365"/>
+            <a:ext cx="311150" cy="516890"/>
+          </a:xfrm>
+          <a:prstGeom prst="rect">
+            <a:avLst/>
+          </a:prstGeom>
+        </p:spPr>
+      </p:pic>
+      <p:pic>
+        <p:nvPicPr>
+          <p:cNvPr id="93" name="图片 92"/>
+          <p:cNvPicPr>
+            <a:picLocks noChangeAspect="1"/>
+          </p:cNvPicPr>
+          <p:nvPr/>
+        </p:nvPicPr>
+        <p:blipFill>
+          <a:blip r:embed="rId12"/>
+          <a:stretch>
+            <a:fillRect/>
+          </a:stretch>
+        </p:blipFill>
+        <p:spPr>
+          <a:xfrm>
+            <a:off x="10363200" y="3330575"/>
+            <a:ext cx="245745" cy="433070"/>
+          </a:xfrm>
+          <a:prstGeom prst="rect">
+            <a:avLst/>
+          </a:prstGeom>
+        </p:spPr>
+      </p:pic>
+      <p:sp>
+        <p:nvSpPr>
+          <p:cNvPr id="96" name="矩形 95"/>
+          <p:cNvSpPr/>
+          <p:nvPr/>
+        </p:nvSpPr>
+        <p:spPr>
+          <a:xfrm>
+            <a:off x="10250170" y="3286125"/>
+            <a:ext cx="1541780" cy="477520"/>
+          </a:xfrm>
+          <a:prstGeom prst="rect">
+            <a:avLst/>
+          </a:prstGeom>
+          <a:noFill/>
+          <a:ln w="28575">
+            <a:solidFill>
+              <a:schemeClr val="accent2">
+                <a:lumMod val="60000"/>
+                <a:lumOff val="40000"/>
+              </a:schemeClr>
+            </a:solidFill>
+            <a:prstDash val="sysDash"/>
+          </a:ln>
+        </p:spPr>
+        <p:style>
+          <a:lnRef idx="2">
+            <a:schemeClr val="accent1">
+              <a:shade val="50000"/>
+            </a:schemeClr>
+          </a:lnRef>
+          <a:fillRef idx="1">
+            <a:schemeClr val="accent1"/>
+          </a:fillRef>
+          <a:effectRef idx="0">
+            <a:schemeClr val="accent1"/>
+          </a:effectRef>
+          <a:fontRef idx="minor">
+            <a:schemeClr val="lt1"/>
+          </a:fontRef>
+        </p:style>
+        <p:txBody>
+          <a:bodyPr rtlCol="0" anchor="ctr"/>
+          <a:p>
+            <a:pPr algn="ctr"/>
+            <a:endParaRPr lang="zh-CN" altLang="en-US"/>
+          </a:p>
+        </p:txBody>
+      </p:sp>
+      <p:pic>
+        <p:nvPicPr>
+          <p:cNvPr id="109" name="图片 108"/>
+          <p:cNvPicPr>
+            <a:picLocks noChangeAspect="1"/>
+          </p:cNvPicPr>
+          <p:nvPr/>
+        </p:nvPicPr>
+        <p:blipFill>
+          <a:blip r:embed="rId13"/>
+          <a:stretch>
+            <a:fillRect/>
+          </a:stretch>
+        </p:blipFill>
+        <p:spPr>
+          <a:xfrm>
+            <a:off x="10759440" y="3352800"/>
+            <a:ext cx="251460" cy="368935"/>
+          </a:xfrm>
+          <a:prstGeom prst="rect">
+            <a:avLst/>
+          </a:prstGeom>
+        </p:spPr>
+      </p:pic>
+      <p:pic>
+        <p:nvPicPr>
+          <p:cNvPr id="110" name="图片 109"/>
+          <p:cNvPicPr>
+            <a:picLocks noChangeAspect="1"/>
+          </p:cNvPicPr>
+          <p:nvPr/>
+        </p:nvPicPr>
+        <p:blipFill>
+          <a:blip r:embed="rId14"/>
+          <a:stretch>
+            <a:fillRect/>
+          </a:stretch>
+        </p:blipFill>
+        <p:spPr>
+          <a:xfrm>
+            <a:off x="10764520" y="3956685"/>
+            <a:ext cx="281305" cy="473710"/>
+          </a:xfrm>
+          <a:prstGeom prst="rect">
+            <a:avLst/>
+          </a:prstGeom>
+        </p:spPr>
+      </p:pic>
+      <p:pic>
+        <p:nvPicPr>
+          <p:cNvPr id="111" name="图片 110"/>
+          <p:cNvPicPr>
+            <a:picLocks noChangeAspect="1"/>
+          </p:cNvPicPr>
+          <p:nvPr/>
+        </p:nvPicPr>
+        <p:blipFill>
+          <a:blip r:embed="rId15"/>
+          <a:stretch>
+            <a:fillRect/>
+          </a:stretch>
+        </p:blipFill>
+        <p:spPr>
+          <a:xfrm>
+            <a:off x="10759440" y="4548505"/>
+            <a:ext cx="286385" cy="462280"/>
+          </a:xfrm>
+          <a:prstGeom prst="rect">
+            <a:avLst/>
+          </a:prstGeom>
+        </p:spPr>
+      </p:pic>
+      <p:pic>
+        <p:nvPicPr>
+          <p:cNvPr id="112" name="图片 111"/>
+          <p:cNvPicPr>
+            <a:picLocks noChangeAspect="1"/>
+          </p:cNvPicPr>
+          <p:nvPr/>
+        </p:nvPicPr>
+        <p:blipFill>
+          <a:blip r:embed="rId16"/>
+          <a:stretch>
+            <a:fillRect/>
+          </a:stretch>
+        </p:blipFill>
+        <p:spPr>
+          <a:xfrm>
+            <a:off x="10764520" y="5175250"/>
+            <a:ext cx="285750" cy="471170"/>
+          </a:xfrm>
+          <a:prstGeom prst="rect">
+            <a:avLst/>
+          </a:prstGeom>
+        </p:spPr>
+      </p:pic>
+      <p:pic>
+        <p:nvPicPr>
+          <p:cNvPr id="113" name="图片 112"/>
+          <p:cNvPicPr>
+            <a:picLocks noChangeAspect="1"/>
+          </p:cNvPicPr>
+          <p:nvPr/>
+        </p:nvPicPr>
+        <p:blipFill>
+          <a:blip r:embed="rId17"/>
+          <a:stretch>
+            <a:fillRect/>
+          </a:stretch>
+        </p:blipFill>
+        <p:spPr>
+          <a:xfrm>
+            <a:off x="10852785" y="5883275"/>
+            <a:ext cx="285750" cy="462915"/>
+          </a:xfrm>
+          <a:prstGeom prst="rect">
+            <a:avLst/>
+          </a:prstGeom>
+        </p:spPr>
+      </p:pic>
+      <p:pic>
+        <p:nvPicPr>
+          <p:cNvPr id="114" name="图片 113"/>
+          <p:cNvPicPr>
+            <a:picLocks noChangeAspect="1"/>
+          </p:cNvPicPr>
+          <p:nvPr/>
+        </p:nvPicPr>
+        <p:blipFill>
+          <a:blip r:embed="rId18"/>
+          <a:stretch>
+            <a:fillRect/>
+          </a:stretch>
+        </p:blipFill>
+        <p:spPr>
+          <a:xfrm>
+            <a:off x="11409045" y="3333115"/>
+            <a:ext cx="189230" cy="382905"/>
+          </a:xfrm>
+          <a:prstGeom prst="rect">
+            <a:avLst/>
+          </a:prstGeom>
+        </p:spPr>
+      </p:pic>
+      <p:pic>
+        <p:nvPicPr>
+          <p:cNvPr id="115" name="图片 114"/>
+          <p:cNvPicPr>
+            <a:picLocks noChangeAspect="1"/>
+          </p:cNvPicPr>
+          <p:nvPr/>
+        </p:nvPicPr>
+        <p:blipFill>
+          <a:blip r:embed="rId19"/>
+          <a:stretch>
+            <a:fillRect/>
+          </a:stretch>
+        </p:blipFill>
+        <p:spPr>
+          <a:xfrm>
+            <a:off x="11404600" y="3928745"/>
+            <a:ext cx="203200" cy="465455"/>
+          </a:xfrm>
+          <a:prstGeom prst="rect">
+            <a:avLst/>
+          </a:prstGeom>
+        </p:spPr>
+      </p:pic>
+      <p:pic>
+        <p:nvPicPr>
+          <p:cNvPr id="116" name="图片 115"/>
+          <p:cNvPicPr>
+            <a:picLocks noChangeAspect="1"/>
+          </p:cNvPicPr>
+          <p:nvPr/>
+        </p:nvPicPr>
+        <p:blipFill>
+          <a:blip r:embed="rId20"/>
+          <a:stretch>
+            <a:fillRect/>
+          </a:stretch>
+        </p:blipFill>
+        <p:spPr>
+          <a:xfrm>
+            <a:off x="11434445" y="4544695"/>
+            <a:ext cx="193675" cy="410845"/>
+          </a:xfrm>
+          <a:prstGeom prst="rect">
+            <a:avLst/>
+          </a:prstGeom>
+        </p:spPr>
+      </p:pic>
+      <p:pic>
+        <p:nvPicPr>
+          <p:cNvPr id="117" name="图片 116"/>
+          <p:cNvPicPr>
+            <a:picLocks noChangeAspect="1"/>
+          </p:cNvPicPr>
+          <p:nvPr/>
+        </p:nvPicPr>
+        <p:blipFill>
+          <a:blip r:embed="rId21"/>
+          <a:stretch>
+            <a:fillRect/>
+          </a:stretch>
+        </p:blipFill>
+        <p:spPr>
+          <a:xfrm>
+            <a:off x="11404600" y="5119370"/>
+            <a:ext cx="231775" cy="497205"/>
+          </a:xfrm>
+          <a:prstGeom prst="rect">
+            <a:avLst/>
+          </a:prstGeom>
+        </p:spPr>
+      </p:pic>
+      <p:pic>
+        <p:nvPicPr>
+          <p:cNvPr id="118" name="图片 117"/>
+          <p:cNvPicPr>
+            <a:picLocks noChangeAspect="1"/>
+          </p:cNvPicPr>
+          <p:nvPr/>
+        </p:nvPicPr>
+        <p:blipFill>
+          <a:blip r:embed="rId22"/>
+          <a:stretch>
+            <a:fillRect/>
+          </a:stretch>
+        </p:blipFill>
+        <p:spPr>
+          <a:xfrm>
+            <a:off x="11411585" y="5832475"/>
+            <a:ext cx="216535" cy="487045"/>
+          </a:xfrm>
+          <a:prstGeom prst="rect">
+            <a:avLst/>
+          </a:prstGeom>
+        </p:spPr>
+      </p:pic>
+      <p:sp>
+        <p:nvSpPr>
+          <p:cNvPr id="119" name="矩形 118"/>
+          <p:cNvSpPr/>
+          <p:nvPr/>
+        </p:nvSpPr>
+        <p:spPr>
+          <a:xfrm>
+            <a:off x="10249535" y="5794375"/>
+            <a:ext cx="1541780" cy="579120"/>
+          </a:xfrm>
+          <a:prstGeom prst="rect">
+            <a:avLst/>
+          </a:prstGeom>
+          <a:noFill/>
+          <a:ln w="28575">
+            <a:solidFill>
+              <a:schemeClr val="accent2">
+                <a:lumMod val="60000"/>
+                <a:lumOff val="40000"/>
+              </a:schemeClr>
+            </a:solidFill>
+            <a:prstDash val="sysDash"/>
+          </a:ln>
+        </p:spPr>
+        <p:style>
+          <a:lnRef idx="2">
+            <a:schemeClr val="accent1">
+              <a:shade val="50000"/>
+            </a:schemeClr>
+          </a:lnRef>
+          <a:fillRef idx="1">
+            <a:schemeClr val="accent1"/>
+          </a:fillRef>
+          <a:effectRef idx="0">
+            <a:schemeClr val="accent1"/>
+          </a:effectRef>
+          <a:fontRef idx="minor">
+            <a:schemeClr val="lt1"/>
+          </a:fontRef>
+        </p:style>
+        <p:txBody>
+          <a:bodyPr rtlCol="0" anchor="ctr"/>
+          <a:p>
+            <a:pPr algn="ctr"/>
+            <a:endParaRPr lang="zh-CN" altLang="en-US"/>
+          </a:p>
+        </p:txBody>
+      </p:sp>
+      <p:pic>
+        <p:nvPicPr>
+          <p:cNvPr id="10" name="图片 9" descr="无标题"/>
+          <p:cNvPicPr>
+            <a:picLocks noChangeAspect="1"/>
+          </p:cNvPicPr>
+          <p:nvPr/>
+        </p:nvPicPr>
+        <p:blipFill>
+          <a:blip r:embed="rId23">
+            <a:clrChange>
+              <a:clrFrom>
+                <a:srgbClr val="FFFFFF">
+                  <a:alpha val="100000"/>
+                </a:srgbClr>
+              </a:clrFrom>
+              <a:clrTo>
+                <a:srgbClr val="FFFFFF">
+                  <a:alpha val="100000"/>
+                  <a:alpha val="0"/>
+                </a:srgbClr>
+              </a:clrTo>
+            </a:clrChange>
+          </a:blip>
+          <a:stretch>
+            <a:fillRect/>
+          </a:stretch>
+        </p:blipFill>
+        <p:spPr>
+          <a:xfrm>
+            <a:off x="476885" y="887095"/>
+            <a:ext cx="4089400" cy="2019300"/>
+          </a:xfrm>
+          <a:prstGeom prst="rect">
+            <a:avLst/>
+          </a:prstGeom>
+        </p:spPr>
+      </p:pic>
+      <p:pic>
+        <p:nvPicPr>
+          <p:cNvPr id="13" name="图片 12" descr="无标题"/>
+          <p:cNvPicPr>
+            <a:picLocks noChangeAspect="1"/>
+          </p:cNvPicPr>
+          <p:nvPr/>
+        </p:nvPicPr>
+        <p:blipFill>
+          <a:blip r:embed="rId23">
+            <a:clrChange>
+              <a:clrFrom>
+                <a:srgbClr val="FFFFFF">
+                  <a:alpha val="100000"/>
+                </a:srgbClr>
+              </a:clrFrom>
+              <a:clrTo>
+                <a:srgbClr val="FFFFFF">
+                  <a:alpha val="100000"/>
+                  <a:alpha val="0"/>
+                </a:srgbClr>
+              </a:clrTo>
+            </a:clrChange>
+          </a:blip>
+          <a:stretch>
+            <a:fillRect/>
+          </a:stretch>
+        </p:blipFill>
+        <p:spPr>
+          <a:xfrm flipH="1">
+            <a:off x="7539990" y="894080"/>
+            <a:ext cx="3866515" cy="2012950"/>
+          </a:xfrm>
+          <a:prstGeom prst="rect">
+            <a:avLst/>
+          </a:prstGeom>
+        </p:spPr>
+      </p:pic>
+      <p:pic>
+        <p:nvPicPr>
+          <p:cNvPr id="6" name="图片 5"/>
+          <p:cNvPicPr>
+            <a:picLocks noChangeAspect="1"/>
+          </p:cNvPicPr>
+          <p:nvPr/>
+        </p:nvPicPr>
+        <p:blipFill>
+          <a:blip r:embed="rId24">
+            <a:clrChange>
+              <a:clrFrom>
+                <a:srgbClr val="3C3C3C">
+                  <a:alpha val="100000"/>
+                </a:srgbClr>
+              </a:clrFrom>
+              <a:clrTo>
+                <a:srgbClr val="3C3C3C">
+                  <a:alpha val="100000"/>
+                  <a:alpha val="0"/>
+                </a:srgbClr>
+              </a:clrTo>
+            </a:clrChange>
+          </a:blip>
+          <a:stretch>
+            <a:fillRect/>
+          </a:stretch>
+        </p:blipFill>
+        <p:spPr>
+          <a:xfrm>
+            <a:off x="2915285" y="3909060"/>
+            <a:ext cx="853440" cy="1277620"/>
+          </a:xfrm>
+          <a:prstGeom prst="rect">
+            <a:avLst/>
+          </a:prstGeom>
+          <a:noFill/>
+          <a:ln w="9525">
+            <a:noFill/>
+          </a:ln>
+        </p:spPr>
+      </p:pic>
+      <p:sp>
+        <p:nvSpPr>
+          <p:cNvPr id="21" name="右箭头 20"/>
+          <p:cNvSpPr/>
+          <p:nvPr/>
+        </p:nvSpPr>
+        <p:spPr>
+          <a:xfrm>
+            <a:off x="3860800" y="4110355"/>
+            <a:ext cx="1395095" cy="1092835"/>
+          </a:xfrm>
+          <a:prstGeom prst="rightArrow">
+            <a:avLst/>
+          </a:prstGeom>
+        </p:spPr>
+        <p:style>
+          <a:lnRef idx="2">
+            <a:schemeClr val="accent1">
+              <a:shade val="50000"/>
+            </a:schemeClr>
+          </a:lnRef>
+          <a:fillRef idx="1">
+            <a:schemeClr val="accent1"/>
+          </a:fillRef>
+          <a:effectRef idx="0">
+            <a:schemeClr val="accent1"/>
+          </a:effectRef>
+          <a:fontRef idx="minor">
+            <a:schemeClr val="lt1"/>
+          </a:fontRef>
+        </p:style>
+        <p:txBody>
+          <a:bodyPr rtlCol="0" anchor="ctr"/>
+          <a:p>
+            <a:pPr algn="ctr" fontAlgn="auto">
+              <a:lnSpc>
+                <a:spcPts val="2160"/>
+              </a:lnSpc>
+              <a:buClrTx/>
+              <a:buSzTx/>
+              <a:buFontTx/>
+            </a:pPr>
+            <a:r>
+              <a:rPr lang="zh-CN" altLang="en-US" dirty="0">
+                <a:sym typeface="+mn-ea"/>
+              </a:rPr>
+              <a:t>Skeleton analysis</a:t>
+            </a:r>
+            <a:endParaRPr lang="zh-CN" altLang="en-US" dirty="0">
+              <a:sym typeface="+mn-ea"/>
+            </a:endParaRPr>
+          </a:p>
+        </p:txBody>
+      </p:sp>
+      <p:sp>
+        <p:nvSpPr>
+          <p:cNvPr id="25" name="五边形 24"/>
+          <p:cNvSpPr/>
+          <p:nvPr/>
+        </p:nvSpPr>
+        <p:spPr>
+          <a:xfrm>
+            <a:off x="1368425" y="3010535"/>
+            <a:ext cx="2040255" cy="336550"/>
+          </a:xfrm>
+          <a:prstGeom prst="homePlate">
+            <a:avLst/>
+          </a:prstGeom>
+          <a:effectLst>
+            <a:outerShdw blurRad="88900" dir="19140000" algn="bl" rotWithShape="0">
+              <a:prstClr val="black">
+                <a:alpha val="40000"/>
+              </a:prstClr>
+            </a:outerShdw>
+          </a:effectLst>
+        </p:spPr>
+        <p:style>
+          <a:lnRef idx="3">
+            <a:schemeClr val="lt1"/>
+          </a:lnRef>
+          <a:fillRef idx="1">
+            <a:schemeClr val="accent6"/>
+          </a:fillRef>
+          <a:effectRef idx="1">
+            <a:schemeClr val="accent6"/>
+          </a:effectRef>
+          <a:fontRef idx="minor">
+            <a:schemeClr val="lt1"/>
+          </a:fontRef>
+        </p:style>
+        <p:txBody>
+          <a:bodyPr rtlCol="0" anchor="ctr"/>
+          <a:p>
+            <a:pPr algn="ctr"/>
+            <a:r>
+              <a:rPr lang="en-US" altLang="zh-CN" b="1"/>
+              <a:t>S</a:t>
+            </a:r>
+            <a:r>
+              <a:rPr lang="zh-CN" altLang="en-US" b="1"/>
+              <a:t>erver</a:t>
+            </a:r>
+            <a:endParaRPr lang="zh-CN" altLang="en-US" b="1"/>
+          </a:p>
+        </p:txBody>
+      </p:sp>
+      <p:sp>
+        <p:nvSpPr>
+          <p:cNvPr id="27" name="五边形 26"/>
+          <p:cNvSpPr/>
+          <p:nvPr/>
+        </p:nvSpPr>
+        <p:spPr>
+          <a:xfrm>
+            <a:off x="8188960" y="2994025"/>
+            <a:ext cx="2060575" cy="336550"/>
+          </a:xfrm>
+          <a:prstGeom prst="homePlate">
+            <a:avLst/>
+          </a:prstGeom>
+          <a:effectLst>
+            <a:outerShdw blurRad="88900" dir="19140000" algn="bl" rotWithShape="0">
+              <a:prstClr val="black">
+                <a:alpha val="40000"/>
+              </a:prstClr>
+            </a:outerShdw>
+          </a:effectLst>
+        </p:spPr>
+        <p:style>
+          <a:lnRef idx="3">
+            <a:schemeClr val="lt1"/>
+          </a:lnRef>
+          <a:fillRef idx="1">
+            <a:schemeClr val="accent6"/>
+          </a:fillRef>
+          <a:effectRef idx="1">
+            <a:schemeClr val="accent6"/>
+          </a:effectRef>
+          <a:fontRef idx="minor">
+            <a:schemeClr val="lt1"/>
+          </a:fontRef>
+        </p:style>
+        <p:txBody>
+          <a:bodyPr rtlCol="0" anchor="ctr"/>
+          <a:p>
+            <a:pPr algn="ctr"/>
+            <a:r>
+              <a:rPr lang="en-US" altLang="zh-CN" b="1"/>
+              <a:t>B</a:t>
+            </a:r>
+            <a:r>
+              <a:rPr lang="zh-CN" altLang="en-US" b="1"/>
+              <a:t>rowser</a:t>
+            </a:r>
+            <a:endParaRPr lang="zh-CN" altLang="en-US" b="1"/>
+          </a:p>
+        </p:txBody>
+      </p:sp>
+      <p:sp>
+        <p:nvSpPr>
+          <p:cNvPr id="31" name="五边形 30"/>
+          <p:cNvSpPr/>
+          <p:nvPr/>
+        </p:nvSpPr>
+        <p:spPr>
+          <a:xfrm>
+            <a:off x="4637405" y="3006090"/>
+            <a:ext cx="1633855" cy="336550"/>
+          </a:xfrm>
+          <a:prstGeom prst="homePlate">
+            <a:avLst/>
+          </a:prstGeom>
+          <a:effectLst>
+            <a:outerShdw blurRad="88900" dir="19140000" algn="bl" rotWithShape="0">
+              <a:prstClr val="black">
+                <a:alpha val="40000"/>
+              </a:prstClr>
+            </a:outerShdw>
+          </a:effectLst>
+        </p:spPr>
+        <p:style>
+          <a:lnRef idx="3">
+            <a:schemeClr val="lt1"/>
+          </a:lnRef>
+          <a:fillRef idx="1">
+            <a:schemeClr val="accent6"/>
+          </a:fillRef>
+          <a:effectRef idx="1">
+            <a:schemeClr val="accent6"/>
+          </a:effectRef>
+          <a:fontRef idx="minor">
+            <a:schemeClr val="lt1"/>
+          </a:fontRef>
+        </p:style>
+        <p:txBody>
+          <a:bodyPr rtlCol="0" anchor="ctr"/>
+          <a:p>
+            <a:pPr algn="ctr"/>
+            <a:r>
+              <a:rPr lang="en-US" altLang="zh-CN" b="1"/>
+              <a:t>T</a:t>
+            </a:r>
+            <a:r>
+              <a:rPr lang="zh-CN" altLang="en-US" b="1"/>
+              <a:t>ransmission</a:t>
+            </a:r>
+            <a:endParaRPr lang="zh-CN" altLang="en-US" b="1"/>
+          </a:p>
+        </p:txBody>
+      </p:sp>
+      <p:sp>
+        <p:nvSpPr>
+          <p:cNvPr id="32" name="右箭头 31"/>
+          <p:cNvSpPr/>
+          <p:nvPr/>
+        </p:nvSpPr>
+        <p:spPr>
+          <a:xfrm>
+            <a:off x="7082790" y="4568190"/>
+            <a:ext cx="2814955" cy="468630"/>
+          </a:xfrm>
+          <a:prstGeom prst="rightArrow">
+            <a:avLst/>
+          </a:prstGeom>
+        </p:spPr>
+        <p:style>
+          <a:lnRef idx="2">
+            <a:schemeClr val="accent1">
+              <a:shade val="50000"/>
+            </a:schemeClr>
+          </a:lnRef>
+          <a:fillRef idx="1">
+            <a:schemeClr val="accent1"/>
+          </a:fillRef>
+          <a:effectRef idx="0">
+            <a:schemeClr val="accent1"/>
+          </a:effectRef>
+          <a:fontRef idx="minor">
+            <a:schemeClr val="lt1"/>
+          </a:fontRef>
+        </p:style>
+        <p:txBody>
+          <a:bodyPr rtlCol="0" anchor="ctr"/>
+          <a:p>
+            <a:pPr algn="ctr"/>
+            <a:r>
+              <a:rPr lang="zh-CN" altLang="en-US">
+                <a:sym typeface="+mn-ea"/>
+              </a:rPr>
+              <a:t>Calculate transition frame</a:t>
+            </a:r>
+            <a:endParaRPr lang="zh-CN" altLang="en-US">
+              <a:sym typeface="+mn-ea"/>
+            </a:endParaRPr>
+          </a:p>
+        </p:txBody>
+      </p:sp>
+      <p:sp>
+        <p:nvSpPr>
+          <p:cNvPr id="33" name="左大括号 32"/>
+          <p:cNvSpPr/>
+          <p:nvPr/>
+        </p:nvSpPr>
+        <p:spPr>
+          <a:xfrm>
+            <a:off x="10168890" y="3957320"/>
+            <a:ext cx="162560" cy="1638300"/>
+          </a:xfrm>
+          <a:prstGeom prst="leftBrace">
+            <a:avLst/>
+          </a:prstGeom>
+        </p:spPr>
+        <p:style>
+          <a:lnRef idx="1">
+            <a:schemeClr val="accent1"/>
+          </a:lnRef>
+          <a:fillRef idx="0">
+            <a:schemeClr val="accent1"/>
+          </a:fillRef>
+          <a:effectRef idx="0">
+            <a:schemeClr val="accent1"/>
+          </a:effectRef>
+          <a:fontRef idx="minor">
+            <a:schemeClr val="tx1"/>
+          </a:fontRef>
+        </p:style>
+        <p:txBody>
+          <a:bodyPr rtlCol="0" anchor="ctr"/>
+          <a:p>
+            <a:pPr algn="ctr"/>
+            <a:endParaRPr lang="zh-CN" altLang="en-US"/>
+          </a:p>
+        </p:txBody>
+      </p:sp>
+      <p:sp>
+        <p:nvSpPr>
+          <p:cNvPr id="34" name="文本框 33"/>
+          <p:cNvSpPr txBox="1"/>
+          <p:nvPr/>
+        </p:nvSpPr>
+        <p:spPr>
+          <a:xfrm>
+            <a:off x="6743700" y="6282690"/>
+            <a:ext cx="1782445" cy="337185"/>
+          </a:xfrm>
+          <a:prstGeom prst="rect">
+            <a:avLst/>
+          </a:prstGeom>
+          <a:noFill/>
+        </p:spPr>
+        <p:txBody>
+          <a:bodyPr wrap="square" rtlCol="0">
+            <a:spAutoFit/>
+          </a:bodyPr>
+          <a:p>
+            <a:r>
+              <a:rPr lang="zh-CN" altLang="en-US" sz="1600"/>
+              <a:t>Motion </a:t>
+            </a:r>
+            <a:r>
+              <a:rPr lang="en-US" altLang="zh-CN" sz="1600"/>
+              <a:t>G</a:t>
+            </a:r>
+            <a:r>
+              <a:rPr lang="zh-CN" altLang="en-US" sz="1600"/>
+              <a:t>enerator</a:t>
+            </a:r>
+            <a:endParaRPr lang="zh-CN" altLang="en-US" sz="1600"/>
+          </a:p>
+        </p:txBody>
+      </p:sp>
     </p:spTree>
   </p:cSld>
   <p:clrMapOvr>
